--- a/ppt_files/vert_design4.pptx
+++ b/ppt_files/vert_design4.pptx
@@ -10,7 +10,7 @@
   <p:sldIdLst>
     <p:sldId id="256" r:id="rId8"/>
   </p:sldIdLst>
-  <p:sldSz cx="38404800" cy="40233600"/>
+  <p:sldSz cx="43891200" cy="51206400"/>
   <p:notesSz cx="6858000" cy="9144000"/>
   <p:defaultTextStyle>
     <a:defPPr marL="0" marR="0" indent="0" algn="l" defTabSz="914400" rtl="0" fontAlgn="auto" latinLnBrk="1" hangingPunct="0">
@@ -39,7 +39,7 @@
         <a:uFillTx/>
       </a:defRPr>
     </a:defPPr>
-    <a:lvl1pPr marL="0" marR="0" indent="0" algn="ctr" defTabSz="2409825" rtl="0" fontAlgn="auto" latinLnBrk="0" hangingPunct="0">
+    <a:lvl1pPr marL="0" marR="0" indent="0" algn="ctr" defTabSz="3505200" rtl="0" fontAlgn="auto" latinLnBrk="0" hangingPunct="0">
       <a:lnSpc>
         <a:spcPct val="100000"/>
       </a:lnSpc>
@@ -54,7 +54,7 @@
       <a:buFontTx/>
       <a:buNone/>
       <a:tabLst/>
-      <a:defRPr b="1" baseline="0" cap="none" i="0" spc="0" strike="noStrike" sz="8600" u="none" kumimoji="0" normalizeH="0">
+      <a:defRPr b="1" baseline="0" cap="none" i="0" spc="0" strike="noStrike" sz="12400" u="none" kumimoji="0" normalizeH="0">
         <a:ln>
           <a:noFill/>
         </a:ln>
@@ -69,7 +69,7 @@
         <a:sym typeface="Helvetica Neue"/>
       </a:defRPr>
     </a:lvl1pPr>
-    <a:lvl2pPr marL="0" marR="0" indent="228600" algn="ctr" defTabSz="2409825" rtl="0" fontAlgn="auto" latinLnBrk="0" hangingPunct="0">
+    <a:lvl2pPr marL="0" marR="0" indent="228600" algn="ctr" defTabSz="3505200" rtl="0" fontAlgn="auto" latinLnBrk="0" hangingPunct="0">
       <a:lnSpc>
         <a:spcPct val="100000"/>
       </a:lnSpc>
@@ -84,7 +84,7 @@
       <a:buFontTx/>
       <a:buNone/>
       <a:tabLst/>
-      <a:defRPr b="1" baseline="0" cap="none" i="0" spc="0" strike="noStrike" sz="8600" u="none" kumimoji="0" normalizeH="0">
+      <a:defRPr b="1" baseline="0" cap="none" i="0" spc="0" strike="noStrike" sz="12400" u="none" kumimoji="0" normalizeH="0">
         <a:ln>
           <a:noFill/>
         </a:ln>
@@ -99,7 +99,7 @@
         <a:sym typeface="Helvetica Neue"/>
       </a:defRPr>
     </a:lvl2pPr>
-    <a:lvl3pPr marL="0" marR="0" indent="457200" algn="ctr" defTabSz="2409825" rtl="0" fontAlgn="auto" latinLnBrk="0" hangingPunct="0">
+    <a:lvl3pPr marL="0" marR="0" indent="457200" algn="ctr" defTabSz="3505200" rtl="0" fontAlgn="auto" latinLnBrk="0" hangingPunct="0">
       <a:lnSpc>
         <a:spcPct val="100000"/>
       </a:lnSpc>
@@ -114,7 +114,7 @@
       <a:buFontTx/>
       <a:buNone/>
       <a:tabLst/>
-      <a:defRPr b="1" baseline="0" cap="none" i="0" spc="0" strike="noStrike" sz="8600" u="none" kumimoji="0" normalizeH="0">
+      <a:defRPr b="1" baseline="0" cap="none" i="0" spc="0" strike="noStrike" sz="12400" u="none" kumimoji="0" normalizeH="0">
         <a:ln>
           <a:noFill/>
         </a:ln>
@@ -129,7 +129,7 @@
         <a:sym typeface="Helvetica Neue"/>
       </a:defRPr>
     </a:lvl3pPr>
-    <a:lvl4pPr marL="0" marR="0" indent="685800" algn="ctr" defTabSz="2409825" rtl="0" fontAlgn="auto" latinLnBrk="0" hangingPunct="0">
+    <a:lvl4pPr marL="0" marR="0" indent="685800" algn="ctr" defTabSz="3505200" rtl="0" fontAlgn="auto" latinLnBrk="0" hangingPunct="0">
       <a:lnSpc>
         <a:spcPct val="100000"/>
       </a:lnSpc>
@@ -144,7 +144,7 @@
       <a:buFontTx/>
       <a:buNone/>
       <a:tabLst/>
-      <a:defRPr b="1" baseline="0" cap="none" i="0" spc="0" strike="noStrike" sz="8600" u="none" kumimoji="0" normalizeH="0">
+      <a:defRPr b="1" baseline="0" cap="none" i="0" spc="0" strike="noStrike" sz="12400" u="none" kumimoji="0" normalizeH="0">
         <a:ln>
           <a:noFill/>
         </a:ln>
@@ -159,7 +159,7 @@
         <a:sym typeface="Helvetica Neue"/>
       </a:defRPr>
     </a:lvl4pPr>
-    <a:lvl5pPr marL="0" marR="0" indent="914400" algn="ctr" defTabSz="2409825" rtl="0" fontAlgn="auto" latinLnBrk="0" hangingPunct="0">
+    <a:lvl5pPr marL="0" marR="0" indent="914400" algn="ctr" defTabSz="3505200" rtl="0" fontAlgn="auto" latinLnBrk="0" hangingPunct="0">
       <a:lnSpc>
         <a:spcPct val="100000"/>
       </a:lnSpc>
@@ -174,7 +174,7 @@
       <a:buFontTx/>
       <a:buNone/>
       <a:tabLst/>
-      <a:defRPr b="1" baseline="0" cap="none" i="0" spc="0" strike="noStrike" sz="8600" u="none" kumimoji="0" normalizeH="0">
+      <a:defRPr b="1" baseline="0" cap="none" i="0" spc="0" strike="noStrike" sz="12400" u="none" kumimoji="0" normalizeH="0">
         <a:ln>
           <a:noFill/>
         </a:ln>
@@ -189,7 +189,7 @@
         <a:sym typeface="Helvetica Neue"/>
       </a:defRPr>
     </a:lvl5pPr>
-    <a:lvl6pPr marL="0" marR="0" indent="1143000" algn="ctr" defTabSz="2409825" rtl="0" fontAlgn="auto" latinLnBrk="0" hangingPunct="0">
+    <a:lvl6pPr marL="0" marR="0" indent="1143000" algn="ctr" defTabSz="3505200" rtl="0" fontAlgn="auto" latinLnBrk="0" hangingPunct="0">
       <a:lnSpc>
         <a:spcPct val="100000"/>
       </a:lnSpc>
@@ -204,7 +204,7 @@
       <a:buFontTx/>
       <a:buNone/>
       <a:tabLst/>
-      <a:defRPr b="1" baseline="0" cap="none" i="0" spc="0" strike="noStrike" sz="8600" u="none" kumimoji="0" normalizeH="0">
+      <a:defRPr b="1" baseline="0" cap="none" i="0" spc="0" strike="noStrike" sz="12400" u="none" kumimoji="0" normalizeH="0">
         <a:ln>
           <a:noFill/>
         </a:ln>
@@ -219,7 +219,7 @@
         <a:sym typeface="Helvetica Neue"/>
       </a:defRPr>
     </a:lvl6pPr>
-    <a:lvl7pPr marL="0" marR="0" indent="1371600" algn="ctr" defTabSz="2409825" rtl="0" fontAlgn="auto" latinLnBrk="0" hangingPunct="0">
+    <a:lvl7pPr marL="0" marR="0" indent="1371600" algn="ctr" defTabSz="3505200" rtl="0" fontAlgn="auto" latinLnBrk="0" hangingPunct="0">
       <a:lnSpc>
         <a:spcPct val="100000"/>
       </a:lnSpc>
@@ -234,7 +234,7 @@
       <a:buFontTx/>
       <a:buNone/>
       <a:tabLst/>
-      <a:defRPr b="1" baseline="0" cap="none" i="0" spc="0" strike="noStrike" sz="8600" u="none" kumimoji="0" normalizeH="0">
+      <a:defRPr b="1" baseline="0" cap="none" i="0" spc="0" strike="noStrike" sz="12400" u="none" kumimoji="0" normalizeH="0">
         <a:ln>
           <a:noFill/>
         </a:ln>
@@ -249,7 +249,7 @@
         <a:sym typeface="Helvetica Neue"/>
       </a:defRPr>
     </a:lvl7pPr>
-    <a:lvl8pPr marL="0" marR="0" indent="1600200" algn="ctr" defTabSz="2409825" rtl="0" fontAlgn="auto" latinLnBrk="0" hangingPunct="0">
+    <a:lvl8pPr marL="0" marR="0" indent="1600200" algn="ctr" defTabSz="3505200" rtl="0" fontAlgn="auto" latinLnBrk="0" hangingPunct="0">
       <a:lnSpc>
         <a:spcPct val="100000"/>
       </a:lnSpc>
@@ -264,7 +264,7 @@
       <a:buFontTx/>
       <a:buNone/>
       <a:tabLst/>
-      <a:defRPr b="1" baseline="0" cap="none" i="0" spc="0" strike="noStrike" sz="8600" u="none" kumimoji="0" normalizeH="0">
+      <a:defRPr b="1" baseline="0" cap="none" i="0" spc="0" strike="noStrike" sz="12400" u="none" kumimoji="0" normalizeH="0">
         <a:ln>
           <a:noFill/>
         </a:ln>
@@ -279,7 +279,7 @@
         <a:sym typeface="Helvetica Neue"/>
       </a:defRPr>
     </a:lvl8pPr>
-    <a:lvl9pPr marL="0" marR="0" indent="1828800" algn="ctr" defTabSz="2409825" rtl="0" fontAlgn="auto" latinLnBrk="0" hangingPunct="0">
+    <a:lvl9pPr marL="0" marR="0" indent="1828800" algn="ctr" defTabSz="3505200" rtl="0" fontAlgn="auto" latinLnBrk="0" hangingPunct="0">
       <a:lnSpc>
         <a:spcPct val="100000"/>
       </a:lnSpc>
@@ -294,7 +294,7 @@
       <a:buFontTx/>
       <a:buNone/>
       <a:tabLst/>
-      <a:defRPr b="1" baseline="0" cap="none" i="0" spc="0" strike="noStrike" sz="8600" u="none" kumimoji="0" normalizeH="0">
+      <a:defRPr b="1" baseline="0" cap="none" i="0" spc="0" strike="noStrike" sz="12400" u="none" kumimoji="0" normalizeH="0">
         <a:ln>
           <a:noFill/>
         </a:ln>
@@ -638,8 +638,8 @@
         </p:nvSpPr>
         <p:spPr>
           <a:xfrm>
-            <a:off x="12373198" y="22056160"/>
-            <a:ext cx="13658404" cy="1397426"/>
+            <a:off x="14140797" y="31477212"/>
+            <a:ext cx="15609606" cy="1987056"/>
           </a:xfrm>
           <a:prstGeom prst="rect">
             <a:avLst/>
@@ -651,7 +651,7 @@
           </a:bodyPr>
           <a:lstStyle>
             <a:lvl1pPr>
-              <a:defRPr i="1" sz="8600"/>
+              <a:defRPr i="1" sz="12400"/>
             </a:lvl1pPr>
           </a:lstStyle>
           <a:p>
@@ -672,8 +672,8 @@
         </p:nvSpPr>
         <p:spPr>
           <a:xfrm>
-            <a:off x="12373198" y="17799266"/>
-            <a:ext cx="13658404" cy="3947727"/>
+            <a:off x="14140797" y="26031413"/>
+            <a:ext cx="15609606" cy="5673241"/>
           </a:xfrm>
           <a:prstGeom prst="rect">
             <a:avLst/>
@@ -685,7 +685,7 @@
           </a:bodyPr>
           <a:lstStyle>
             <a:lvl1pPr>
-              <a:defRPr sz="12400">
+              <a:defRPr sz="18000">
                 <a:latin typeface="+mn-lt"/>
                 <a:ea typeface="+mn-ea"/>
                 <a:cs typeface="+mn-cs"/>
@@ -759,8 +759,8 @@
         </p:nvSpPr>
         <p:spPr>
           <a:xfrm>
-            <a:off x="10715625" y="13751718"/>
-            <a:ext cx="16973551" cy="12730165"/>
+            <a:off x="12246428" y="21986421"/>
+            <a:ext cx="19398345" cy="14548759"/>
           </a:xfrm>
           <a:prstGeom prst="rect">
             <a:avLst/>
@@ -882,8 +882,8 @@
         </p:nvSpPr>
         <p:spPr>
           <a:xfrm>
-            <a:off x="12829031" y="14630232"/>
-            <a:ext cx="12735926" cy="7707717"/>
+            <a:off x="14661749" y="22990436"/>
+            <a:ext cx="14555345" cy="8808820"/>
           </a:xfrm>
           <a:prstGeom prst="rect">
             <a:avLst/>
@@ -909,8 +909,8 @@
         </p:nvSpPr>
         <p:spPr>
           <a:xfrm>
-            <a:off x="12373198" y="22520281"/>
-            <a:ext cx="13658404" cy="1856483"/>
+            <a:off x="14140797" y="32007635"/>
+            <a:ext cx="15609606" cy="2121695"/>
           </a:xfrm>
           <a:prstGeom prst="rect">
             <a:avLst/>
@@ -937,8 +937,8 @@
         </p:nvSpPr>
         <p:spPr>
           <a:xfrm>
-            <a:off x="12373198" y="24393338"/>
-            <a:ext cx="13658404" cy="1475242"/>
+            <a:off x="14140797" y="34148273"/>
+            <a:ext cx="15609606" cy="1685990"/>
           </a:xfrm>
           <a:prstGeom prst="rect">
             <a:avLst/>
@@ -1037,8 +1037,8 @@
         </p:nvSpPr>
         <p:spPr>
           <a:xfrm>
-            <a:off x="12373198" y="17961954"/>
-            <a:ext cx="13658404" cy="4309692"/>
+            <a:off x="14140797" y="26798119"/>
+            <a:ext cx="15609606" cy="4925362"/>
           </a:xfrm>
           <a:prstGeom prst="rect">
             <a:avLst/>
@@ -1113,8 +1113,8 @@
         </p:nvSpPr>
         <p:spPr>
           <a:xfrm>
-            <a:off x="19484187" y="14585620"/>
-            <a:ext cx="6961809" cy="10724501"/>
+            <a:off x="22267643" y="22939451"/>
+            <a:ext cx="7956353" cy="12256573"/>
           </a:xfrm>
           <a:prstGeom prst="rect">
             <a:avLst/>
@@ -1140,8 +1140,8 @@
         </p:nvSpPr>
         <p:spPr>
           <a:xfrm>
-            <a:off x="11958804" y="14580505"/>
-            <a:ext cx="6961809" cy="5204781"/>
+            <a:off x="13667205" y="22933605"/>
+            <a:ext cx="7956353" cy="5948322"/>
           </a:xfrm>
           <a:prstGeom prst="rect">
             <a:avLst/>
@@ -1151,7 +1151,7 @@
           <a:bodyPr/>
           <a:lstStyle>
             <a:lvl1pPr>
-              <a:defRPr sz="24000"/>
+              <a:defRPr sz="34800"/>
             </a:lvl1pPr>
           </a:lstStyle>
           <a:p>
@@ -1172,8 +1172,8 @@
         </p:nvSpPr>
         <p:spPr>
           <a:xfrm>
-            <a:off x="11958804" y="19917891"/>
-            <a:ext cx="6961809" cy="5370538"/>
+            <a:off x="13667205" y="29033475"/>
+            <a:ext cx="7956353" cy="6137759"/>
           </a:xfrm>
           <a:prstGeom prst="rect">
             <a:avLst/>
@@ -1272,8 +1272,8 @@
         </p:nvSpPr>
         <p:spPr>
           <a:xfrm>
-            <a:off x="11958804" y="14083233"/>
-            <a:ext cx="14487192" cy="2817876"/>
+            <a:off x="13667205" y="22365295"/>
+            <a:ext cx="16556790" cy="3220429"/>
           </a:xfrm>
           <a:prstGeom prst="rect">
             <a:avLst/>
@@ -1348,8 +1348,8 @@
         </p:nvSpPr>
         <p:spPr>
           <a:xfrm>
-            <a:off x="11958804" y="14083233"/>
-            <a:ext cx="14487192" cy="2817876"/>
+            <a:off x="13667205" y="22365295"/>
+            <a:ext cx="16556790" cy="3220429"/>
           </a:xfrm>
           <a:prstGeom prst="rect">
             <a:avLst/>
@@ -1376,8 +1376,8 @@
         </p:nvSpPr>
         <p:spPr>
           <a:xfrm>
-            <a:off x="11958804" y="17133168"/>
-            <a:ext cx="14487192" cy="8204988"/>
+            <a:off x="13667205" y="25850934"/>
+            <a:ext cx="16556790" cy="9377130"/>
           </a:xfrm>
           <a:prstGeom prst="rect">
             <a:avLst/>
@@ -1386,45 +1386,45 @@
         <p:txBody>
           <a:bodyPr anchor="ctr"/>
           <a:lstStyle>
-            <a:lvl1pPr marL="1722437" indent="-1722437" algn="l">
+            <a:lvl1pPr marL="2500312" indent="-2500312" algn="l">
               <a:spcBef>
-                <a:spcPts val="17300"/>
+                <a:spcPts val="25200"/>
               </a:spcBef>
               <a:buSzPct val="145000"/>
               <a:buChar char="•"/>
-              <a:defRPr sz="12400"/>
+              <a:defRPr sz="18000"/>
             </a:lvl1pPr>
-            <a:lvl2pPr marL="2166937" indent="-1722437" algn="l">
+            <a:lvl2pPr marL="2944812" indent="-2500312" algn="l">
               <a:spcBef>
-                <a:spcPts val="17300"/>
+                <a:spcPts val="25200"/>
               </a:spcBef>
               <a:buSzPct val="145000"/>
               <a:buChar char="•"/>
-              <a:defRPr sz="12400"/>
+              <a:defRPr sz="18000"/>
             </a:lvl2pPr>
-            <a:lvl3pPr marL="2611437" indent="-1722437" algn="l">
+            <a:lvl3pPr marL="3389312" indent="-2500312" algn="l">
               <a:spcBef>
-                <a:spcPts val="17300"/>
+                <a:spcPts val="25200"/>
               </a:spcBef>
               <a:buSzPct val="145000"/>
               <a:buChar char="•"/>
-              <a:defRPr sz="12400"/>
+              <a:defRPr sz="18000"/>
             </a:lvl3pPr>
-            <a:lvl4pPr marL="3055937" indent="-1722437" algn="l">
+            <a:lvl4pPr marL="3833812" indent="-2500312" algn="l">
               <a:spcBef>
-                <a:spcPts val="17300"/>
+                <a:spcPts val="25200"/>
               </a:spcBef>
               <a:buSzPct val="145000"/>
               <a:buChar char="•"/>
-              <a:defRPr sz="12400"/>
+              <a:defRPr sz="18000"/>
             </a:lvl4pPr>
-            <a:lvl5pPr marL="3500437" indent="-1722437" algn="l">
+            <a:lvl5pPr marL="4278312" indent="-2500312" algn="l">
               <a:spcBef>
-                <a:spcPts val="17300"/>
+                <a:spcPts val="25200"/>
               </a:spcBef>
               <a:buSzPct val="145000"/>
               <a:buChar char="•"/>
-              <a:defRPr sz="12400"/>
+              <a:defRPr sz="18000"/>
             </a:lvl5pPr>
           </a:lstStyle>
           <a:p>
@@ -1517,8 +1517,8 @@
         </p:nvSpPr>
         <p:spPr>
           <a:xfrm>
-            <a:off x="19484187" y="17133168"/>
-            <a:ext cx="6961809" cy="8204988"/>
+            <a:off x="22267643" y="25850934"/>
+            <a:ext cx="7956352" cy="9377130"/>
           </a:xfrm>
           <a:prstGeom prst="rect">
             <a:avLst/>
@@ -1544,8 +1544,8 @@
         </p:nvSpPr>
         <p:spPr>
           <a:xfrm>
-            <a:off x="11958804" y="14083233"/>
-            <a:ext cx="14487192" cy="2817876"/>
+            <a:off x="13667205" y="22365295"/>
+            <a:ext cx="16556790" cy="3220429"/>
           </a:xfrm>
           <a:prstGeom prst="rect">
             <a:avLst/>
@@ -1572,8 +1572,8 @@
         </p:nvSpPr>
         <p:spPr>
           <a:xfrm>
-            <a:off x="11958804" y="17133168"/>
-            <a:ext cx="6961809" cy="8204988"/>
+            <a:off x="13667205" y="25850934"/>
+            <a:ext cx="7956353" cy="9377130"/>
           </a:xfrm>
           <a:prstGeom prst="rect">
             <a:avLst/>
@@ -1582,45 +1582,45 @@
         <p:txBody>
           <a:bodyPr anchor="ctr"/>
           <a:lstStyle>
-            <a:lvl1pPr marL="1273628" indent="-1273628" algn="l">
+            <a:lvl1pPr marL="1836964" indent="-1836964" algn="l">
               <a:spcBef>
-                <a:spcPts val="13200"/>
+                <a:spcPts val="19200"/>
               </a:spcBef>
               <a:buSzPct val="145000"/>
               <a:buChar char="•"/>
-              <a:defRPr sz="10400"/>
+              <a:defRPr sz="15000"/>
             </a:lvl1pPr>
-            <a:lvl2pPr marL="1616528" indent="-1273628" algn="l">
+            <a:lvl2pPr marL="2179864" indent="-1836964" algn="l">
               <a:spcBef>
-                <a:spcPts val="13200"/>
+                <a:spcPts val="19200"/>
               </a:spcBef>
               <a:buSzPct val="145000"/>
               <a:buChar char="•"/>
-              <a:defRPr sz="10400"/>
+              <a:defRPr sz="15000"/>
             </a:lvl2pPr>
-            <a:lvl3pPr marL="1959428" indent="-1273628" algn="l">
+            <a:lvl3pPr marL="2522764" indent="-1836964" algn="l">
               <a:spcBef>
-                <a:spcPts val="13200"/>
+                <a:spcPts val="19200"/>
               </a:spcBef>
               <a:buSzPct val="145000"/>
               <a:buChar char="•"/>
-              <a:defRPr sz="10400"/>
+              <a:defRPr sz="15000"/>
             </a:lvl3pPr>
-            <a:lvl4pPr marL="2302328" indent="-1273628" algn="l">
+            <a:lvl4pPr marL="2865664" indent="-1836964" algn="l">
               <a:spcBef>
-                <a:spcPts val="13200"/>
+                <a:spcPts val="19200"/>
               </a:spcBef>
               <a:buSzPct val="145000"/>
               <a:buChar char="•"/>
-              <a:defRPr sz="10400"/>
+              <a:defRPr sz="15000"/>
             </a:lvl4pPr>
-            <a:lvl5pPr marL="2645228" indent="-1273628" algn="l">
+            <a:lvl5pPr marL="3208564" indent="-1836964" algn="l">
               <a:spcBef>
-                <a:spcPts val="13200"/>
+                <a:spcPts val="19200"/>
               </a:spcBef>
               <a:buSzPct val="145000"/>
               <a:buChar char="•"/>
-              <a:defRPr sz="10400"/>
+              <a:defRPr sz="15000"/>
             </a:lvl5pPr>
           </a:lstStyle>
           <a:p>
@@ -1713,8 +1713,8 @@
         </p:nvSpPr>
         <p:spPr>
           <a:xfrm>
-            <a:off x="11958804" y="15409291"/>
-            <a:ext cx="14487192" cy="9415018"/>
+            <a:off x="13667205" y="23880790"/>
+            <a:ext cx="16556790" cy="10760020"/>
           </a:xfrm>
           <a:prstGeom prst="rect">
             <a:avLst/>
@@ -1723,45 +1723,45 @@
         <p:txBody>
           <a:bodyPr anchor="ctr"/>
           <a:lstStyle>
-            <a:lvl1pPr marL="1722437" indent="-1722437" algn="l">
+            <a:lvl1pPr marL="2500312" indent="-2500312" algn="l">
               <a:spcBef>
-                <a:spcPts val="17300"/>
+                <a:spcPts val="25200"/>
               </a:spcBef>
               <a:buSzPct val="145000"/>
               <a:buChar char="•"/>
-              <a:defRPr sz="12400"/>
+              <a:defRPr sz="18000"/>
             </a:lvl1pPr>
-            <a:lvl2pPr marL="2166937" indent="-1722437" algn="l">
+            <a:lvl2pPr marL="2944812" indent="-2500312" algn="l">
               <a:spcBef>
-                <a:spcPts val="17300"/>
+                <a:spcPts val="25200"/>
               </a:spcBef>
               <a:buSzPct val="145000"/>
               <a:buChar char="•"/>
-              <a:defRPr sz="12400"/>
+              <a:defRPr sz="18000"/>
             </a:lvl2pPr>
-            <a:lvl3pPr marL="2611437" indent="-1722437" algn="l">
+            <a:lvl3pPr marL="3389312" indent="-2500312" algn="l">
               <a:spcBef>
-                <a:spcPts val="17300"/>
+                <a:spcPts val="25200"/>
               </a:spcBef>
               <a:buSzPct val="145000"/>
               <a:buChar char="•"/>
-              <a:defRPr sz="12400"/>
+              <a:defRPr sz="18000"/>
             </a:lvl3pPr>
-            <a:lvl4pPr marL="3055937" indent="-1722437" algn="l">
+            <a:lvl4pPr marL="3833812" indent="-2500312" algn="l">
               <a:spcBef>
-                <a:spcPts val="17300"/>
+                <a:spcPts val="25200"/>
               </a:spcBef>
               <a:buSzPct val="145000"/>
               <a:buChar char="•"/>
-              <a:defRPr sz="12400"/>
+              <a:defRPr sz="18000"/>
             </a:lvl4pPr>
-            <a:lvl5pPr marL="3500437" indent="-1722437" algn="l">
+            <a:lvl5pPr marL="4278312" indent="-2500312" algn="l">
               <a:spcBef>
-                <a:spcPts val="17300"/>
+                <a:spcPts val="25200"/>
               </a:spcBef>
               <a:buSzPct val="145000"/>
               <a:buChar char="•"/>
-              <a:defRPr sz="12400"/>
+              <a:defRPr sz="18000"/>
             </a:lvl5pPr>
           </a:lstStyle>
           <a:p>
@@ -1854,8 +1854,8 @@
         </p:nvSpPr>
         <p:spPr>
           <a:xfrm>
-            <a:off x="19500763" y="20232830"/>
-            <a:ext cx="6961808" cy="5088751"/>
+            <a:off x="22286586" y="29393405"/>
+            <a:ext cx="7956353" cy="5815716"/>
           </a:xfrm>
           <a:prstGeom prst="rect">
             <a:avLst/>
@@ -1881,8 +1881,8 @@
         </p:nvSpPr>
         <p:spPr>
           <a:xfrm>
-            <a:off x="19500763" y="14580505"/>
-            <a:ext cx="6961808" cy="5088751"/>
+            <a:off x="22286586" y="22933605"/>
+            <a:ext cx="7956353" cy="5815716"/>
           </a:xfrm>
           <a:prstGeom prst="rect">
             <a:avLst/>
@@ -1908,8 +1908,8 @@
         </p:nvSpPr>
         <p:spPr>
           <a:xfrm>
-            <a:off x="11958804" y="14580505"/>
-            <a:ext cx="6961809" cy="10741076"/>
+            <a:off x="13667205" y="22933605"/>
+            <a:ext cx="7956353" cy="12275517"/>
           </a:xfrm>
           <a:prstGeom prst="rect">
             <a:avLst/>
@@ -1990,8 +1990,8 @@
         </p:nvSpPr>
         <p:spPr>
           <a:xfrm>
-            <a:off x="12373198" y="15889988"/>
-            <a:ext cx="13658404" cy="4309691"/>
+            <a:off x="14140797" y="24430157"/>
+            <a:ext cx="15609606" cy="4925362"/>
           </a:xfrm>
           <a:prstGeom prst="rect">
             <a:avLst/>
@@ -2006,7 +2006,7 @@
           </a:extLst>
         </p:spPr>
         <p:txBody>
-          <a:bodyPr lIns="66302" tIns="66302" rIns="66302" bIns="66302" anchor="b">
+          <a:bodyPr lIns="75774" tIns="75774" rIns="75774" bIns="75774" anchor="b">
             <a:normAutofit fontScale="100000" lnSpcReduction="0"/>
           </a:bodyPr>
           <a:lstStyle/>
@@ -2028,8 +2028,8 @@
         </p:nvSpPr>
         <p:spPr>
           <a:xfrm>
-            <a:off x="12373198" y="20315708"/>
-            <a:ext cx="13658404" cy="1475242"/>
+            <a:off x="14140797" y="29488124"/>
+            <a:ext cx="15609606" cy="1685990"/>
           </a:xfrm>
           <a:prstGeom prst="rect">
             <a:avLst/>
@@ -2044,7 +2044,7 @@
           </a:extLst>
         </p:spPr>
         <p:txBody>
-          <a:bodyPr lIns="66302" tIns="66302" rIns="66302" bIns="66302">
+          <a:bodyPr lIns="75774" tIns="75774" rIns="75774" bIns="75774">
             <a:normAutofit fontScale="100000" lnSpcReduction="0"/>
           </a:bodyPr>
           <a:lstStyle/>
@@ -2090,8 +2090,8 @@
         </p:nvSpPr>
         <p:spPr>
           <a:xfrm>
-            <a:off x="18687532" y="25885154"/>
-            <a:ext cx="1020896" cy="1062267"/>
+            <a:off x="21222915" y="35853205"/>
+            <a:ext cx="1435267" cy="1502696"/>
           </a:xfrm>
           <a:prstGeom prst="rect">
             <a:avLst/>
@@ -2101,12 +2101,12 @@
           </a:ln>
         </p:spPr>
         <p:txBody>
-          <a:bodyPr wrap="none" lIns="66302" tIns="66302" rIns="66302" bIns="66302">
+          <a:bodyPr wrap="none" lIns="75774" tIns="75774" rIns="75774" bIns="75774">
             <a:spAutoFit/>
           </a:bodyPr>
           <a:lstStyle>
             <a:lvl1pPr>
-              <a:defRPr b="0" sz="6200">
+              <a:defRPr b="0" sz="9000">
                 <a:latin typeface="Helvetica Neue Light"/>
                 <a:ea typeface="Helvetica Neue Light"/>
                 <a:cs typeface="Helvetica Neue Light"/>
@@ -2140,7 +2140,7 @@
   <p:transition xmlns:p14="http://schemas.microsoft.com/office/powerpoint/2010/main" spd="med" advClick="1"/>
   <p:txStyles>
     <p:titleStyle>
-      <a:lvl1pPr marL="0" marR="0" indent="0" algn="ctr" defTabSz="2409825" rtl="0" latinLnBrk="0">
+      <a:lvl1pPr marL="0" marR="0" indent="0" algn="ctr" defTabSz="3505200" rtl="0" latinLnBrk="0">
         <a:lnSpc>
           <a:spcPct val="100000"/>
         </a:lnSpc>
@@ -2155,7 +2155,7 @@
         <a:buFontTx/>
         <a:buNone/>
         <a:tabLst/>
-        <a:defRPr b="0" baseline="0" cap="none" i="0" spc="0" strike="noStrike" sz="32000" u="none">
+        <a:defRPr b="0" baseline="0" cap="none" i="0" spc="0" strike="noStrike" sz="46400" u="none">
           <a:ln>
             <a:noFill/>
           </a:ln>
@@ -2169,7 +2169,7 @@
           <a:sym typeface="Helvetica Neue Medium"/>
         </a:defRPr>
       </a:lvl1pPr>
-      <a:lvl2pPr marL="0" marR="0" indent="0" algn="ctr" defTabSz="2409825" rtl="0" latinLnBrk="0">
+      <a:lvl2pPr marL="0" marR="0" indent="0" algn="ctr" defTabSz="3505200" rtl="0" latinLnBrk="0">
         <a:lnSpc>
           <a:spcPct val="100000"/>
         </a:lnSpc>
@@ -2184,7 +2184,7 @@
         <a:buFontTx/>
         <a:buNone/>
         <a:tabLst/>
-        <a:defRPr b="0" baseline="0" cap="none" i="0" spc="0" strike="noStrike" sz="32000" u="none">
+        <a:defRPr b="0" baseline="0" cap="none" i="0" spc="0" strike="noStrike" sz="46400" u="none">
           <a:ln>
             <a:noFill/>
           </a:ln>
@@ -2198,7 +2198,7 @@
           <a:sym typeface="Helvetica Neue Medium"/>
         </a:defRPr>
       </a:lvl2pPr>
-      <a:lvl3pPr marL="0" marR="0" indent="0" algn="ctr" defTabSz="2409825" rtl="0" latinLnBrk="0">
+      <a:lvl3pPr marL="0" marR="0" indent="0" algn="ctr" defTabSz="3505200" rtl="0" latinLnBrk="0">
         <a:lnSpc>
           <a:spcPct val="100000"/>
         </a:lnSpc>
@@ -2213,7 +2213,7 @@
         <a:buFontTx/>
         <a:buNone/>
         <a:tabLst/>
-        <a:defRPr b="0" baseline="0" cap="none" i="0" spc="0" strike="noStrike" sz="32000" u="none">
+        <a:defRPr b="0" baseline="0" cap="none" i="0" spc="0" strike="noStrike" sz="46400" u="none">
           <a:ln>
             <a:noFill/>
           </a:ln>
@@ -2227,7 +2227,7 @@
           <a:sym typeface="Helvetica Neue Medium"/>
         </a:defRPr>
       </a:lvl3pPr>
-      <a:lvl4pPr marL="0" marR="0" indent="0" algn="ctr" defTabSz="2409825" rtl="0" latinLnBrk="0">
+      <a:lvl4pPr marL="0" marR="0" indent="0" algn="ctr" defTabSz="3505200" rtl="0" latinLnBrk="0">
         <a:lnSpc>
           <a:spcPct val="100000"/>
         </a:lnSpc>
@@ -2242,7 +2242,7 @@
         <a:buFontTx/>
         <a:buNone/>
         <a:tabLst/>
-        <a:defRPr b="0" baseline="0" cap="none" i="0" spc="0" strike="noStrike" sz="32000" u="none">
+        <a:defRPr b="0" baseline="0" cap="none" i="0" spc="0" strike="noStrike" sz="46400" u="none">
           <a:ln>
             <a:noFill/>
           </a:ln>
@@ -2256,7 +2256,7 @@
           <a:sym typeface="Helvetica Neue Medium"/>
         </a:defRPr>
       </a:lvl4pPr>
-      <a:lvl5pPr marL="0" marR="0" indent="0" algn="ctr" defTabSz="2409825" rtl="0" latinLnBrk="0">
+      <a:lvl5pPr marL="0" marR="0" indent="0" algn="ctr" defTabSz="3505200" rtl="0" latinLnBrk="0">
         <a:lnSpc>
           <a:spcPct val="100000"/>
         </a:lnSpc>
@@ -2271,7 +2271,7 @@
         <a:buFontTx/>
         <a:buNone/>
         <a:tabLst/>
-        <a:defRPr b="0" baseline="0" cap="none" i="0" spc="0" strike="noStrike" sz="32000" u="none">
+        <a:defRPr b="0" baseline="0" cap="none" i="0" spc="0" strike="noStrike" sz="46400" u="none">
           <a:ln>
             <a:noFill/>
           </a:ln>
@@ -2285,7 +2285,7 @@
           <a:sym typeface="Helvetica Neue Medium"/>
         </a:defRPr>
       </a:lvl5pPr>
-      <a:lvl6pPr marL="0" marR="0" indent="0" algn="ctr" defTabSz="2409825" rtl="0" latinLnBrk="0">
+      <a:lvl6pPr marL="0" marR="0" indent="0" algn="ctr" defTabSz="3505200" rtl="0" latinLnBrk="0">
         <a:lnSpc>
           <a:spcPct val="100000"/>
         </a:lnSpc>
@@ -2300,7 +2300,7 @@
         <a:buFontTx/>
         <a:buNone/>
         <a:tabLst/>
-        <a:defRPr b="0" baseline="0" cap="none" i="0" spc="0" strike="noStrike" sz="32000" u="none">
+        <a:defRPr b="0" baseline="0" cap="none" i="0" spc="0" strike="noStrike" sz="46400" u="none">
           <a:ln>
             <a:noFill/>
           </a:ln>
@@ -2314,7 +2314,7 @@
           <a:sym typeface="Helvetica Neue Medium"/>
         </a:defRPr>
       </a:lvl6pPr>
-      <a:lvl7pPr marL="0" marR="0" indent="0" algn="ctr" defTabSz="2409825" rtl="0" latinLnBrk="0">
+      <a:lvl7pPr marL="0" marR="0" indent="0" algn="ctr" defTabSz="3505200" rtl="0" latinLnBrk="0">
         <a:lnSpc>
           <a:spcPct val="100000"/>
         </a:lnSpc>
@@ -2329,7 +2329,7 @@
         <a:buFontTx/>
         <a:buNone/>
         <a:tabLst/>
-        <a:defRPr b="0" baseline="0" cap="none" i="0" spc="0" strike="noStrike" sz="32000" u="none">
+        <a:defRPr b="0" baseline="0" cap="none" i="0" spc="0" strike="noStrike" sz="46400" u="none">
           <a:ln>
             <a:noFill/>
           </a:ln>
@@ -2343,7 +2343,7 @@
           <a:sym typeface="Helvetica Neue Medium"/>
         </a:defRPr>
       </a:lvl7pPr>
-      <a:lvl8pPr marL="0" marR="0" indent="0" algn="ctr" defTabSz="2409825" rtl="0" latinLnBrk="0">
+      <a:lvl8pPr marL="0" marR="0" indent="0" algn="ctr" defTabSz="3505200" rtl="0" latinLnBrk="0">
         <a:lnSpc>
           <a:spcPct val="100000"/>
         </a:lnSpc>
@@ -2358,7 +2358,7 @@
         <a:buFontTx/>
         <a:buNone/>
         <a:tabLst/>
-        <a:defRPr b="0" baseline="0" cap="none" i="0" spc="0" strike="noStrike" sz="32000" u="none">
+        <a:defRPr b="0" baseline="0" cap="none" i="0" spc="0" strike="noStrike" sz="46400" u="none">
           <a:ln>
             <a:noFill/>
           </a:ln>
@@ -2372,7 +2372,7 @@
           <a:sym typeface="Helvetica Neue Medium"/>
         </a:defRPr>
       </a:lvl8pPr>
-      <a:lvl9pPr marL="0" marR="0" indent="0" algn="ctr" defTabSz="2409825" rtl="0" latinLnBrk="0">
+      <a:lvl9pPr marL="0" marR="0" indent="0" algn="ctr" defTabSz="3505200" rtl="0" latinLnBrk="0">
         <a:lnSpc>
           <a:spcPct val="100000"/>
         </a:lnSpc>
@@ -2387,7 +2387,7 @@
         <a:buFontTx/>
         <a:buNone/>
         <a:tabLst/>
-        <a:defRPr b="0" baseline="0" cap="none" i="0" spc="0" strike="noStrike" sz="32000" u="none">
+        <a:defRPr b="0" baseline="0" cap="none" i="0" spc="0" strike="noStrike" sz="46400" u="none">
           <a:ln>
             <a:noFill/>
           </a:ln>
@@ -2403,7 +2403,7 @@
       </a:lvl9pPr>
     </p:titleStyle>
     <p:bodyStyle>
-      <a:lvl1pPr marL="0" marR="0" indent="0" algn="ctr" defTabSz="2409825" rtl="0" latinLnBrk="0">
+      <a:lvl1pPr marL="0" marR="0" indent="0" algn="ctr" defTabSz="3505200" rtl="0" latinLnBrk="0">
         <a:lnSpc>
           <a:spcPct val="100000"/>
         </a:lnSpc>
@@ -2418,7 +2418,7 @@
         <a:buFontTx/>
         <a:buNone/>
         <a:tabLst/>
-        <a:defRPr b="0" baseline="0" cap="none" i="0" spc="0" strike="noStrike" sz="14400" u="none">
+        <a:defRPr b="0" baseline="0" cap="none" i="0" spc="0" strike="noStrike" sz="20800" u="none">
           <a:ln>
             <a:noFill/>
           </a:ln>
@@ -2432,7 +2432,7 @@
           <a:sym typeface="Helvetica Neue"/>
         </a:defRPr>
       </a:lvl1pPr>
-      <a:lvl2pPr marL="0" marR="0" indent="0" algn="ctr" defTabSz="2409825" rtl="0" latinLnBrk="0">
+      <a:lvl2pPr marL="0" marR="0" indent="0" algn="ctr" defTabSz="3505200" rtl="0" latinLnBrk="0">
         <a:lnSpc>
           <a:spcPct val="100000"/>
         </a:lnSpc>
@@ -2447,7 +2447,7 @@
         <a:buFontTx/>
         <a:buNone/>
         <a:tabLst/>
-        <a:defRPr b="0" baseline="0" cap="none" i="0" spc="0" strike="noStrike" sz="14400" u="none">
+        <a:defRPr b="0" baseline="0" cap="none" i="0" spc="0" strike="noStrike" sz="20800" u="none">
           <a:ln>
             <a:noFill/>
           </a:ln>
@@ -2461,7 +2461,7 @@
           <a:sym typeface="Helvetica Neue"/>
         </a:defRPr>
       </a:lvl2pPr>
-      <a:lvl3pPr marL="0" marR="0" indent="0" algn="ctr" defTabSz="2409825" rtl="0" latinLnBrk="0">
+      <a:lvl3pPr marL="0" marR="0" indent="0" algn="ctr" defTabSz="3505200" rtl="0" latinLnBrk="0">
         <a:lnSpc>
           <a:spcPct val="100000"/>
         </a:lnSpc>
@@ -2476,7 +2476,7 @@
         <a:buFontTx/>
         <a:buNone/>
         <a:tabLst/>
-        <a:defRPr b="0" baseline="0" cap="none" i="0" spc="0" strike="noStrike" sz="14400" u="none">
+        <a:defRPr b="0" baseline="0" cap="none" i="0" spc="0" strike="noStrike" sz="20800" u="none">
           <a:ln>
             <a:noFill/>
           </a:ln>
@@ -2490,7 +2490,7 @@
           <a:sym typeface="Helvetica Neue"/>
         </a:defRPr>
       </a:lvl3pPr>
-      <a:lvl4pPr marL="0" marR="0" indent="0" algn="ctr" defTabSz="2409825" rtl="0" latinLnBrk="0">
+      <a:lvl4pPr marL="0" marR="0" indent="0" algn="ctr" defTabSz="3505200" rtl="0" latinLnBrk="0">
         <a:lnSpc>
           <a:spcPct val="100000"/>
         </a:lnSpc>
@@ -2505,7 +2505,7 @@
         <a:buFontTx/>
         <a:buNone/>
         <a:tabLst/>
-        <a:defRPr b="0" baseline="0" cap="none" i="0" spc="0" strike="noStrike" sz="14400" u="none">
+        <a:defRPr b="0" baseline="0" cap="none" i="0" spc="0" strike="noStrike" sz="20800" u="none">
           <a:ln>
             <a:noFill/>
           </a:ln>
@@ -2519,7 +2519,7 @@
           <a:sym typeface="Helvetica Neue"/>
         </a:defRPr>
       </a:lvl4pPr>
-      <a:lvl5pPr marL="0" marR="0" indent="0" algn="ctr" defTabSz="2409825" rtl="0" latinLnBrk="0">
+      <a:lvl5pPr marL="0" marR="0" indent="0" algn="ctr" defTabSz="3505200" rtl="0" latinLnBrk="0">
         <a:lnSpc>
           <a:spcPct val="100000"/>
         </a:lnSpc>
@@ -2534,7 +2534,7 @@
         <a:buFontTx/>
         <a:buNone/>
         <a:tabLst/>
-        <a:defRPr b="0" baseline="0" cap="none" i="0" spc="0" strike="noStrike" sz="14400" u="none">
+        <a:defRPr b="0" baseline="0" cap="none" i="0" spc="0" strike="noStrike" sz="20800" u="none">
           <a:ln>
             <a:noFill/>
           </a:ln>
@@ -2548,7 +2548,7 @@
           <a:sym typeface="Helvetica Neue"/>
         </a:defRPr>
       </a:lvl5pPr>
-      <a:lvl6pPr marL="0" marR="0" indent="0" algn="ctr" defTabSz="2409825" rtl="0" latinLnBrk="0">
+      <a:lvl6pPr marL="0" marR="0" indent="0" algn="ctr" defTabSz="3505200" rtl="0" latinLnBrk="0">
         <a:lnSpc>
           <a:spcPct val="100000"/>
         </a:lnSpc>
@@ -2563,7 +2563,7 @@
         <a:buFontTx/>
         <a:buNone/>
         <a:tabLst/>
-        <a:defRPr b="0" baseline="0" cap="none" i="0" spc="0" strike="noStrike" sz="14400" u="none">
+        <a:defRPr b="0" baseline="0" cap="none" i="0" spc="0" strike="noStrike" sz="20800" u="none">
           <a:ln>
             <a:noFill/>
           </a:ln>
@@ -2577,7 +2577,7 @@
           <a:sym typeface="Helvetica Neue"/>
         </a:defRPr>
       </a:lvl6pPr>
-      <a:lvl7pPr marL="0" marR="0" indent="0" algn="ctr" defTabSz="2409825" rtl="0" latinLnBrk="0">
+      <a:lvl7pPr marL="0" marR="0" indent="0" algn="ctr" defTabSz="3505200" rtl="0" latinLnBrk="0">
         <a:lnSpc>
           <a:spcPct val="100000"/>
         </a:lnSpc>
@@ -2592,7 +2592,7 @@
         <a:buFontTx/>
         <a:buNone/>
         <a:tabLst/>
-        <a:defRPr b="0" baseline="0" cap="none" i="0" spc="0" strike="noStrike" sz="14400" u="none">
+        <a:defRPr b="0" baseline="0" cap="none" i="0" spc="0" strike="noStrike" sz="20800" u="none">
           <a:ln>
             <a:noFill/>
           </a:ln>
@@ -2606,7 +2606,7 @@
           <a:sym typeface="Helvetica Neue"/>
         </a:defRPr>
       </a:lvl7pPr>
-      <a:lvl8pPr marL="0" marR="0" indent="0" algn="ctr" defTabSz="2409825" rtl="0" latinLnBrk="0">
+      <a:lvl8pPr marL="0" marR="0" indent="0" algn="ctr" defTabSz="3505200" rtl="0" latinLnBrk="0">
         <a:lnSpc>
           <a:spcPct val="100000"/>
         </a:lnSpc>
@@ -2621,7 +2621,7 @@
         <a:buFontTx/>
         <a:buNone/>
         <a:tabLst/>
-        <a:defRPr b="0" baseline="0" cap="none" i="0" spc="0" strike="noStrike" sz="14400" u="none">
+        <a:defRPr b="0" baseline="0" cap="none" i="0" spc="0" strike="noStrike" sz="20800" u="none">
           <a:ln>
             <a:noFill/>
           </a:ln>
@@ -2635,7 +2635,7 @@
           <a:sym typeface="Helvetica Neue"/>
         </a:defRPr>
       </a:lvl8pPr>
-      <a:lvl9pPr marL="0" marR="0" indent="0" algn="ctr" defTabSz="2409825" rtl="0" latinLnBrk="0">
+      <a:lvl9pPr marL="0" marR="0" indent="0" algn="ctr" defTabSz="3505200" rtl="0" latinLnBrk="0">
         <a:lnSpc>
           <a:spcPct val="100000"/>
         </a:lnSpc>
@@ -2650,7 +2650,7 @@
         <a:buFontTx/>
         <a:buNone/>
         <a:tabLst/>
-        <a:defRPr b="0" baseline="0" cap="none" i="0" spc="0" strike="noStrike" sz="14400" u="none">
+        <a:defRPr b="0" baseline="0" cap="none" i="0" spc="0" strike="noStrike" sz="20800" u="none">
           <a:ln>
             <a:noFill/>
           </a:ln>
@@ -2666,7 +2666,7 @@
       </a:lvl9pPr>
     </p:bodyStyle>
     <p:otherStyle>
-      <a:lvl1pPr marL="0" marR="0" indent="0" algn="ctr" defTabSz="2409825" latinLnBrk="0">
+      <a:lvl1pPr marL="0" marR="0" indent="0" algn="ctr" defTabSz="3505200" latinLnBrk="0">
         <a:lnSpc>
           <a:spcPct val="100000"/>
         </a:lnSpc>
@@ -2681,7 +2681,7 @@
         <a:buFontTx/>
         <a:buNone/>
         <a:tabLst/>
-        <a:defRPr b="0" baseline="0" cap="none" i="0" spc="0" strike="noStrike" sz="6200" u="none">
+        <a:defRPr b="0" baseline="0" cap="none" i="0" spc="0" strike="noStrike" sz="9000" u="none">
           <a:ln>
             <a:noFill/>
           </a:ln>
@@ -2695,7 +2695,7 @@
           <a:sym typeface="Helvetica Neue Light"/>
         </a:defRPr>
       </a:lvl1pPr>
-      <a:lvl2pPr marL="0" marR="0" indent="228600" algn="ctr" defTabSz="2409825" latinLnBrk="0">
+      <a:lvl2pPr marL="0" marR="0" indent="228600" algn="ctr" defTabSz="3505200" latinLnBrk="0">
         <a:lnSpc>
           <a:spcPct val="100000"/>
         </a:lnSpc>
@@ -2710,7 +2710,7 @@
         <a:buFontTx/>
         <a:buNone/>
         <a:tabLst/>
-        <a:defRPr b="0" baseline="0" cap="none" i="0" spc="0" strike="noStrike" sz="6200" u="none">
+        <a:defRPr b="0" baseline="0" cap="none" i="0" spc="0" strike="noStrike" sz="9000" u="none">
           <a:ln>
             <a:noFill/>
           </a:ln>
@@ -2724,7 +2724,7 @@
           <a:sym typeface="Helvetica Neue Light"/>
         </a:defRPr>
       </a:lvl2pPr>
-      <a:lvl3pPr marL="0" marR="0" indent="457200" algn="ctr" defTabSz="2409825" latinLnBrk="0">
+      <a:lvl3pPr marL="0" marR="0" indent="457200" algn="ctr" defTabSz="3505200" latinLnBrk="0">
         <a:lnSpc>
           <a:spcPct val="100000"/>
         </a:lnSpc>
@@ -2739,7 +2739,7 @@
         <a:buFontTx/>
         <a:buNone/>
         <a:tabLst/>
-        <a:defRPr b="0" baseline="0" cap="none" i="0" spc="0" strike="noStrike" sz="6200" u="none">
+        <a:defRPr b="0" baseline="0" cap="none" i="0" spc="0" strike="noStrike" sz="9000" u="none">
           <a:ln>
             <a:noFill/>
           </a:ln>
@@ -2753,7 +2753,7 @@
           <a:sym typeface="Helvetica Neue Light"/>
         </a:defRPr>
       </a:lvl3pPr>
-      <a:lvl4pPr marL="0" marR="0" indent="685800" algn="ctr" defTabSz="2409825" latinLnBrk="0">
+      <a:lvl4pPr marL="0" marR="0" indent="685800" algn="ctr" defTabSz="3505200" latinLnBrk="0">
         <a:lnSpc>
           <a:spcPct val="100000"/>
         </a:lnSpc>
@@ -2768,7 +2768,7 @@
         <a:buFontTx/>
         <a:buNone/>
         <a:tabLst/>
-        <a:defRPr b="0" baseline="0" cap="none" i="0" spc="0" strike="noStrike" sz="6200" u="none">
+        <a:defRPr b="0" baseline="0" cap="none" i="0" spc="0" strike="noStrike" sz="9000" u="none">
           <a:ln>
             <a:noFill/>
           </a:ln>
@@ -2782,7 +2782,7 @@
           <a:sym typeface="Helvetica Neue Light"/>
         </a:defRPr>
       </a:lvl4pPr>
-      <a:lvl5pPr marL="0" marR="0" indent="914400" algn="ctr" defTabSz="2409825" latinLnBrk="0">
+      <a:lvl5pPr marL="0" marR="0" indent="914400" algn="ctr" defTabSz="3505200" latinLnBrk="0">
         <a:lnSpc>
           <a:spcPct val="100000"/>
         </a:lnSpc>
@@ -2797,7 +2797,7 @@
         <a:buFontTx/>
         <a:buNone/>
         <a:tabLst/>
-        <a:defRPr b="0" baseline="0" cap="none" i="0" spc="0" strike="noStrike" sz="6200" u="none">
+        <a:defRPr b="0" baseline="0" cap="none" i="0" spc="0" strike="noStrike" sz="9000" u="none">
           <a:ln>
             <a:noFill/>
           </a:ln>
@@ -2811,7 +2811,7 @@
           <a:sym typeface="Helvetica Neue Light"/>
         </a:defRPr>
       </a:lvl5pPr>
-      <a:lvl6pPr marL="0" marR="0" indent="1143000" algn="ctr" defTabSz="2409825" latinLnBrk="0">
+      <a:lvl6pPr marL="0" marR="0" indent="1143000" algn="ctr" defTabSz="3505200" latinLnBrk="0">
         <a:lnSpc>
           <a:spcPct val="100000"/>
         </a:lnSpc>
@@ -2826,7 +2826,7 @@
         <a:buFontTx/>
         <a:buNone/>
         <a:tabLst/>
-        <a:defRPr b="0" baseline="0" cap="none" i="0" spc="0" strike="noStrike" sz="6200" u="none">
+        <a:defRPr b="0" baseline="0" cap="none" i="0" spc="0" strike="noStrike" sz="9000" u="none">
           <a:ln>
             <a:noFill/>
           </a:ln>
@@ -2840,7 +2840,7 @@
           <a:sym typeface="Helvetica Neue Light"/>
         </a:defRPr>
       </a:lvl6pPr>
-      <a:lvl7pPr marL="0" marR="0" indent="1371600" algn="ctr" defTabSz="2409825" latinLnBrk="0">
+      <a:lvl7pPr marL="0" marR="0" indent="1371600" algn="ctr" defTabSz="3505200" latinLnBrk="0">
         <a:lnSpc>
           <a:spcPct val="100000"/>
         </a:lnSpc>
@@ -2855,7 +2855,7 @@
         <a:buFontTx/>
         <a:buNone/>
         <a:tabLst/>
-        <a:defRPr b="0" baseline="0" cap="none" i="0" spc="0" strike="noStrike" sz="6200" u="none">
+        <a:defRPr b="0" baseline="0" cap="none" i="0" spc="0" strike="noStrike" sz="9000" u="none">
           <a:ln>
             <a:noFill/>
           </a:ln>
@@ -2869,7 +2869,7 @@
           <a:sym typeface="Helvetica Neue Light"/>
         </a:defRPr>
       </a:lvl7pPr>
-      <a:lvl8pPr marL="0" marR="0" indent="1600200" algn="ctr" defTabSz="2409825" latinLnBrk="0">
+      <a:lvl8pPr marL="0" marR="0" indent="1600200" algn="ctr" defTabSz="3505200" latinLnBrk="0">
         <a:lnSpc>
           <a:spcPct val="100000"/>
         </a:lnSpc>
@@ -2884,7 +2884,7 @@
         <a:buFontTx/>
         <a:buNone/>
         <a:tabLst/>
-        <a:defRPr b="0" baseline="0" cap="none" i="0" spc="0" strike="noStrike" sz="6200" u="none">
+        <a:defRPr b="0" baseline="0" cap="none" i="0" spc="0" strike="noStrike" sz="9000" u="none">
           <a:ln>
             <a:noFill/>
           </a:ln>
@@ -2898,7 +2898,7 @@
           <a:sym typeface="Helvetica Neue Light"/>
         </a:defRPr>
       </a:lvl8pPr>
-      <a:lvl9pPr marL="0" marR="0" indent="1828800" algn="ctr" defTabSz="2409825" latinLnBrk="0">
+      <a:lvl9pPr marL="0" marR="0" indent="1828800" algn="ctr" defTabSz="3505200" latinLnBrk="0">
         <a:lnSpc>
           <a:spcPct val="100000"/>
         </a:lnSpc>
@@ -2913,7 +2913,7 @@
         <a:buFontTx/>
         <a:buNone/>
         <a:tabLst/>
-        <a:defRPr b="0" baseline="0" cap="none" i="0" spc="0" strike="noStrike" sz="6200" u="none">
+        <a:defRPr b="0" baseline="0" cap="none" i="0" spc="0" strike="noStrike" sz="9000" u="none">
           <a:ln>
             <a:noFill/>
           </a:ln>
@@ -2956,122 +2956,88 @@
           <a:chExt cx="0" cy="0"/>
         </a:xfrm>
       </p:grpSpPr>
+      <p:sp>
+        <p:nvSpPr>
+          <p:cNvPr id="119" name="Line"/>
+          <p:cNvSpPr/>
+          <p:nvPr/>
+        </p:nvSpPr>
+        <p:spPr>
+          <a:xfrm>
+            <a:off x="36882100" y="9904227"/>
+            <a:ext cx="6238774" cy="1"/>
+          </a:xfrm>
+          <a:prstGeom prst="line">
+            <a:avLst/>
+          </a:prstGeom>
+          <a:ln w="38100">
+            <a:solidFill>
+              <a:srgbClr val="000000"/>
+            </a:solidFill>
+            <a:miter lim="400000"/>
+          </a:ln>
+        </p:spPr>
+        <p:txBody>
+          <a:bodyPr lIns="75774" tIns="75774" rIns="75774" bIns="75774" anchor="ctr"/>
+          <a:lstStyle/>
+          <a:p>
+            <a:pPr>
+              <a:defRPr b="0" sz="11600">
+                <a:latin typeface="+mn-lt"/>
+                <a:ea typeface="+mn-ea"/>
+                <a:cs typeface="+mn-cs"/>
+                <a:sym typeface="Helvetica Neue Medium"/>
+              </a:defRPr>
+            </a:pPr>
+          </a:p>
+        </p:txBody>
+      </p:sp>
       <p:grpSp>
         <p:nvGrpSpPr>
-          <p:cNvPr id="138" name="Group"/>
+          <p:cNvPr id="131" name="Group"/>
           <p:cNvGrpSpPr/>
           <p:nvPr/>
         </p:nvGrpSpPr>
         <p:grpSpPr>
           <a:xfrm>
-            <a:off x="767805" y="1142330"/>
-            <a:ext cx="36869191" cy="4853382"/>
+            <a:off x="1401970" y="35358624"/>
+            <a:ext cx="26680366" cy="21416345"/>
             <a:chOff x="0" y="0"/>
-            <a:chExt cx="36869189" cy="4853381"/>
+            <a:chExt cx="26680365" cy="21416344"/>
           </a:xfrm>
         </p:grpSpPr>
         <p:sp>
           <p:nvSpPr>
-            <p:cNvPr id="119" name="Rectangle"/>
+            <p:cNvPr id="120" name="Rectangle"/>
             <p:cNvSpPr/>
             <p:nvPr/>
           </p:nvSpPr>
           <p:spPr>
-            <a:xfrm flipH="1">
-              <a:off x="1714909" y="1393296"/>
-              <a:ext cx="3216947" cy="3429822"/>
+            <a:xfrm>
+              <a:off x="94743" y="1581894"/>
+              <a:ext cx="26485929" cy="19834450"/>
             </a:xfrm>
             <a:prstGeom prst="rect">
               <a:avLst/>
             </a:prstGeom>
-            <a:solidFill>
-              <a:srgbClr val="424242"/>
-            </a:solidFill>
-            <a:ln w="3175" cap="flat">
-              <a:noFill/>
+            <a:noFill/>
+            <a:ln w="215900" cap="flat">
+              <a:solidFill>
+                <a:srgbClr val="000000"/>
+              </a:solidFill>
+              <a:prstDash val="solid"/>
               <a:miter lim="400000"/>
             </a:ln>
             <a:effectLst/>
           </p:spPr>
           <p:txBody>
-            <a:bodyPr wrap="square" lIns="66302" tIns="66302" rIns="66302" bIns="66302" numCol="1" anchor="ctr">
+            <a:bodyPr wrap="square" lIns="75774" tIns="75774" rIns="75774" bIns="75774" numCol="1" anchor="ctr">
               <a:noAutofit/>
             </a:bodyPr>
             <a:lstStyle/>
             <a:p>
               <a:pPr>
-                <a:defRPr b="0" sz="8000">
-                  <a:latin typeface="+mn-lt"/>
-                  <a:ea typeface="+mn-ea"/>
-                  <a:cs typeface="+mn-cs"/>
-                  <a:sym typeface="Helvetica Neue Medium"/>
-                </a:defRPr>
-              </a:pPr>
-            </a:p>
-          </p:txBody>
-        </p:sp>
-        <p:sp>
-          <p:nvSpPr>
-            <p:cNvPr id="120" name="Triangle"/>
-            <p:cNvSpPr/>
-            <p:nvPr/>
-          </p:nvSpPr>
-          <p:spPr>
-            <a:xfrm rot="10800000">
-              <a:off x="-1" y="1393296"/>
-              <a:ext cx="1714912" cy="1714912"/>
-            </a:xfrm>
-            <a:custGeom>
-              <a:avLst/>
-              <a:gdLst/>
-              <a:ahLst/>
-              <a:cxnLst>
-                <a:cxn ang="0">
-                  <a:pos x="wd2" y="hd2"/>
-                </a:cxn>
-                <a:cxn ang="5400000">
-                  <a:pos x="wd2" y="hd2"/>
-                </a:cxn>
-                <a:cxn ang="10800000">
-                  <a:pos x="wd2" y="hd2"/>
-                </a:cxn>
-                <a:cxn ang="16200000">
-                  <a:pos x="wd2" y="hd2"/>
-                </a:cxn>
-              </a:cxnLst>
-              <a:rect l="0" t="0" r="r" b="b"/>
-              <a:pathLst>
-                <a:path w="21600" h="21600" fill="norm" stroke="1" extrusionOk="0">
-                  <a:moveTo>
-                    <a:pt x="0" y="0"/>
-                  </a:moveTo>
-                  <a:lnTo>
-                    <a:pt x="0" y="21600"/>
-                  </a:lnTo>
-                  <a:lnTo>
-                    <a:pt x="21600" y="21600"/>
-                  </a:lnTo>
-                  <a:close/>
-                </a:path>
-              </a:pathLst>
-            </a:custGeom>
-            <a:solidFill>
-              <a:srgbClr val="424242"/>
-            </a:solidFill>
-            <a:ln w="3175" cap="flat">
-              <a:noFill/>
-              <a:miter lim="400000"/>
-            </a:ln>
-            <a:effectLst/>
-          </p:spPr>
-          <p:txBody>
-            <a:bodyPr wrap="square" lIns="66302" tIns="66302" rIns="66302" bIns="66302" numCol="1" anchor="ctr">
-              <a:noAutofit/>
-            </a:bodyPr>
-            <a:lstStyle/>
-            <a:p>
-              <a:pPr>
-                <a:defRPr b="0" sz="8000">
+                <a:defRPr b="0" sz="11600">
                   <a:latin typeface="+mn-lt"/>
                   <a:ea typeface="+mn-ea"/>
                   <a:cs typeface="+mn-cs"/>
@@ -3088,715 +3054,9 @@
             <p:nvPr/>
           </p:nvSpPr>
           <p:spPr>
-            <a:xfrm flipH="1">
-              <a:off x="-1" y="3108206"/>
-              <a:ext cx="1714912" cy="1714912"/>
-            </a:xfrm>
-            <a:custGeom>
-              <a:avLst/>
-              <a:gdLst/>
-              <a:ahLst/>
-              <a:cxnLst>
-                <a:cxn ang="0">
-                  <a:pos x="wd2" y="hd2"/>
-                </a:cxn>
-                <a:cxn ang="5400000">
-                  <a:pos x="wd2" y="hd2"/>
-                </a:cxn>
-                <a:cxn ang="10800000">
-                  <a:pos x="wd2" y="hd2"/>
-                </a:cxn>
-                <a:cxn ang="16200000">
-                  <a:pos x="wd2" y="hd2"/>
-                </a:cxn>
-              </a:cxnLst>
-              <a:rect l="0" t="0" r="r" b="b"/>
-              <a:pathLst>
-                <a:path w="21600" h="21600" fill="norm" stroke="1" extrusionOk="0">
-                  <a:moveTo>
-                    <a:pt x="0" y="0"/>
-                  </a:moveTo>
-                  <a:lnTo>
-                    <a:pt x="0" y="21600"/>
-                  </a:lnTo>
-                  <a:lnTo>
-                    <a:pt x="21600" y="21600"/>
-                  </a:lnTo>
-                  <a:close/>
-                </a:path>
-              </a:pathLst>
-            </a:custGeom>
-            <a:solidFill>
-              <a:srgbClr val="424242"/>
-            </a:solidFill>
-            <a:ln w="3175" cap="flat">
-              <a:noFill/>
-              <a:miter lim="400000"/>
-            </a:ln>
-            <a:effectLst/>
-          </p:spPr>
-          <p:txBody>
-            <a:bodyPr wrap="square" lIns="66302" tIns="66302" rIns="66302" bIns="66302" numCol="1" anchor="ctr">
-              <a:noAutofit/>
-            </a:bodyPr>
-            <a:lstStyle/>
-            <a:p>
-              <a:pPr>
-                <a:defRPr b="0" sz="8000">
-                  <a:latin typeface="+mn-lt"/>
-                  <a:ea typeface="+mn-ea"/>
-                  <a:cs typeface="+mn-cs"/>
-                  <a:sym typeface="Helvetica Neue Medium"/>
-                </a:defRPr>
-              </a:pPr>
-            </a:p>
-          </p:txBody>
-        </p:sp>
-        <p:sp>
-          <p:nvSpPr>
-            <p:cNvPr id="122" name="Line"/>
-            <p:cNvSpPr/>
-            <p:nvPr/>
-          </p:nvSpPr>
-          <p:spPr>
-            <a:xfrm flipH="1" flipV="1">
-              <a:off x="10702" y="1382596"/>
-              <a:ext cx="4906022" cy="1"/>
-            </a:xfrm>
-            <a:prstGeom prst="line">
-              <a:avLst/>
-            </a:prstGeom>
-            <a:noFill/>
-            <a:ln w="38100" cap="flat">
-              <a:solidFill>
-                <a:srgbClr val="000000"/>
-              </a:solidFill>
-              <a:prstDash val="solid"/>
-              <a:miter lim="400000"/>
-            </a:ln>
-            <a:effectLst/>
-          </p:spPr>
-          <p:txBody>
-            <a:bodyPr wrap="square" lIns="66302" tIns="66302" rIns="66302" bIns="66302" numCol="1" anchor="ctr">
-              <a:noAutofit/>
-            </a:bodyPr>
-            <a:lstStyle/>
-            <a:p>
-              <a:pPr>
-                <a:defRPr b="0" sz="8000">
-                  <a:latin typeface="+mn-lt"/>
-                  <a:ea typeface="+mn-ea"/>
-                  <a:cs typeface="+mn-cs"/>
-                  <a:sym typeface="Helvetica Neue Medium"/>
-                </a:defRPr>
-              </a:pPr>
-            </a:p>
-          </p:txBody>
-        </p:sp>
-        <p:sp>
-          <p:nvSpPr>
-            <p:cNvPr id="123" name="Line"/>
-            <p:cNvSpPr/>
-            <p:nvPr/>
-          </p:nvSpPr>
-          <p:spPr>
-            <a:xfrm flipH="1" flipV="1">
-              <a:off x="10089" y="4828161"/>
-              <a:ext cx="4921767" cy="1"/>
-            </a:xfrm>
-            <a:prstGeom prst="line">
-              <a:avLst/>
-            </a:prstGeom>
-            <a:noFill/>
-            <a:ln w="38100" cap="flat">
-              <a:solidFill>
-                <a:srgbClr val="000000"/>
-              </a:solidFill>
-              <a:prstDash val="solid"/>
-              <a:miter lim="400000"/>
-            </a:ln>
-            <a:effectLst/>
-          </p:spPr>
-          <p:txBody>
-            <a:bodyPr wrap="square" lIns="66302" tIns="66302" rIns="66302" bIns="66302" numCol="1" anchor="ctr">
-              <a:noAutofit/>
-            </a:bodyPr>
-            <a:lstStyle/>
-            <a:p>
-              <a:pPr>
-                <a:defRPr b="0" sz="8000">
-                  <a:latin typeface="+mn-lt"/>
-                  <a:ea typeface="+mn-ea"/>
-                  <a:cs typeface="+mn-cs"/>
-                  <a:sym typeface="Helvetica Neue Medium"/>
-                </a:defRPr>
-              </a:pPr>
-            </a:p>
-          </p:txBody>
-        </p:sp>
-        <p:sp>
-          <p:nvSpPr>
-            <p:cNvPr id="124" name="Line"/>
-            <p:cNvSpPr/>
-            <p:nvPr/>
-          </p:nvSpPr>
-          <p:spPr>
-            <a:xfrm flipV="1">
-              <a:off x="4916723" y="1367465"/>
-              <a:ext cx="1" cy="3485917"/>
-            </a:xfrm>
-            <a:prstGeom prst="line">
-              <a:avLst/>
-            </a:prstGeom>
-            <a:noFill/>
-            <a:ln w="38100" cap="flat">
-              <a:solidFill>
-                <a:srgbClr val="000000"/>
-              </a:solidFill>
-              <a:prstDash val="solid"/>
-              <a:miter lim="400000"/>
-            </a:ln>
-            <a:effectLst/>
-          </p:spPr>
-          <p:txBody>
-            <a:bodyPr wrap="square" lIns="66302" tIns="66302" rIns="66302" bIns="66302" numCol="1" anchor="ctr">
-              <a:noAutofit/>
-            </a:bodyPr>
-            <a:lstStyle/>
-            <a:p>
-              <a:pPr>
-                <a:defRPr b="0" sz="8000">
-                  <a:latin typeface="+mn-lt"/>
-                  <a:ea typeface="+mn-ea"/>
-                  <a:cs typeface="+mn-cs"/>
-                  <a:sym typeface="Helvetica Neue Medium"/>
-                </a:defRPr>
-              </a:pPr>
-            </a:p>
-          </p:txBody>
-        </p:sp>
-        <p:sp>
-          <p:nvSpPr>
-            <p:cNvPr id="125" name="Line"/>
-            <p:cNvSpPr/>
-            <p:nvPr/>
-          </p:nvSpPr>
-          <p:spPr>
-            <a:xfrm flipH="1" flipV="1">
-              <a:off x="2959" y="1376086"/>
-              <a:ext cx="1721421" cy="1721421"/>
-            </a:xfrm>
-            <a:prstGeom prst="line">
-              <a:avLst/>
-            </a:prstGeom>
-            <a:noFill/>
-            <a:ln w="38100" cap="flat">
-              <a:solidFill>
-                <a:srgbClr val="000000"/>
-              </a:solidFill>
-              <a:prstDash val="solid"/>
-              <a:miter lim="400000"/>
-            </a:ln>
-            <a:effectLst/>
-          </p:spPr>
-          <p:txBody>
-            <a:bodyPr wrap="square" lIns="66302" tIns="66302" rIns="66302" bIns="66302" numCol="1" anchor="ctr">
-              <a:noAutofit/>
-            </a:bodyPr>
-            <a:lstStyle/>
-            <a:p>
-              <a:pPr>
-                <a:defRPr b="0" sz="8000">
-                  <a:latin typeface="+mn-lt"/>
-                  <a:ea typeface="+mn-ea"/>
-                  <a:cs typeface="+mn-cs"/>
-                  <a:sym typeface="Helvetica Neue Medium"/>
-                </a:defRPr>
-              </a:pPr>
-            </a:p>
-          </p:txBody>
-        </p:sp>
-        <p:sp>
-          <p:nvSpPr>
-            <p:cNvPr id="126" name="Line"/>
-            <p:cNvSpPr/>
-            <p:nvPr/>
-          </p:nvSpPr>
-          <p:spPr>
-            <a:xfrm flipV="1">
-              <a:off x="2958" y="3090997"/>
-              <a:ext cx="1721421" cy="1751685"/>
-            </a:xfrm>
-            <a:prstGeom prst="line">
-              <a:avLst/>
-            </a:prstGeom>
-            <a:noFill/>
-            <a:ln w="38100" cap="flat">
-              <a:solidFill>
-                <a:srgbClr val="000000"/>
-              </a:solidFill>
-              <a:prstDash val="solid"/>
-              <a:miter lim="400000"/>
-            </a:ln>
-            <a:effectLst/>
-          </p:spPr>
-          <p:txBody>
-            <a:bodyPr wrap="square" lIns="66302" tIns="66302" rIns="66302" bIns="66302" numCol="1" anchor="ctr">
-              <a:noAutofit/>
-            </a:bodyPr>
-            <a:lstStyle/>
-            <a:p>
-              <a:pPr>
-                <a:defRPr b="0" sz="8000">
-                  <a:latin typeface="+mn-lt"/>
-                  <a:ea typeface="+mn-ea"/>
-                  <a:cs typeface="+mn-cs"/>
-                  <a:sym typeface="Helvetica Neue Medium"/>
-                </a:defRPr>
-              </a:pPr>
-            </a:p>
-          </p:txBody>
-        </p:sp>
-        <p:sp>
-          <p:nvSpPr>
-            <p:cNvPr id="127" name="Rectangle"/>
-            <p:cNvSpPr/>
-            <p:nvPr/>
-          </p:nvSpPr>
-          <p:spPr>
             <a:xfrm>
-              <a:off x="31937334" y="1393296"/>
-              <a:ext cx="3216947" cy="3429822"/>
-            </a:xfrm>
-            <a:prstGeom prst="rect">
-              <a:avLst/>
-            </a:prstGeom>
-            <a:solidFill>
-              <a:srgbClr val="424242"/>
-            </a:solidFill>
-            <a:ln w="3175" cap="flat">
-              <a:noFill/>
-              <a:miter lim="400000"/>
-            </a:ln>
-            <a:effectLst/>
-          </p:spPr>
-          <p:txBody>
-            <a:bodyPr wrap="square" lIns="66302" tIns="66302" rIns="66302" bIns="66302" numCol="1" anchor="ctr">
-              <a:noAutofit/>
-            </a:bodyPr>
-            <a:lstStyle/>
-            <a:p>
-              <a:pPr>
-                <a:defRPr b="0" sz="8000">
-                  <a:latin typeface="+mn-lt"/>
-                  <a:ea typeface="+mn-ea"/>
-                  <a:cs typeface="+mn-cs"/>
-                  <a:sym typeface="Helvetica Neue Medium"/>
-                </a:defRPr>
-              </a:pPr>
-            </a:p>
-          </p:txBody>
-        </p:sp>
-        <p:sp>
-          <p:nvSpPr>
-            <p:cNvPr id="128" name="Triangle"/>
-            <p:cNvSpPr/>
-            <p:nvPr/>
-          </p:nvSpPr>
-          <p:spPr>
-            <a:xfrm flipH="1" rot="10800000">
-              <a:off x="35154279" y="1393296"/>
-              <a:ext cx="1714911" cy="1714912"/>
-            </a:xfrm>
-            <a:custGeom>
-              <a:avLst/>
-              <a:gdLst/>
-              <a:ahLst/>
-              <a:cxnLst>
-                <a:cxn ang="0">
-                  <a:pos x="wd2" y="hd2"/>
-                </a:cxn>
-                <a:cxn ang="5400000">
-                  <a:pos x="wd2" y="hd2"/>
-                </a:cxn>
-                <a:cxn ang="10800000">
-                  <a:pos x="wd2" y="hd2"/>
-                </a:cxn>
-                <a:cxn ang="16200000">
-                  <a:pos x="wd2" y="hd2"/>
-                </a:cxn>
-              </a:cxnLst>
-              <a:rect l="0" t="0" r="r" b="b"/>
-              <a:pathLst>
-                <a:path w="21600" h="21600" fill="norm" stroke="1" extrusionOk="0">
-                  <a:moveTo>
-                    <a:pt x="0" y="0"/>
-                  </a:moveTo>
-                  <a:lnTo>
-                    <a:pt x="0" y="21600"/>
-                  </a:lnTo>
-                  <a:lnTo>
-                    <a:pt x="21600" y="21600"/>
-                  </a:lnTo>
-                  <a:close/>
-                </a:path>
-              </a:pathLst>
-            </a:custGeom>
-            <a:solidFill>
-              <a:srgbClr val="424242"/>
-            </a:solidFill>
-            <a:ln w="3175" cap="flat">
-              <a:noFill/>
-              <a:miter lim="400000"/>
-            </a:ln>
-            <a:effectLst/>
-          </p:spPr>
-          <p:txBody>
-            <a:bodyPr wrap="square" lIns="66302" tIns="66302" rIns="66302" bIns="66302" numCol="1" anchor="ctr">
-              <a:noAutofit/>
-            </a:bodyPr>
-            <a:lstStyle/>
-            <a:p>
-              <a:pPr>
-                <a:defRPr b="0" sz="8000">
-                  <a:latin typeface="+mn-lt"/>
-                  <a:ea typeface="+mn-ea"/>
-                  <a:cs typeface="+mn-cs"/>
-                  <a:sym typeface="Helvetica Neue Medium"/>
-                </a:defRPr>
-              </a:pPr>
-            </a:p>
-          </p:txBody>
-        </p:sp>
-        <p:sp>
-          <p:nvSpPr>
-            <p:cNvPr id="129" name="Triangle"/>
-            <p:cNvSpPr/>
-            <p:nvPr/>
-          </p:nvSpPr>
-          <p:spPr>
-            <a:xfrm>
-              <a:off x="35154279" y="3108206"/>
-              <a:ext cx="1714911" cy="1714912"/>
-            </a:xfrm>
-            <a:custGeom>
-              <a:avLst/>
-              <a:gdLst/>
-              <a:ahLst/>
-              <a:cxnLst>
-                <a:cxn ang="0">
-                  <a:pos x="wd2" y="hd2"/>
-                </a:cxn>
-                <a:cxn ang="5400000">
-                  <a:pos x="wd2" y="hd2"/>
-                </a:cxn>
-                <a:cxn ang="10800000">
-                  <a:pos x="wd2" y="hd2"/>
-                </a:cxn>
-                <a:cxn ang="16200000">
-                  <a:pos x="wd2" y="hd2"/>
-                </a:cxn>
-              </a:cxnLst>
-              <a:rect l="0" t="0" r="r" b="b"/>
-              <a:pathLst>
-                <a:path w="21600" h="21600" fill="norm" stroke="1" extrusionOk="0">
-                  <a:moveTo>
-                    <a:pt x="0" y="0"/>
-                  </a:moveTo>
-                  <a:lnTo>
-                    <a:pt x="0" y="21600"/>
-                  </a:lnTo>
-                  <a:lnTo>
-                    <a:pt x="21600" y="21600"/>
-                  </a:lnTo>
-                  <a:close/>
-                </a:path>
-              </a:pathLst>
-            </a:custGeom>
-            <a:solidFill>
-              <a:srgbClr val="424242"/>
-            </a:solidFill>
-            <a:ln w="3175" cap="flat">
-              <a:noFill/>
-              <a:miter lim="400000"/>
-            </a:ln>
-            <a:effectLst/>
-          </p:spPr>
-          <p:txBody>
-            <a:bodyPr wrap="square" lIns="66302" tIns="66302" rIns="66302" bIns="66302" numCol="1" anchor="ctr">
-              <a:noAutofit/>
-            </a:bodyPr>
-            <a:lstStyle/>
-            <a:p>
-              <a:pPr>
-                <a:defRPr b="0" sz="8000">
-                  <a:latin typeface="+mn-lt"/>
-                  <a:ea typeface="+mn-ea"/>
-                  <a:cs typeface="+mn-cs"/>
-                  <a:sym typeface="Helvetica Neue Medium"/>
-                </a:defRPr>
-              </a:pPr>
-            </a:p>
-          </p:txBody>
-        </p:sp>
-        <p:sp>
-          <p:nvSpPr>
-            <p:cNvPr id="130" name="Line"/>
-            <p:cNvSpPr/>
-            <p:nvPr/>
-          </p:nvSpPr>
-          <p:spPr>
-            <a:xfrm>
-              <a:off x="31952465" y="1382596"/>
-              <a:ext cx="4906022" cy="1"/>
-            </a:xfrm>
-            <a:prstGeom prst="line">
-              <a:avLst/>
-            </a:prstGeom>
-            <a:noFill/>
-            <a:ln w="38100" cap="flat">
-              <a:solidFill>
-                <a:srgbClr val="000000"/>
-              </a:solidFill>
-              <a:prstDash val="solid"/>
-              <a:miter lim="400000"/>
-            </a:ln>
-            <a:effectLst/>
-          </p:spPr>
-          <p:txBody>
-            <a:bodyPr wrap="square" lIns="66302" tIns="66302" rIns="66302" bIns="66302" numCol="1" anchor="ctr">
-              <a:noAutofit/>
-            </a:bodyPr>
-            <a:lstStyle/>
-            <a:p>
-              <a:pPr>
-                <a:defRPr b="0" sz="8000">
-                  <a:latin typeface="+mn-lt"/>
-                  <a:ea typeface="+mn-ea"/>
-                  <a:cs typeface="+mn-cs"/>
-                  <a:sym typeface="Helvetica Neue Medium"/>
-                </a:defRPr>
-              </a:pPr>
-            </a:p>
-          </p:txBody>
-        </p:sp>
-        <p:sp>
-          <p:nvSpPr>
-            <p:cNvPr id="131" name="Line"/>
-            <p:cNvSpPr/>
-            <p:nvPr/>
-          </p:nvSpPr>
-          <p:spPr>
-            <a:xfrm>
-              <a:off x="31937334" y="4828161"/>
-              <a:ext cx="4921767" cy="1"/>
-            </a:xfrm>
-            <a:prstGeom prst="line">
-              <a:avLst/>
-            </a:prstGeom>
-            <a:noFill/>
-            <a:ln w="38100" cap="flat">
-              <a:solidFill>
-                <a:srgbClr val="000000"/>
-              </a:solidFill>
-              <a:prstDash val="solid"/>
-              <a:miter lim="400000"/>
-            </a:ln>
-            <a:effectLst/>
-          </p:spPr>
-          <p:txBody>
-            <a:bodyPr wrap="square" lIns="66302" tIns="66302" rIns="66302" bIns="66302" numCol="1" anchor="ctr">
-              <a:noAutofit/>
-            </a:bodyPr>
-            <a:lstStyle/>
-            <a:p>
-              <a:pPr>
-                <a:defRPr b="0" sz="8000">
-                  <a:latin typeface="+mn-lt"/>
-                  <a:ea typeface="+mn-ea"/>
-                  <a:cs typeface="+mn-cs"/>
-                  <a:sym typeface="Helvetica Neue Medium"/>
-                </a:defRPr>
-              </a:pPr>
-            </a:p>
-          </p:txBody>
-        </p:sp>
-        <p:sp>
-          <p:nvSpPr>
-            <p:cNvPr id="132" name="Line"/>
-            <p:cNvSpPr/>
-            <p:nvPr/>
-          </p:nvSpPr>
-          <p:spPr>
-            <a:xfrm flipV="1">
-              <a:off x="31952465" y="1367465"/>
-              <a:ext cx="1" cy="3485917"/>
-            </a:xfrm>
-            <a:prstGeom prst="line">
-              <a:avLst/>
-            </a:prstGeom>
-            <a:noFill/>
-            <a:ln w="38100" cap="flat">
-              <a:solidFill>
-                <a:srgbClr val="000000"/>
-              </a:solidFill>
-              <a:prstDash val="solid"/>
-              <a:miter lim="400000"/>
-            </a:ln>
-            <a:effectLst/>
-          </p:spPr>
-          <p:txBody>
-            <a:bodyPr wrap="square" lIns="66302" tIns="66302" rIns="66302" bIns="66302" numCol="1" anchor="ctr">
-              <a:noAutofit/>
-            </a:bodyPr>
-            <a:lstStyle/>
-            <a:p>
-              <a:pPr>
-                <a:defRPr b="0" sz="8000">
-                  <a:latin typeface="+mn-lt"/>
-                  <a:ea typeface="+mn-ea"/>
-                  <a:cs typeface="+mn-cs"/>
-                  <a:sym typeface="Helvetica Neue Medium"/>
-                </a:defRPr>
-              </a:pPr>
-            </a:p>
-          </p:txBody>
-        </p:sp>
-        <p:sp>
-          <p:nvSpPr>
-            <p:cNvPr id="133" name="Line"/>
-            <p:cNvSpPr/>
-            <p:nvPr/>
-          </p:nvSpPr>
-          <p:spPr>
-            <a:xfrm flipV="1">
-              <a:off x="35144806" y="1376086"/>
-              <a:ext cx="1721422" cy="1721421"/>
-            </a:xfrm>
-            <a:prstGeom prst="line">
-              <a:avLst/>
-            </a:prstGeom>
-            <a:noFill/>
-            <a:ln w="38100" cap="flat">
-              <a:solidFill>
-                <a:srgbClr val="000000"/>
-              </a:solidFill>
-              <a:prstDash val="solid"/>
-              <a:miter lim="400000"/>
-            </a:ln>
-            <a:effectLst/>
-          </p:spPr>
-          <p:txBody>
-            <a:bodyPr wrap="square" lIns="66302" tIns="66302" rIns="66302" bIns="66302" numCol="1" anchor="ctr">
-              <a:noAutofit/>
-            </a:bodyPr>
-            <a:lstStyle/>
-            <a:p>
-              <a:pPr>
-                <a:defRPr b="0" sz="8000">
-                  <a:latin typeface="+mn-lt"/>
-                  <a:ea typeface="+mn-ea"/>
-                  <a:cs typeface="+mn-cs"/>
-                  <a:sym typeface="Helvetica Neue Medium"/>
-                </a:defRPr>
-              </a:pPr>
-            </a:p>
-          </p:txBody>
-        </p:sp>
-        <p:sp>
-          <p:nvSpPr>
-            <p:cNvPr id="134" name="Line"/>
-            <p:cNvSpPr/>
-            <p:nvPr/>
-          </p:nvSpPr>
-          <p:spPr>
-            <a:xfrm flipH="1" flipV="1">
-              <a:off x="35144809" y="3090997"/>
-              <a:ext cx="1721422" cy="1751685"/>
-            </a:xfrm>
-            <a:prstGeom prst="line">
-              <a:avLst/>
-            </a:prstGeom>
-            <a:noFill/>
-            <a:ln w="38100" cap="flat">
-              <a:solidFill>
-                <a:srgbClr val="000000"/>
-              </a:solidFill>
-              <a:prstDash val="solid"/>
-              <a:miter lim="400000"/>
-            </a:ln>
-            <a:effectLst/>
-          </p:spPr>
-          <p:txBody>
-            <a:bodyPr wrap="square" lIns="66302" tIns="66302" rIns="66302" bIns="66302" numCol="1" anchor="ctr">
-              <a:noAutofit/>
-            </a:bodyPr>
-            <a:lstStyle/>
-            <a:p>
-              <a:pPr>
-                <a:defRPr b="0" sz="8000">
-                  <a:latin typeface="+mn-lt"/>
-                  <a:ea typeface="+mn-ea"/>
-                  <a:cs typeface="+mn-cs"/>
-                  <a:sym typeface="Helvetica Neue Medium"/>
-                </a:defRPr>
-              </a:pPr>
-            </a:p>
-          </p:txBody>
-        </p:sp>
-        <p:sp>
-          <p:nvSpPr>
-            <p:cNvPr id="135" name="Rectangle"/>
-            <p:cNvSpPr/>
-            <p:nvPr/>
-          </p:nvSpPr>
-          <p:spPr>
-            <a:xfrm>
-              <a:off x="3735496" y="0"/>
-              <a:ext cx="29479150" cy="4282924"/>
-            </a:xfrm>
-            <a:prstGeom prst="rect">
-              <a:avLst/>
-            </a:prstGeom>
-            <a:solidFill>
-              <a:srgbClr val="424242"/>
-            </a:solidFill>
-            <a:ln w="88900" cap="flat">
-              <a:solidFill>
-                <a:srgbClr val="000000"/>
-              </a:solidFill>
-              <a:prstDash val="solid"/>
-              <a:miter lim="400000"/>
-            </a:ln>
-            <a:effectLst/>
-          </p:spPr>
-          <p:txBody>
-            <a:bodyPr wrap="square" lIns="66302" tIns="66302" rIns="66302" bIns="66302" numCol="1" anchor="ctr">
-              <a:noAutofit/>
-            </a:bodyPr>
-            <a:lstStyle/>
-            <a:p>
-              <a:pPr>
-                <a:defRPr b="0" sz="8000">
-                  <a:latin typeface="+mn-lt"/>
-                  <a:ea typeface="+mn-ea"/>
-                  <a:cs typeface="+mn-cs"/>
-                  <a:sym typeface="Helvetica Neue Medium"/>
-                </a:defRPr>
-              </a:pPr>
-            </a:p>
-          </p:txBody>
-        </p:sp>
-        <p:sp>
-          <p:nvSpPr>
-            <p:cNvPr id="136" name="Triangle"/>
-            <p:cNvSpPr/>
-            <p:nvPr/>
-          </p:nvSpPr>
-          <p:spPr>
-            <a:xfrm flipH="1" rot="10800000">
-              <a:off x="31956232" y="4345920"/>
-              <a:ext cx="1259957" cy="478401"/>
+              <a:off x="22971272" y="13892"/>
+              <a:ext cx="895573" cy="1568002"/>
             </a:xfrm>
             <a:custGeom>
               <a:avLst/>
@@ -3845,13 +3105,13 @@
             <a:effectLst/>
           </p:spPr>
           <p:txBody>
-            <a:bodyPr wrap="square" lIns="66302" tIns="66302" rIns="66302" bIns="66302" numCol="1" anchor="ctr">
+            <a:bodyPr wrap="square" lIns="75774" tIns="75774" rIns="75774" bIns="75774" numCol="1" anchor="ctr">
               <a:noAutofit/>
             </a:bodyPr>
             <a:lstStyle/>
             <a:p>
               <a:pPr>
-                <a:defRPr b="0" sz="8000">
+                <a:defRPr b="0" sz="11600">
                   <a:latin typeface="+mn-lt"/>
                   <a:ea typeface="+mn-ea"/>
                   <a:cs typeface="+mn-cs"/>
@@ -3863,14 +3123,14 @@
         </p:sp>
         <p:sp>
           <p:nvSpPr>
-            <p:cNvPr id="137" name="Triangle"/>
+            <p:cNvPr id="122" name="Triangle"/>
             <p:cNvSpPr/>
             <p:nvPr/>
           </p:nvSpPr>
           <p:spPr>
-            <a:xfrm rot="10800000">
-              <a:off x="3710296" y="4347589"/>
-              <a:ext cx="1259957" cy="478401"/>
+            <a:xfrm flipH="1">
+              <a:off x="2823323" y="13892"/>
+              <a:ext cx="895573" cy="1568002"/>
             </a:xfrm>
             <a:custGeom>
               <a:avLst/>
@@ -3919,13 +3179,376 @@
             <a:effectLst/>
           </p:spPr>
           <p:txBody>
-            <a:bodyPr wrap="square" lIns="66302" tIns="66302" rIns="66302" bIns="66302" numCol="1" anchor="ctr">
+            <a:bodyPr wrap="square" lIns="75774" tIns="75774" rIns="75774" bIns="75774" numCol="1" anchor="ctr">
               <a:noAutofit/>
             </a:bodyPr>
             <a:lstStyle/>
             <a:p>
               <a:pPr>
-                <a:defRPr b="0" sz="8000">
+                <a:defRPr b="0" sz="11600">
+                  <a:latin typeface="+mn-lt"/>
+                  <a:ea typeface="+mn-ea"/>
+                  <a:cs typeface="+mn-cs"/>
+                  <a:sym typeface="Helvetica Neue Medium"/>
+                </a:defRPr>
+              </a:pPr>
+            </a:p>
+          </p:txBody>
+        </p:sp>
+        <p:sp>
+          <p:nvSpPr>
+            <p:cNvPr id="123" name="Line"/>
+            <p:cNvSpPr/>
+            <p:nvPr/>
+          </p:nvSpPr>
+          <p:spPr>
+            <a:xfrm flipH="1" flipV="1">
+              <a:off x="-1" y="1581894"/>
+              <a:ext cx="26680367" cy="1"/>
+            </a:xfrm>
+            <a:prstGeom prst="line">
+              <a:avLst/>
+            </a:prstGeom>
+            <a:noFill/>
+            <a:ln w="215900" cap="flat">
+              <a:solidFill>
+                <a:srgbClr val="000000"/>
+              </a:solidFill>
+              <a:prstDash val="solid"/>
+              <a:miter lim="400000"/>
+            </a:ln>
+            <a:effectLst>
+              <a:outerShdw sx="100000" sy="100000" kx="0" ky="0" algn="b" rotWithShape="0" blurRad="127000" dist="63500" dir="16200000">
+                <a:srgbClr val="000000">
+                  <a:alpha val="59496"/>
+                </a:srgbClr>
+              </a:outerShdw>
+            </a:effectLst>
+          </p:spPr>
+          <p:txBody>
+            <a:bodyPr wrap="square" lIns="75774" tIns="75774" rIns="75774" bIns="75774" numCol="1" anchor="ctr">
+              <a:noAutofit/>
+            </a:bodyPr>
+            <a:lstStyle/>
+            <a:p>
+              <a:pPr>
+                <a:defRPr b="0" sz="11600">
+                  <a:latin typeface="+mn-lt"/>
+                  <a:ea typeface="+mn-ea"/>
+                  <a:cs typeface="+mn-cs"/>
+                  <a:sym typeface="Helvetica Neue Medium"/>
+                </a:defRPr>
+              </a:pPr>
+            </a:p>
+          </p:txBody>
+        </p:sp>
+        <p:sp>
+          <p:nvSpPr>
+            <p:cNvPr id="124" name="Rectangle"/>
+            <p:cNvSpPr/>
+            <p:nvPr/>
+          </p:nvSpPr>
+          <p:spPr>
+            <a:xfrm>
+              <a:off x="3688183" y="13892"/>
+              <a:ext cx="19283090" cy="4020439"/>
+            </a:xfrm>
+            <a:prstGeom prst="rect">
+              <a:avLst/>
+            </a:prstGeom>
+            <a:solidFill>
+              <a:srgbClr val="424242"/>
+            </a:solidFill>
+            <a:ln w="3175" cap="flat">
+              <a:noFill/>
+              <a:miter lim="400000"/>
+            </a:ln>
+            <a:effectLst/>
+          </p:spPr>
+          <p:txBody>
+            <a:bodyPr wrap="square" lIns="75774" tIns="75774" rIns="75774" bIns="75774" numCol="1" anchor="ctr">
+              <a:noAutofit/>
+            </a:bodyPr>
+            <a:lstStyle/>
+            <a:p>
+              <a:pPr>
+                <a:defRPr b="0" sz="11600">
+                  <a:latin typeface="+mn-lt"/>
+                  <a:ea typeface="+mn-ea"/>
+                  <a:cs typeface="+mn-cs"/>
+                  <a:sym typeface="Helvetica Neue Medium"/>
+                </a:defRPr>
+              </a:pPr>
+            </a:p>
+          </p:txBody>
+        </p:sp>
+        <p:sp>
+          <p:nvSpPr>
+            <p:cNvPr id="125" name="Triangle"/>
+            <p:cNvSpPr/>
+            <p:nvPr/>
+          </p:nvSpPr>
+          <p:spPr>
+            <a:xfrm rot="10800000">
+              <a:off x="3709090" y="4034333"/>
+              <a:ext cx="19262183" cy="2510067"/>
+            </a:xfrm>
+            <a:custGeom>
+              <a:avLst/>
+              <a:gdLst/>
+              <a:ahLst/>
+              <a:cxnLst>
+                <a:cxn ang="0">
+                  <a:pos x="wd2" y="hd2"/>
+                </a:cxn>
+                <a:cxn ang="5400000">
+                  <a:pos x="wd2" y="hd2"/>
+                </a:cxn>
+                <a:cxn ang="10800000">
+                  <a:pos x="wd2" y="hd2"/>
+                </a:cxn>
+                <a:cxn ang="16200000">
+                  <a:pos x="wd2" y="hd2"/>
+                </a:cxn>
+              </a:cxnLst>
+              <a:rect l="0" t="0" r="r" b="b"/>
+              <a:pathLst>
+                <a:path w="21600" h="21600" fill="norm" stroke="1" extrusionOk="0">
+                  <a:moveTo>
+                    <a:pt x="10800" y="0"/>
+                  </a:moveTo>
+                  <a:lnTo>
+                    <a:pt x="21600" y="21600"/>
+                  </a:lnTo>
+                  <a:lnTo>
+                    <a:pt x="0" y="21600"/>
+                  </a:lnTo>
+                  <a:close/>
+                </a:path>
+              </a:pathLst>
+            </a:custGeom>
+            <a:solidFill>
+              <a:srgbClr val="424242"/>
+            </a:solidFill>
+            <a:ln w="3175" cap="flat">
+              <a:noFill/>
+              <a:miter lim="400000"/>
+            </a:ln>
+            <a:effectLst/>
+          </p:spPr>
+          <p:txBody>
+            <a:bodyPr wrap="square" lIns="75774" tIns="75774" rIns="75774" bIns="75774" numCol="1" anchor="ctr">
+              <a:noAutofit/>
+            </a:bodyPr>
+            <a:lstStyle/>
+            <a:p>
+              <a:pPr>
+                <a:defRPr b="0" sz="11600">
+                  <a:latin typeface="+mn-lt"/>
+                  <a:ea typeface="+mn-ea"/>
+                  <a:cs typeface="+mn-cs"/>
+                  <a:sym typeface="Helvetica Neue Medium"/>
+                </a:defRPr>
+              </a:pPr>
+            </a:p>
+          </p:txBody>
+        </p:sp>
+        <p:sp>
+          <p:nvSpPr>
+            <p:cNvPr id="126" name="Line"/>
+            <p:cNvSpPr/>
+            <p:nvPr/>
+          </p:nvSpPr>
+          <p:spPr>
+            <a:xfrm>
+              <a:off x="3681878" y="31658"/>
+              <a:ext cx="19316609" cy="1"/>
+            </a:xfrm>
+            <a:prstGeom prst="line">
+              <a:avLst/>
+            </a:prstGeom>
+            <a:noFill/>
+            <a:ln w="38100" cap="flat">
+              <a:solidFill>
+                <a:srgbClr val="000000"/>
+              </a:solidFill>
+              <a:prstDash val="solid"/>
+              <a:miter lim="400000"/>
+            </a:ln>
+            <a:effectLst/>
+          </p:spPr>
+          <p:txBody>
+            <a:bodyPr wrap="square" lIns="75774" tIns="75774" rIns="75774" bIns="75774" numCol="1" anchor="ctr">
+              <a:noAutofit/>
+            </a:bodyPr>
+            <a:lstStyle/>
+            <a:p>
+              <a:pPr>
+                <a:defRPr b="0" sz="11600">
+                  <a:latin typeface="+mn-lt"/>
+                  <a:ea typeface="+mn-ea"/>
+                  <a:cs typeface="+mn-cs"/>
+                  <a:sym typeface="Helvetica Neue Medium"/>
+                </a:defRPr>
+              </a:pPr>
+            </a:p>
+          </p:txBody>
+        </p:sp>
+        <p:sp>
+          <p:nvSpPr>
+            <p:cNvPr id="127" name="Line"/>
+            <p:cNvSpPr/>
+            <p:nvPr/>
+          </p:nvSpPr>
+          <p:spPr>
+            <a:xfrm flipH="1">
+              <a:off x="3718895" y="0"/>
+              <a:ext cx="1" cy="4048226"/>
+            </a:xfrm>
+            <a:prstGeom prst="line">
+              <a:avLst/>
+            </a:prstGeom>
+            <a:noFill/>
+            <a:ln w="38100" cap="flat">
+              <a:solidFill>
+                <a:srgbClr val="000000"/>
+              </a:solidFill>
+              <a:prstDash val="solid"/>
+              <a:miter lim="400000"/>
+            </a:ln>
+            <a:effectLst/>
+          </p:spPr>
+          <p:txBody>
+            <a:bodyPr wrap="square" lIns="75774" tIns="75774" rIns="75774" bIns="75774" numCol="1" anchor="ctr">
+              <a:noAutofit/>
+            </a:bodyPr>
+            <a:lstStyle/>
+            <a:p>
+              <a:pPr>
+                <a:defRPr b="0" sz="11600">
+                  <a:latin typeface="+mn-lt"/>
+                  <a:ea typeface="+mn-ea"/>
+                  <a:cs typeface="+mn-cs"/>
+                  <a:sym typeface="Helvetica Neue Medium"/>
+                </a:defRPr>
+              </a:pPr>
+            </a:p>
+          </p:txBody>
+        </p:sp>
+        <p:sp>
+          <p:nvSpPr>
+            <p:cNvPr id="128" name="Line"/>
+            <p:cNvSpPr/>
+            <p:nvPr/>
+          </p:nvSpPr>
+          <p:spPr>
+            <a:xfrm>
+              <a:off x="22971273" y="21104"/>
+              <a:ext cx="1" cy="4048226"/>
+            </a:xfrm>
+            <a:prstGeom prst="line">
+              <a:avLst/>
+            </a:prstGeom>
+            <a:noFill/>
+            <a:ln w="38100" cap="flat">
+              <a:solidFill>
+                <a:srgbClr val="000000"/>
+              </a:solidFill>
+              <a:prstDash val="solid"/>
+              <a:miter lim="400000"/>
+            </a:ln>
+            <a:effectLst/>
+          </p:spPr>
+          <p:txBody>
+            <a:bodyPr wrap="square" lIns="75774" tIns="75774" rIns="75774" bIns="75774" numCol="1" anchor="ctr">
+              <a:noAutofit/>
+            </a:bodyPr>
+            <a:lstStyle/>
+            <a:p>
+              <a:pPr>
+                <a:defRPr b="0" sz="11600">
+                  <a:latin typeface="+mn-lt"/>
+                  <a:ea typeface="+mn-ea"/>
+                  <a:cs typeface="+mn-cs"/>
+                  <a:sym typeface="Helvetica Neue Medium"/>
+                </a:defRPr>
+              </a:pPr>
+            </a:p>
+          </p:txBody>
+        </p:sp>
+        <p:sp>
+          <p:nvSpPr>
+            <p:cNvPr id="129" name="Line"/>
+            <p:cNvSpPr/>
+            <p:nvPr/>
+          </p:nvSpPr>
+          <p:spPr>
+            <a:xfrm flipH="1">
+              <a:off x="13326224" y="4046109"/>
+              <a:ext cx="9660044" cy="2496302"/>
+            </a:xfrm>
+            <a:prstGeom prst="line">
+              <a:avLst/>
+            </a:prstGeom>
+            <a:noFill/>
+            <a:ln w="38100" cap="flat">
+              <a:solidFill>
+                <a:srgbClr val="000000"/>
+              </a:solidFill>
+              <a:prstDash val="solid"/>
+              <a:miter lim="400000"/>
+            </a:ln>
+            <a:effectLst/>
+          </p:spPr>
+          <p:txBody>
+            <a:bodyPr wrap="square" lIns="75774" tIns="75774" rIns="75774" bIns="75774" numCol="1" anchor="ctr">
+              <a:noAutofit/>
+            </a:bodyPr>
+            <a:lstStyle/>
+            <a:p>
+              <a:pPr>
+                <a:defRPr b="0" sz="11600">
+                  <a:latin typeface="+mn-lt"/>
+                  <a:ea typeface="+mn-ea"/>
+                  <a:cs typeface="+mn-cs"/>
+                  <a:sym typeface="Helvetica Neue Medium"/>
+                </a:defRPr>
+              </a:pPr>
+            </a:p>
+          </p:txBody>
+        </p:sp>
+        <p:sp>
+          <p:nvSpPr>
+            <p:cNvPr id="130" name="Line"/>
+            <p:cNvSpPr/>
+            <p:nvPr/>
+          </p:nvSpPr>
+          <p:spPr>
+            <a:xfrm>
+              <a:off x="3692572" y="4049763"/>
+              <a:ext cx="9661526" cy="2492647"/>
+            </a:xfrm>
+            <a:prstGeom prst="line">
+              <a:avLst/>
+            </a:prstGeom>
+            <a:noFill/>
+            <a:ln w="38100" cap="flat">
+              <a:solidFill>
+                <a:srgbClr val="000000"/>
+              </a:solidFill>
+              <a:prstDash val="solid"/>
+              <a:miter lim="400000"/>
+            </a:ln>
+            <a:effectLst/>
+          </p:spPr>
+          <p:txBody>
+            <a:bodyPr wrap="square" lIns="75774" tIns="75774" rIns="75774" bIns="75774" numCol="1" anchor="ctr">
+              <a:noAutofit/>
+            </a:bodyPr>
+            <a:lstStyle/>
+            <a:p>
+              <a:pPr>
+                <a:defRPr b="0" sz="11600">
                   <a:latin typeface="+mn-lt"/>
                   <a:ea typeface="+mn-ea"/>
                   <a:cs typeface="+mn-cs"/>
@@ -3938,34 +3561,34 @@
       </p:grpSp>
       <p:grpSp>
         <p:nvGrpSpPr>
-          <p:cNvPr id="150" name="Group"/>
+          <p:cNvPr id="143" name="Group"/>
           <p:cNvGrpSpPr/>
           <p:nvPr/>
         </p:nvGrpSpPr>
         <p:grpSpPr>
           <a:xfrm>
-            <a:off x="778508" y="24483482"/>
-            <a:ext cx="23809273" cy="14890477"/>
+            <a:off x="1401970" y="16259457"/>
+            <a:ext cx="12564674" cy="16565911"/>
             <a:chOff x="0" y="0"/>
-            <a:chExt cx="23809272" cy="14890476"/>
+            <a:chExt cx="12564673" cy="16565909"/>
           </a:xfrm>
         </p:grpSpPr>
         <p:sp>
           <p:nvSpPr>
-            <p:cNvPr id="139" name="Rectangle"/>
+            <p:cNvPr id="132" name="Line"/>
             <p:cNvSpPr/>
             <p:nvPr/>
           </p:nvSpPr>
           <p:spPr>
             <a:xfrm>
-              <a:off x="84547" y="1099868"/>
-              <a:ext cx="23635760" cy="13790609"/>
+              <a:off x="1733919" y="19434"/>
+              <a:ext cx="9096835" cy="1"/>
             </a:xfrm>
-            <a:prstGeom prst="rect">
+            <a:prstGeom prst="line">
               <a:avLst/>
             </a:prstGeom>
             <a:noFill/>
-            <a:ln w="190500" cap="flat">
+            <a:ln w="38100" cap="flat">
               <a:solidFill>
                 <a:srgbClr val="000000"/>
               </a:solidFill>
@@ -3975,13 +3598,13 @@
             <a:effectLst/>
           </p:spPr>
           <p:txBody>
-            <a:bodyPr wrap="square" lIns="66302" tIns="66302" rIns="66302" bIns="66302" numCol="1" anchor="ctr">
+            <a:bodyPr wrap="square" lIns="75774" tIns="75774" rIns="75774" bIns="75774" numCol="1" anchor="ctr">
               <a:noAutofit/>
             </a:bodyPr>
             <a:lstStyle/>
             <a:p>
               <a:pPr>
-                <a:defRPr b="0" sz="8000">
+                <a:defRPr b="0" sz="11600">
                   <a:latin typeface="+mn-lt"/>
                   <a:ea typeface="+mn-ea"/>
                   <a:cs typeface="+mn-cs"/>
@@ -3993,14 +3616,55 @@
         </p:sp>
         <p:sp>
           <p:nvSpPr>
-            <p:cNvPr id="140" name="Triangle"/>
+            <p:cNvPr id="133" name="Rectangle"/>
             <p:cNvSpPr/>
             <p:nvPr/>
           </p:nvSpPr>
           <p:spPr>
             <a:xfrm>
-              <a:off x="20499317" y="9659"/>
-              <a:ext cx="799200" cy="1090209"/>
+              <a:off x="87161" y="971148"/>
+              <a:ext cx="12390352" cy="15594762"/>
+            </a:xfrm>
+            <a:prstGeom prst="rect">
+              <a:avLst/>
+            </a:prstGeom>
+            <a:noFill/>
+            <a:ln w="215900" cap="flat">
+              <a:solidFill>
+                <a:srgbClr val="000000"/>
+              </a:solidFill>
+              <a:prstDash val="solid"/>
+              <a:miter lim="400000"/>
+            </a:ln>
+            <a:effectLst/>
+          </p:spPr>
+          <p:txBody>
+            <a:bodyPr wrap="square" lIns="75774" tIns="75774" rIns="75774" bIns="75774" numCol="1" anchor="ctr">
+              <a:noAutofit/>
+            </a:bodyPr>
+            <a:lstStyle/>
+            <a:p>
+              <a:pPr>
+                <a:defRPr b="0" sz="11600">
+                  <a:latin typeface="+mn-lt"/>
+                  <a:ea typeface="+mn-ea"/>
+                  <a:cs typeface="+mn-cs"/>
+                  <a:sym typeface="Helvetica Neue Medium"/>
+                </a:defRPr>
+              </a:pPr>
+            </a:p>
+          </p:txBody>
+        </p:sp>
+        <p:sp>
+          <p:nvSpPr>
+            <p:cNvPr id="134" name="Triangle"/>
+            <p:cNvSpPr/>
+            <p:nvPr/>
+          </p:nvSpPr>
+          <p:spPr>
+            <a:xfrm>
+              <a:off x="10817938" y="8529"/>
+              <a:ext cx="421756" cy="962620"/>
             </a:xfrm>
             <a:custGeom>
               <a:avLst/>
@@ -4049,13 +3713,13 @@
             <a:effectLst/>
           </p:spPr>
           <p:txBody>
-            <a:bodyPr wrap="square" lIns="66302" tIns="66302" rIns="66302" bIns="66302" numCol="1" anchor="ctr">
+            <a:bodyPr wrap="square" lIns="75774" tIns="75774" rIns="75774" bIns="75774" numCol="1" anchor="ctr">
               <a:noAutofit/>
             </a:bodyPr>
             <a:lstStyle/>
             <a:p>
               <a:pPr>
-                <a:defRPr b="0" sz="8000">
+                <a:defRPr b="0" sz="11600">
                   <a:latin typeface="+mn-lt"/>
                   <a:ea typeface="+mn-ea"/>
                   <a:cs typeface="+mn-cs"/>
@@ -4067,14 +3731,14 @@
         </p:sp>
         <p:sp>
           <p:nvSpPr>
-            <p:cNvPr id="141" name="Triangle"/>
+            <p:cNvPr id="135" name="Triangle"/>
             <p:cNvSpPr/>
             <p:nvPr/>
           </p:nvSpPr>
           <p:spPr>
             <a:xfrm flipH="1">
-              <a:off x="2519503" y="9659"/>
-              <a:ext cx="799200" cy="1090209"/>
+              <a:off x="1329596" y="8529"/>
+              <a:ext cx="421756" cy="962620"/>
             </a:xfrm>
             <a:custGeom>
               <a:avLst/>
@@ -4123,13 +3787,13 @@
             <a:effectLst/>
           </p:spPr>
           <p:txBody>
-            <a:bodyPr wrap="square" lIns="66302" tIns="66302" rIns="66302" bIns="66302" numCol="1" anchor="ctr">
+            <a:bodyPr wrap="square" lIns="75774" tIns="75774" rIns="75774" bIns="75774" numCol="1" anchor="ctr">
               <a:noAutofit/>
             </a:bodyPr>
             <a:lstStyle/>
             <a:p>
               <a:pPr>
-                <a:defRPr b="0" sz="8000">
+                <a:defRPr b="0" sz="11600">
                   <a:latin typeface="+mn-lt"/>
                   <a:ea typeface="+mn-ea"/>
                   <a:cs typeface="+mn-cs"/>
@@ -4141,20 +3805,20 @@
         </p:sp>
         <p:sp>
           <p:nvSpPr>
-            <p:cNvPr id="142" name="Line"/>
+            <p:cNvPr id="136" name="Line"/>
             <p:cNvSpPr/>
             <p:nvPr/>
           </p:nvSpPr>
           <p:spPr>
             <a:xfrm flipH="1" flipV="1">
-              <a:off x="0" y="1099868"/>
-              <a:ext cx="23809273" cy="1"/>
+              <a:off x="0" y="971148"/>
+              <a:ext cx="12564674" cy="1"/>
             </a:xfrm>
             <a:prstGeom prst="line">
               <a:avLst/>
             </a:prstGeom>
             <a:noFill/>
-            <a:ln w="190500" cap="flat">
+            <a:ln w="215900" cap="flat">
               <a:solidFill>
                 <a:srgbClr val="000000"/>
               </a:solidFill>
@@ -4162,7 +3826,7 @@
               <a:miter lim="400000"/>
             </a:ln>
             <a:effectLst>
-              <a:outerShdw sx="100000" sy="100000" kx="0" ky="0" algn="b" rotWithShape="0" blurRad="114300" dist="59784" dir="16200000">
+              <a:outerShdw sx="100000" sy="100000" kx="0" ky="0" algn="b" rotWithShape="0" blurRad="127000" dist="63500" dir="16200000">
                 <a:srgbClr val="000000">
                   <a:alpha val="59496"/>
                 </a:srgbClr>
@@ -4170,13 +3834,13 @@
             </a:effectLst>
           </p:spPr>
           <p:txBody>
-            <a:bodyPr wrap="square" lIns="66302" tIns="66302" rIns="66302" bIns="66302" numCol="1" anchor="ctr">
+            <a:bodyPr wrap="square" lIns="75774" tIns="75774" rIns="75774" bIns="75774" numCol="1" anchor="ctr">
               <a:noAutofit/>
             </a:bodyPr>
             <a:lstStyle/>
             <a:p>
               <a:pPr>
-                <a:defRPr b="0" sz="8000">
+                <a:defRPr b="0" sz="11600">
                   <a:latin typeface="+mn-lt"/>
                   <a:ea typeface="+mn-ea"/>
                   <a:cs typeface="+mn-cs"/>
@@ -4188,14 +3852,14 @@
         </p:sp>
         <p:sp>
           <p:nvSpPr>
-            <p:cNvPr id="143" name="Rectangle"/>
+            <p:cNvPr id="137" name="Rectangle"/>
             <p:cNvSpPr/>
             <p:nvPr/>
           </p:nvSpPr>
           <p:spPr>
             <a:xfrm>
-              <a:off x="3291295" y="9659"/>
-              <a:ext cx="17208023" cy="2795354"/>
+              <a:off x="1736888" y="8529"/>
+              <a:ext cx="9081051" cy="2468208"/>
             </a:xfrm>
             <a:prstGeom prst="rect">
               <a:avLst/>
@@ -4210,13 +3874,13 @@
             <a:effectLst/>
           </p:spPr>
           <p:txBody>
-            <a:bodyPr wrap="square" lIns="66302" tIns="66302" rIns="66302" bIns="66302" numCol="1" anchor="ctr">
+            <a:bodyPr wrap="square" lIns="75774" tIns="75774" rIns="75774" bIns="75774" numCol="1" anchor="ctr">
               <a:noAutofit/>
             </a:bodyPr>
             <a:lstStyle/>
             <a:p>
               <a:pPr>
-                <a:defRPr b="0" sz="8000">
+                <a:defRPr b="0" sz="11600">
                   <a:latin typeface="+mn-lt"/>
                   <a:ea typeface="+mn-ea"/>
                   <a:cs typeface="+mn-cs"/>
@@ -4228,14 +3892,14 @@
         </p:sp>
         <p:sp>
           <p:nvSpPr>
-            <p:cNvPr id="144" name="Triangle"/>
+            <p:cNvPr id="138" name="Triangle"/>
             <p:cNvSpPr/>
             <p:nvPr/>
           </p:nvSpPr>
           <p:spPr>
             <a:xfrm rot="10800000">
-              <a:off x="3309953" y="2805014"/>
-              <a:ext cx="17189365" cy="1745214"/>
+              <a:off x="1746734" y="2476737"/>
+              <a:ext cx="9071204" cy="1540968"/>
             </a:xfrm>
             <a:custGeom>
               <a:avLst/>
@@ -4281,13 +3945,13 @@
             <a:effectLst/>
           </p:spPr>
           <p:txBody>
-            <a:bodyPr wrap="square" lIns="66302" tIns="66302" rIns="66302" bIns="66302" numCol="1" anchor="ctr">
+            <a:bodyPr wrap="square" lIns="75774" tIns="75774" rIns="75774" bIns="75774" numCol="1" anchor="ctr">
               <a:noAutofit/>
             </a:bodyPr>
             <a:lstStyle/>
             <a:p>
               <a:pPr>
-                <a:defRPr b="0" sz="8000">
+                <a:defRPr b="0" sz="11600">
                   <a:latin typeface="+mn-lt"/>
                   <a:ea typeface="+mn-ea"/>
                   <a:cs typeface="+mn-cs"/>
@@ -4299,14 +3963,14 @@
         </p:sp>
         <p:sp>
           <p:nvSpPr>
-            <p:cNvPr id="145" name="Line"/>
+            <p:cNvPr id="139" name="Line"/>
             <p:cNvSpPr/>
             <p:nvPr/>
           </p:nvSpPr>
           <p:spPr>
-            <a:xfrm>
-              <a:off x="3285669" y="22011"/>
-              <a:ext cx="17237935" cy="1"/>
+            <a:xfrm flipH="1">
+              <a:off x="1751351" y="-1"/>
+              <a:ext cx="1" cy="2485268"/>
             </a:xfrm>
             <a:prstGeom prst="line">
               <a:avLst/>
@@ -4322,13 +3986,13 @@
             <a:effectLst/>
           </p:spPr>
           <p:txBody>
-            <a:bodyPr wrap="square" lIns="66302" tIns="66302" rIns="66302" bIns="66302" numCol="1" anchor="ctr">
+            <a:bodyPr wrap="square" lIns="75774" tIns="75774" rIns="75774" bIns="75774" numCol="1" anchor="ctr">
               <a:noAutofit/>
             </a:bodyPr>
             <a:lstStyle/>
             <a:p>
               <a:pPr>
-                <a:defRPr b="0" sz="8000">
+                <a:defRPr b="0" sz="11600">
                   <a:latin typeface="+mn-lt"/>
                   <a:ea typeface="+mn-ea"/>
                   <a:cs typeface="+mn-cs"/>
@@ -4340,14 +4004,14 @@
         </p:sp>
         <p:sp>
           <p:nvSpPr>
-            <p:cNvPr id="146" name="Line"/>
+            <p:cNvPr id="140" name="Line"/>
             <p:cNvSpPr/>
             <p:nvPr/>
           </p:nvSpPr>
           <p:spPr>
-            <a:xfrm flipH="1">
-              <a:off x="3318702" y="0"/>
-              <a:ext cx="1" cy="2814674"/>
+            <a:xfrm>
+              <a:off x="10817937" y="12956"/>
+              <a:ext cx="1" cy="2485267"/>
             </a:xfrm>
             <a:prstGeom prst="line">
               <a:avLst/>
@@ -4363,13 +4027,13 @@
             <a:effectLst/>
           </p:spPr>
           <p:txBody>
-            <a:bodyPr wrap="square" lIns="66302" tIns="66302" rIns="66302" bIns="66302" numCol="1" anchor="ctr">
+            <a:bodyPr wrap="square" lIns="75774" tIns="75774" rIns="75774" bIns="75774" numCol="1" anchor="ctr">
               <a:noAutofit/>
             </a:bodyPr>
             <a:lstStyle/>
             <a:p>
               <a:pPr>
-                <a:defRPr b="0" sz="8000">
+                <a:defRPr b="0" sz="11600">
                   <a:latin typeface="+mn-lt"/>
                   <a:ea typeface="+mn-ea"/>
                   <a:cs typeface="+mn-cs"/>
@@ -4381,14 +4045,14 @@
         </p:sp>
         <p:sp>
           <p:nvSpPr>
-            <p:cNvPr id="147" name="Line"/>
+            <p:cNvPr id="141" name="Line"/>
             <p:cNvSpPr/>
             <p:nvPr/>
           </p:nvSpPr>
           <p:spPr>
-            <a:xfrm>
-              <a:off x="20499318" y="14673"/>
-              <a:ext cx="1" cy="2814674"/>
+            <a:xfrm flipH="1">
+              <a:off x="6275763" y="2483965"/>
+              <a:ext cx="4549237" cy="1532517"/>
             </a:xfrm>
             <a:prstGeom prst="line">
               <a:avLst/>
@@ -4404,13 +4068,13 @@
             <a:effectLst/>
           </p:spPr>
           <p:txBody>
-            <a:bodyPr wrap="square" lIns="66302" tIns="66302" rIns="66302" bIns="66302" numCol="1" anchor="ctr">
+            <a:bodyPr wrap="square" lIns="75774" tIns="75774" rIns="75774" bIns="75774" numCol="1" anchor="ctr">
               <a:noAutofit/>
             </a:bodyPr>
             <a:lstStyle/>
             <a:p>
               <a:pPr>
-                <a:defRPr b="0" sz="8000">
+                <a:defRPr b="0" sz="11600">
                   <a:latin typeface="+mn-lt"/>
                   <a:ea typeface="+mn-ea"/>
                   <a:cs typeface="+mn-cs"/>
@@ -4422,14 +4086,14 @@
         </p:sp>
         <p:sp>
           <p:nvSpPr>
-            <p:cNvPr id="148" name="Line"/>
+            <p:cNvPr id="142" name="Line"/>
             <p:cNvSpPr/>
             <p:nvPr/>
           </p:nvSpPr>
           <p:spPr>
-            <a:xfrm flipH="1">
-              <a:off x="11892180" y="2813201"/>
-              <a:ext cx="8620520" cy="1735644"/>
+            <a:xfrm>
+              <a:off x="1738955" y="2486210"/>
+              <a:ext cx="4549935" cy="1530273"/>
             </a:xfrm>
             <a:prstGeom prst="line">
               <a:avLst/>
@@ -4445,54 +4109,13 @@
             <a:effectLst/>
           </p:spPr>
           <p:txBody>
-            <a:bodyPr wrap="square" lIns="66302" tIns="66302" rIns="66302" bIns="66302" numCol="1" anchor="ctr">
+            <a:bodyPr wrap="square" lIns="75774" tIns="75774" rIns="75774" bIns="75774" numCol="1" anchor="ctr">
               <a:noAutofit/>
             </a:bodyPr>
             <a:lstStyle/>
             <a:p>
               <a:pPr>
-                <a:defRPr b="0" sz="8000">
-                  <a:latin typeface="+mn-lt"/>
-                  <a:ea typeface="+mn-ea"/>
-                  <a:cs typeface="+mn-cs"/>
-                  <a:sym typeface="Helvetica Neue Medium"/>
-                </a:defRPr>
-              </a:pPr>
-            </a:p>
-          </p:txBody>
-        </p:sp>
-        <p:sp>
-          <p:nvSpPr>
-            <p:cNvPr id="149" name="Line"/>
-            <p:cNvSpPr/>
-            <p:nvPr/>
-          </p:nvSpPr>
-          <p:spPr>
-            <a:xfrm>
-              <a:off x="3295212" y="2815742"/>
-              <a:ext cx="8621842" cy="1733102"/>
-            </a:xfrm>
-            <a:prstGeom prst="line">
-              <a:avLst/>
-            </a:prstGeom>
-            <a:noFill/>
-            <a:ln w="38100" cap="flat">
-              <a:solidFill>
-                <a:srgbClr val="000000"/>
-              </a:solidFill>
-              <a:prstDash val="solid"/>
-              <a:miter lim="400000"/>
-            </a:ln>
-            <a:effectLst/>
-          </p:spPr>
-          <p:txBody>
-            <a:bodyPr wrap="square" lIns="66302" tIns="66302" rIns="66302" bIns="66302" numCol="1" anchor="ctr">
-              <a:noAutofit/>
-            </a:bodyPr>
-            <a:lstStyle/>
-            <a:p>
-              <a:pPr>
-                <a:defRPr b="0" sz="8000">
+                <a:defRPr b="0" sz="11600">
                   <a:latin typeface="+mn-lt"/>
                   <a:ea typeface="+mn-ea"/>
                   <a:cs typeface="+mn-cs"/>
@@ -4505,34 +4128,34 @@
       </p:grpSp>
       <p:grpSp>
         <p:nvGrpSpPr>
-          <p:cNvPr id="162" name="Group"/>
+          <p:cNvPr id="154" name="Group"/>
           <p:cNvGrpSpPr/>
           <p:nvPr/>
         </p:nvGrpSpPr>
         <p:grpSpPr>
           <a:xfrm>
-            <a:off x="778508" y="8730321"/>
-            <a:ext cx="11458045" cy="14495171"/>
+            <a:off x="29801614" y="35388460"/>
+            <a:ext cx="12669478" cy="15100118"/>
             <a:chOff x="0" y="0"/>
-            <a:chExt cx="11458044" cy="14495170"/>
+            <a:chExt cx="12669477" cy="15100117"/>
           </a:xfrm>
         </p:grpSpPr>
         <p:sp>
           <p:nvSpPr>
-            <p:cNvPr id="151" name="Line"/>
+            <p:cNvPr id="144" name="Rectangle"/>
             <p:cNvSpPr/>
             <p:nvPr/>
           </p:nvSpPr>
           <p:spPr>
             <a:xfrm>
-              <a:off x="1581204" y="17005"/>
-              <a:ext cx="8295635" cy="1"/>
+              <a:off x="105320" y="1586346"/>
+              <a:ext cx="12493702" cy="13513772"/>
             </a:xfrm>
-            <a:prstGeom prst="line">
+            <a:prstGeom prst="rect">
               <a:avLst/>
             </a:prstGeom>
             <a:noFill/>
-            <a:ln w="38100" cap="flat">
+            <a:ln w="215900" cap="flat">
               <a:solidFill>
                 <a:srgbClr val="000000"/>
               </a:solidFill>
@@ -4542,13 +4165,13 @@
             <a:effectLst/>
           </p:spPr>
           <p:txBody>
-            <a:bodyPr wrap="square" lIns="66302" tIns="66302" rIns="66302" bIns="66302" numCol="1" anchor="ctr">
+            <a:bodyPr wrap="square" lIns="75774" tIns="75774" rIns="75774" bIns="75774" numCol="1" anchor="ctr">
               <a:noAutofit/>
             </a:bodyPr>
             <a:lstStyle/>
             <a:p>
               <a:pPr>
-                <a:defRPr b="0" sz="8000">
+                <a:defRPr b="0" sz="11600">
                   <a:latin typeface="+mn-lt"/>
                   <a:ea typeface="+mn-ea"/>
                   <a:cs typeface="+mn-cs"/>
@@ -4560,55 +4183,14 @@
         </p:sp>
         <p:sp>
           <p:nvSpPr>
-            <p:cNvPr id="152" name="Rectangle"/>
+            <p:cNvPr id="145" name="Triangle"/>
             <p:cNvSpPr/>
             <p:nvPr/>
           </p:nvSpPr>
           <p:spPr>
             <a:xfrm>
-              <a:off x="79484" y="849755"/>
-              <a:ext cx="11299076" cy="13645416"/>
-            </a:xfrm>
-            <a:prstGeom prst="rect">
-              <a:avLst/>
-            </a:prstGeom>
-            <a:noFill/>
-            <a:ln w="190500" cap="flat">
-              <a:solidFill>
-                <a:srgbClr val="000000"/>
-              </a:solidFill>
-              <a:prstDash val="solid"/>
-              <a:miter lim="400000"/>
-            </a:ln>
-            <a:effectLst/>
-          </p:spPr>
-          <p:txBody>
-            <a:bodyPr wrap="square" lIns="66302" tIns="66302" rIns="66302" bIns="66302" numCol="1" anchor="ctr">
-              <a:noAutofit/>
-            </a:bodyPr>
-            <a:lstStyle/>
-            <a:p>
-              <a:pPr>
-                <a:defRPr b="0" sz="8000">
-                  <a:latin typeface="+mn-lt"/>
-                  <a:ea typeface="+mn-ea"/>
-                  <a:cs typeface="+mn-cs"/>
-                  <a:sym typeface="Helvetica Neue Medium"/>
-                </a:defRPr>
-              </a:pPr>
-            </a:p>
-          </p:txBody>
-        </p:sp>
-        <p:sp>
-          <p:nvSpPr>
-            <p:cNvPr id="153" name="Triangle"/>
-            <p:cNvSpPr/>
-            <p:nvPr/>
-          </p:nvSpPr>
-          <p:spPr>
-            <a:xfrm>
-              <a:off x="9865152" y="7463"/>
-              <a:ext cx="384610" cy="842293"/>
+              <a:off x="10920005" y="11243"/>
+              <a:ext cx="425274" cy="1607205"/>
             </a:xfrm>
             <a:custGeom>
               <a:avLst/>
@@ -4657,13 +4239,13 @@
             <a:effectLst/>
           </p:spPr>
           <p:txBody>
-            <a:bodyPr wrap="square" lIns="66302" tIns="66302" rIns="66302" bIns="66302" numCol="1" anchor="ctr">
+            <a:bodyPr wrap="square" lIns="75774" tIns="75774" rIns="75774" bIns="75774" numCol="1" anchor="ctr">
               <a:noAutofit/>
             </a:bodyPr>
             <a:lstStyle/>
             <a:p>
               <a:pPr>
-                <a:defRPr b="0" sz="8000">
+                <a:defRPr b="0" sz="11600">
                   <a:latin typeface="+mn-lt"/>
                   <a:ea typeface="+mn-ea"/>
                   <a:cs typeface="+mn-cs"/>
@@ -4675,14 +4257,14 @@
         </p:sp>
         <p:sp>
           <p:nvSpPr>
-            <p:cNvPr id="154" name="Triangle"/>
+            <p:cNvPr id="146" name="Triangle"/>
             <p:cNvSpPr/>
             <p:nvPr/>
           </p:nvSpPr>
           <p:spPr>
             <a:xfrm flipH="1">
-              <a:off x="1212493" y="7463"/>
-              <a:ext cx="384610" cy="842293"/>
+              <a:off x="1352519" y="11243"/>
+              <a:ext cx="425273" cy="1598151"/>
             </a:xfrm>
             <a:custGeom>
               <a:avLst/>
@@ -4731,13 +4313,13 @@
             <a:effectLst/>
           </p:spPr>
           <p:txBody>
-            <a:bodyPr wrap="square" lIns="66302" tIns="66302" rIns="66302" bIns="66302" numCol="1" anchor="ctr">
+            <a:bodyPr wrap="square" lIns="75774" tIns="75774" rIns="75774" bIns="75774" numCol="1" anchor="ctr">
               <a:noAutofit/>
             </a:bodyPr>
             <a:lstStyle/>
             <a:p>
               <a:pPr>
-                <a:defRPr b="0" sz="8000">
+                <a:defRPr b="0" sz="11600">
                   <a:latin typeface="+mn-lt"/>
                   <a:ea typeface="+mn-ea"/>
                   <a:cs typeface="+mn-cs"/>
@@ -4749,20 +4331,20 @@
         </p:sp>
         <p:sp>
           <p:nvSpPr>
-            <p:cNvPr id="155" name="Line"/>
+            <p:cNvPr id="147" name="Line"/>
             <p:cNvSpPr/>
             <p:nvPr/>
           </p:nvSpPr>
           <p:spPr>
             <a:xfrm flipH="1" flipV="1">
-              <a:off x="0" y="849755"/>
-              <a:ext cx="11458045" cy="1"/>
+              <a:off x="0" y="1586346"/>
+              <a:ext cx="12669478" cy="1"/>
             </a:xfrm>
             <a:prstGeom prst="line">
               <a:avLst/>
             </a:prstGeom>
             <a:noFill/>
-            <a:ln w="190500" cap="flat">
+            <a:ln w="215900" cap="flat">
               <a:solidFill>
                 <a:srgbClr val="000000"/>
               </a:solidFill>
@@ -4770,7 +4352,7 @@
               <a:miter lim="400000"/>
             </a:ln>
             <a:effectLst>
-              <a:outerShdw sx="100000" sy="100000" kx="0" ky="0" algn="b" rotWithShape="0" blurRad="114300" dist="59784" dir="16200000">
+              <a:outerShdw sx="100000" sy="100000" kx="0" ky="0" algn="b" rotWithShape="0" blurRad="127000" dist="63500" dir="16200000">
                 <a:srgbClr val="000000">
                   <a:alpha val="59496"/>
                 </a:srgbClr>
@@ -4778,13 +4360,13 @@
             </a:effectLst>
           </p:spPr>
           <p:txBody>
-            <a:bodyPr wrap="square" lIns="66302" tIns="66302" rIns="66302" bIns="66302" numCol="1" anchor="ctr">
+            <a:bodyPr wrap="square" lIns="75774" tIns="75774" rIns="75774" bIns="75774" numCol="1" anchor="ctr">
               <a:noAutofit/>
             </a:bodyPr>
             <a:lstStyle/>
             <a:p>
               <a:pPr>
-                <a:defRPr b="0" sz="8000">
+                <a:defRPr b="0" sz="11600">
                   <a:latin typeface="+mn-lt"/>
                   <a:ea typeface="+mn-ea"/>
                   <a:cs typeface="+mn-cs"/>
@@ -4796,14 +4378,14 @@
         </p:sp>
         <p:sp>
           <p:nvSpPr>
-            <p:cNvPr id="156" name="Rectangle"/>
+            <p:cNvPr id="148" name="Rectangle"/>
             <p:cNvSpPr/>
             <p:nvPr/>
           </p:nvSpPr>
           <p:spPr>
             <a:xfrm>
-              <a:off x="1583912" y="7463"/>
-              <a:ext cx="8281241" cy="2159682"/>
+              <a:off x="1763207" y="11243"/>
+              <a:ext cx="9156798" cy="3253702"/>
             </a:xfrm>
             <a:prstGeom prst="rect">
               <a:avLst/>
@@ -4818,13 +4400,13 @@
             <a:effectLst/>
           </p:spPr>
           <p:txBody>
-            <a:bodyPr wrap="square" lIns="66302" tIns="66302" rIns="66302" bIns="66302" numCol="1" anchor="ctr">
+            <a:bodyPr wrap="square" lIns="75774" tIns="75774" rIns="75774" bIns="75774" numCol="1" anchor="ctr">
               <a:noAutofit/>
             </a:bodyPr>
             <a:lstStyle/>
             <a:p>
               <a:pPr>
-                <a:defRPr b="0" sz="8000">
+                <a:defRPr b="0" sz="11600">
                   <a:latin typeface="+mn-lt"/>
                   <a:ea typeface="+mn-ea"/>
                   <a:cs typeface="+mn-cs"/>
@@ -4836,14 +4418,14 @@
         </p:sp>
         <p:sp>
           <p:nvSpPr>
-            <p:cNvPr id="157" name="Triangle"/>
+            <p:cNvPr id="149" name="Triangle"/>
             <p:cNvSpPr/>
             <p:nvPr/>
           </p:nvSpPr>
           <p:spPr>
             <a:xfrm rot="10800000">
-              <a:off x="1592891" y="2167145"/>
-              <a:ext cx="8272261" cy="1348347"/>
+              <a:off x="1773136" y="3264947"/>
+              <a:ext cx="9146869" cy="2031373"/>
             </a:xfrm>
             <a:custGeom>
               <a:avLst/>
@@ -4889,13 +4471,13 @@
             <a:effectLst/>
           </p:spPr>
           <p:txBody>
-            <a:bodyPr wrap="square" lIns="66302" tIns="66302" rIns="66302" bIns="66302" numCol="1" anchor="ctr">
+            <a:bodyPr wrap="square" lIns="75774" tIns="75774" rIns="75774" bIns="75774" numCol="1" anchor="ctr">
               <a:noAutofit/>
             </a:bodyPr>
             <a:lstStyle/>
             <a:p>
               <a:pPr>
-                <a:defRPr b="0" sz="8000">
+                <a:defRPr b="0" sz="11600">
                   <a:latin typeface="+mn-lt"/>
                   <a:ea typeface="+mn-ea"/>
                   <a:cs typeface="+mn-cs"/>
@@ -4907,14 +4489,14 @@
         </p:sp>
         <p:sp>
           <p:nvSpPr>
-            <p:cNvPr id="158" name="Line"/>
+            <p:cNvPr id="150" name="Line"/>
             <p:cNvSpPr/>
             <p:nvPr/>
           </p:nvSpPr>
           <p:spPr>
             <a:xfrm flipH="1">
-              <a:off x="1597102" y="-1"/>
-              <a:ext cx="1" cy="2174609"/>
+              <a:off x="1777791" y="-1"/>
+              <a:ext cx="1" cy="3276190"/>
             </a:xfrm>
             <a:prstGeom prst="line">
               <a:avLst/>
@@ -4930,13 +4512,13 @@
             <a:effectLst/>
           </p:spPr>
           <p:txBody>
-            <a:bodyPr wrap="square" lIns="66302" tIns="66302" rIns="66302" bIns="66302" numCol="1" anchor="ctr">
+            <a:bodyPr wrap="square" lIns="75774" tIns="75774" rIns="75774" bIns="75774" numCol="1" anchor="ctr">
               <a:noAutofit/>
             </a:bodyPr>
             <a:lstStyle/>
             <a:p>
               <a:pPr>
-                <a:defRPr b="0" sz="8000">
+                <a:defRPr b="0" sz="11600">
                   <a:latin typeface="+mn-lt"/>
                   <a:ea typeface="+mn-ea"/>
                   <a:cs typeface="+mn-cs"/>
@@ -4948,14 +4530,14 @@
         </p:sp>
         <p:sp>
           <p:nvSpPr>
-            <p:cNvPr id="159" name="Line"/>
+            <p:cNvPr id="151" name="Line"/>
             <p:cNvSpPr/>
             <p:nvPr/>
           </p:nvSpPr>
           <p:spPr>
             <a:xfrm>
-              <a:off x="9865151" y="11336"/>
-              <a:ext cx="1" cy="2174609"/>
+              <a:off x="10920004" y="17080"/>
+              <a:ext cx="1" cy="3276190"/>
             </a:xfrm>
             <a:prstGeom prst="line">
               <a:avLst/>
@@ -4971,13 +4553,13 @@
             <a:effectLst/>
           </p:spPr>
           <p:txBody>
-            <a:bodyPr wrap="square" lIns="66302" tIns="66302" rIns="66302" bIns="66302" numCol="1" anchor="ctr">
+            <a:bodyPr wrap="square" lIns="75774" tIns="75774" rIns="75774" bIns="75774" numCol="1" anchor="ctr">
               <a:noAutofit/>
             </a:bodyPr>
             <a:lstStyle/>
             <a:p>
               <a:pPr>
-                <a:defRPr b="0" sz="8000">
+                <a:defRPr b="0" sz="11600">
                   <a:latin typeface="+mn-lt"/>
                   <a:ea typeface="+mn-ea"/>
                   <a:cs typeface="+mn-cs"/>
@@ -4989,14 +4571,14 @@
         </p:sp>
         <p:sp>
           <p:nvSpPr>
-            <p:cNvPr id="160" name="Line"/>
+            <p:cNvPr id="152" name="Line"/>
             <p:cNvSpPr/>
             <p:nvPr/>
           </p:nvSpPr>
           <p:spPr>
             <a:xfrm flipH="1">
-              <a:off x="5723027" y="2173469"/>
-              <a:ext cx="4148565" cy="1340953"/>
+              <a:off x="6339941" y="3274474"/>
+              <a:ext cx="4587183" cy="2020234"/>
             </a:xfrm>
             <a:prstGeom prst="line">
               <a:avLst/>
@@ -5012,13 +4594,13 @@
             <a:effectLst/>
           </p:spPr>
           <p:txBody>
-            <a:bodyPr wrap="square" lIns="66302" tIns="66302" rIns="66302" bIns="66302" numCol="1" anchor="ctr">
+            <a:bodyPr wrap="square" lIns="75774" tIns="75774" rIns="75774" bIns="75774" numCol="1" anchor="ctr">
               <a:noAutofit/>
             </a:bodyPr>
             <a:lstStyle/>
             <a:p>
               <a:pPr>
-                <a:defRPr b="0" sz="8000">
+                <a:defRPr b="0" sz="11600">
                   <a:latin typeface="+mn-lt"/>
                   <a:ea typeface="+mn-ea"/>
                   <a:cs typeface="+mn-cs"/>
@@ -5030,14 +4612,14 @@
         </p:sp>
         <p:sp>
           <p:nvSpPr>
-            <p:cNvPr id="161" name="Line"/>
+            <p:cNvPr id="153" name="Line"/>
             <p:cNvSpPr/>
             <p:nvPr/>
           </p:nvSpPr>
           <p:spPr>
             <a:xfrm>
-              <a:off x="1585797" y="2175433"/>
-              <a:ext cx="4149202" cy="1338990"/>
+              <a:off x="1765291" y="3277435"/>
+              <a:ext cx="4587887" cy="2017275"/>
             </a:xfrm>
             <a:prstGeom prst="line">
               <a:avLst/>
@@ -5053,13 +4635,13 @@
             <a:effectLst/>
           </p:spPr>
           <p:txBody>
-            <a:bodyPr wrap="square" lIns="66302" tIns="66302" rIns="66302" bIns="66302" numCol="1" anchor="ctr">
+            <a:bodyPr wrap="square" lIns="75774" tIns="75774" rIns="75774" bIns="75774" numCol="1" anchor="ctr">
               <a:noAutofit/>
             </a:bodyPr>
             <a:lstStyle/>
             <a:p>
               <a:pPr>
-                <a:defRPr b="0" sz="8000">
+                <a:defRPr b="0" sz="11600">
                   <a:latin typeface="+mn-lt"/>
                   <a:ea typeface="+mn-ea"/>
                   <a:cs typeface="+mn-cs"/>
@@ -5072,19 +4654,19 @@
       </p:grpSp>
       <p:sp>
         <p:nvSpPr>
-          <p:cNvPr id="163" name="Line"/>
+          <p:cNvPr id="155" name="Rectangle"/>
           <p:cNvSpPr/>
           <p:nvPr/>
         </p:nvSpPr>
         <p:spPr>
           <a:xfrm>
-            <a:off x="27760156" y="24500485"/>
-            <a:ext cx="8295635" cy="1"/>
+            <a:off x="29922786" y="52187813"/>
+            <a:ext cx="12567816" cy="4479206"/>
           </a:xfrm>
-          <a:prstGeom prst="line">
+          <a:prstGeom prst="rect">
             <a:avLst/>
           </a:prstGeom>
-          <a:ln w="38100">
+          <a:ln w="215900">
             <a:solidFill>
               <a:srgbClr val="000000"/>
             </a:solidFill>
@@ -5092,11 +4674,11 @@
           </a:ln>
         </p:spPr>
         <p:txBody>
-          <a:bodyPr lIns="66302" tIns="66302" rIns="66302" bIns="66302" anchor="ctr"/>
+          <a:bodyPr lIns="75774" tIns="75774" rIns="75774" bIns="75774" anchor="ctr"/>
           <a:lstStyle/>
           <a:p>
             <a:pPr>
-              <a:defRPr b="0" sz="8000">
+              <a:defRPr b="0" sz="11600">
                 <a:latin typeface="+mn-lt"/>
                 <a:ea typeface="+mn-ea"/>
                 <a:cs typeface="+mn-cs"/>
@@ -5106,36 +4688,381 @@
           </a:p>
         </p:txBody>
       </p:sp>
+      <p:sp>
+        <p:nvSpPr>
+          <p:cNvPr id="156" name="Your name followed by co-authors"/>
+          <p:cNvSpPr txBox="1"/>
+          <p:nvPr/>
+        </p:nvSpPr>
+        <p:spPr>
+          <a:xfrm>
+            <a:off x="14327047" y="11242138"/>
+            <a:ext cx="15441138" cy="3387222"/>
+          </a:xfrm>
+          <a:prstGeom prst="rect">
+            <a:avLst/>
+          </a:prstGeom>
+          <a:ln w="3175">
+            <a:miter lim="400000"/>
+          </a:ln>
+          <a:extLst>
+            <a:ext uri="{C572A759-6A51-4108-AA02-DFA0A04FC94B}">
+              <ma14:wrappingTextBoxFlag xmlns:ma14="http://schemas.microsoft.com/office/mac/drawingml/2011/main" val="1"/>
+            </a:ext>
+          </a:extLst>
+        </p:spPr>
+        <p:txBody>
+          <a:bodyPr lIns="75774" tIns="75774" rIns="75774" bIns="75774" anchor="ctr">
+            <a:spAutoFit/>
+          </a:bodyPr>
+          <a:lstStyle/>
+          <a:p>
+            <a:pPr>
+              <a:defRPr sz="11600">
+                <a:solidFill>
+                  <a:srgbClr val="000000"/>
+                </a:solidFill>
+                <a:latin typeface="Rockwell"/>
+                <a:ea typeface="Rockwell"/>
+                <a:cs typeface="Rockwell"/>
+                <a:sym typeface="Rockwell"/>
+              </a:defRPr>
+            </a:pPr>
+            <a:r>
+              <a:t>Your name </a:t>
+            </a:r>
+            <a:r>
+              <a:rPr b="0">
+                <a:solidFill>
+                  <a:srgbClr val="F4A992"/>
+                </a:solidFill>
+              </a:rPr>
+              <a:t>followed by co-authors</a:t>
+            </a:r>
+          </a:p>
+        </p:txBody>
+      </p:sp>
+      <p:sp>
+        <p:nvSpPr>
+          <p:cNvPr id="157" name="Four bullet points in this section…"/>
+          <p:cNvSpPr txBox="1"/>
+          <p:nvPr/>
+        </p:nvSpPr>
+        <p:spPr>
+          <a:xfrm>
+            <a:off x="1712237" y="21384213"/>
+            <a:ext cx="11413905" cy="9752334"/>
+          </a:xfrm>
+          <a:prstGeom prst="rect">
+            <a:avLst/>
+          </a:prstGeom>
+          <a:ln w="3175">
+            <a:miter lim="400000"/>
+          </a:ln>
+          <a:extLst>
+            <a:ext uri="{C572A759-6A51-4108-AA02-DFA0A04FC94B}">
+              <ma14:wrappingTextBoxFlag xmlns:ma14="http://schemas.microsoft.com/office/mac/drawingml/2011/main" val="1"/>
+            </a:ext>
+          </a:extLst>
+        </p:spPr>
+        <p:txBody>
+          <a:bodyPr lIns="75774" tIns="75774" rIns="75774" bIns="75774" anchor="ctr">
+            <a:spAutoFit/>
+          </a:bodyPr>
+          <a:lstStyle/>
+          <a:p>
+            <a:pPr marL="1250156" indent="-1250156" algn="l">
+              <a:lnSpc>
+                <a:spcPct val="120000"/>
+              </a:lnSpc>
+              <a:buSzPct val="145000"/>
+              <a:buChar char="•"/>
+              <a:defRPr b="0" sz="7000">
+                <a:solidFill>
+                  <a:srgbClr val="000000"/>
+                </a:solidFill>
+                <a:latin typeface="Rockwell"/>
+                <a:ea typeface="Rockwell"/>
+                <a:cs typeface="Rockwell"/>
+                <a:sym typeface="Rockwell"/>
+              </a:defRPr>
+            </a:pPr>
+            <a:r>
+              <a:t>Four bullet points in this section</a:t>
+            </a:r>
+          </a:p>
+          <a:p>
+            <a:pPr marL="1250156" indent="-1250156" algn="l">
+              <a:lnSpc>
+                <a:spcPct val="120000"/>
+              </a:lnSpc>
+              <a:buSzPct val="145000"/>
+              <a:buChar char="•"/>
+              <a:defRPr b="0" sz="7000">
+                <a:solidFill>
+                  <a:srgbClr val="000000"/>
+                </a:solidFill>
+                <a:latin typeface="Rockwell"/>
+                <a:ea typeface="Rockwell"/>
+                <a:cs typeface="Rockwell"/>
+                <a:sym typeface="Rockwell"/>
+              </a:defRPr>
+            </a:pPr>
+            <a:r>
+              <a:t>Only fill in the relevant information</a:t>
+            </a:r>
+          </a:p>
+          <a:p>
+            <a:pPr marL="1250156" indent="-1250156" algn="l">
+              <a:lnSpc>
+                <a:spcPct val="120000"/>
+              </a:lnSpc>
+              <a:buSzPct val="145000"/>
+              <a:buChar char="•"/>
+              <a:defRPr b="0" sz="7000">
+                <a:solidFill>
+                  <a:srgbClr val="000000"/>
+                </a:solidFill>
+                <a:latin typeface="Rockwell"/>
+                <a:ea typeface="Rockwell"/>
+                <a:cs typeface="Rockwell"/>
+                <a:sym typeface="Rockwell"/>
+              </a:defRPr>
+            </a:pPr>
+            <a:r>
+              <a:t>No plot necessary</a:t>
+            </a:r>
+          </a:p>
+          <a:p>
+            <a:pPr marL="1250156" indent="-1250156" algn="l">
+              <a:lnSpc>
+                <a:spcPct val="120000"/>
+              </a:lnSpc>
+              <a:buSzPct val="145000"/>
+              <a:buChar char="•"/>
+              <a:defRPr b="0" sz="7000">
+                <a:solidFill>
+                  <a:srgbClr val="000000"/>
+                </a:solidFill>
+                <a:latin typeface="Rockwell"/>
+                <a:ea typeface="Rockwell"/>
+                <a:cs typeface="Rockwell"/>
+                <a:sym typeface="Rockwell"/>
+              </a:defRPr>
+            </a:pPr>
+            <a:r>
+              <a:t>Highlight key points in your </a:t>
+            </a:r>
+            <a:r>
+              <a:rPr b="1" u="sng">
+                <a:solidFill>
+                  <a:srgbClr val="FFAA93"/>
+                </a:solidFill>
+              </a:rPr>
+              <a:t>one</a:t>
+            </a:r>
+            <a:r>
+              <a:rPr>
+                <a:solidFill>
+                  <a:schemeClr val="accent4">
+                    <a:hueOff val="-1109302"/>
+                    <a:lumOff val="-6470"/>
+                  </a:schemeClr>
+                </a:solidFill>
+              </a:rPr>
+              <a:t> </a:t>
+            </a:r>
+            <a:r>
+              <a:t>complimentary color</a:t>
+            </a:r>
+          </a:p>
+        </p:txBody>
+      </p:sp>
+      <p:sp>
+        <p:nvSpPr>
+          <p:cNvPr id="158" name="Remind the reader what you’re trying to address…"/>
+          <p:cNvSpPr txBox="1"/>
+          <p:nvPr/>
+        </p:nvSpPr>
+        <p:spPr>
+          <a:xfrm>
+            <a:off x="16686450" y="20990764"/>
+            <a:ext cx="15098732" cy="10996900"/>
+          </a:xfrm>
+          <a:prstGeom prst="rect">
+            <a:avLst/>
+          </a:prstGeom>
+          <a:ln w="3175">
+            <a:miter lim="400000"/>
+          </a:ln>
+          <a:extLst>
+            <a:ext uri="{C572A759-6A51-4108-AA02-DFA0A04FC94B}">
+              <ma14:wrappingTextBoxFlag xmlns:ma14="http://schemas.microsoft.com/office/mac/drawingml/2011/main" val="1"/>
+            </a:ext>
+          </a:extLst>
+        </p:spPr>
+        <p:txBody>
+          <a:bodyPr lIns="75774" tIns="75774" rIns="75774" bIns="75774" anchor="ctr">
+            <a:spAutoFit/>
+          </a:bodyPr>
+          <a:lstStyle/>
+          <a:p>
+            <a:pPr marL="1250156" indent="-1250156" algn="l">
+              <a:lnSpc>
+                <a:spcPct val="120000"/>
+              </a:lnSpc>
+              <a:buSzPct val="145000"/>
+              <a:buChar char="•"/>
+              <a:defRPr b="0" sz="7000">
+                <a:solidFill>
+                  <a:srgbClr val="000000"/>
+                </a:solidFill>
+                <a:latin typeface="Rockwell"/>
+                <a:ea typeface="Rockwell"/>
+                <a:cs typeface="Rockwell"/>
+                <a:sym typeface="Rockwell"/>
+              </a:defRPr>
+            </a:pPr>
+            <a:r>
+              <a:t>Remind the reader what you’re trying to address</a:t>
+            </a:r>
+          </a:p>
+          <a:p>
+            <a:pPr marL="1250156" indent="-1250156" algn="l">
+              <a:lnSpc>
+                <a:spcPct val="120000"/>
+              </a:lnSpc>
+              <a:buSzPct val="145000"/>
+              <a:buChar char="•"/>
+              <a:defRPr b="0" sz="7000">
+                <a:solidFill>
+                  <a:srgbClr val="000000"/>
+                </a:solidFill>
+                <a:latin typeface="Rockwell"/>
+                <a:ea typeface="Rockwell"/>
+                <a:cs typeface="Rockwell"/>
+                <a:sym typeface="Rockwell"/>
+              </a:defRPr>
+            </a:pPr>
+            <a:r>
+              <a:t>Highlight the </a:t>
+            </a:r>
+            <a:r>
+              <a:rPr b="1" u="sng">
+                <a:solidFill>
+                  <a:srgbClr val="FFAA93"/>
+                </a:solidFill>
+              </a:rPr>
+              <a:t>three</a:t>
+            </a:r>
+            <a:r>
+              <a:t> most important steps</a:t>
+            </a:r>
+          </a:p>
+          <a:p>
+            <a:pPr lvl="1" marL="1694656" indent="-1250156" algn="l">
+              <a:lnSpc>
+                <a:spcPct val="120000"/>
+              </a:lnSpc>
+              <a:buClr>
+                <a:srgbClr val="000000"/>
+              </a:buClr>
+              <a:buSzPct val="145000"/>
+              <a:buChar char="•"/>
+              <a:defRPr b="0" sz="7000">
+                <a:solidFill>
+                  <a:srgbClr val="000000"/>
+                </a:solidFill>
+                <a:latin typeface="Rockwell"/>
+                <a:ea typeface="Rockwell"/>
+                <a:cs typeface="Rockwell"/>
+                <a:sym typeface="Rockwell"/>
+              </a:defRPr>
+            </a:pPr>
+            <a:r>
+              <a:t>One bullet about your data set</a:t>
+            </a:r>
+          </a:p>
+          <a:p>
+            <a:pPr lvl="1" marL="1694656" indent="-1250156" algn="l">
+              <a:lnSpc>
+                <a:spcPct val="120000"/>
+              </a:lnSpc>
+              <a:buClr>
+                <a:srgbClr val="000000"/>
+              </a:buClr>
+              <a:buSzPct val="145000"/>
+              <a:buChar char="•"/>
+              <a:defRPr b="0" sz="7000">
+                <a:solidFill>
+                  <a:srgbClr val="000000"/>
+                </a:solidFill>
+                <a:latin typeface="Rockwell"/>
+                <a:ea typeface="Rockwell"/>
+                <a:cs typeface="Rockwell"/>
+                <a:sym typeface="Rockwell"/>
+              </a:defRPr>
+            </a:pPr>
+            <a:r>
+              <a:t>One bullet about the steps you took</a:t>
+            </a:r>
+          </a:p>
+          <a:p>
+            <a:pPr lvl="1" marL="1694656" indent="-1250156" algn="l">
+              <a:lnSpc>
+                <a:spcPct val="120000"/>
+              </a:lnSpc>
+              <a:buClr>
+                <a:srgbClr val="000000"/>
+              </a:buClr>
+              <a:buSzPct val="145000"/>
+              <a:buChar char="•"/>
+              <a:defRPr b="0" sz="7000">
+                <a:solidFill>
+                  <a:srgbClr val="000000"/>
+                </a:solidFill>
+                <a:latin typeface="Rockwell"/>
+                <a:ea typeface="Rockwell"/>
+                <a:cs typeface="Rockwell"/>
+                <a:sym typeface="Rockwell"/>
+              </a:defRPr>
+            </a:pPr>
+            <a:r>
+              <a:t>One bullet about the analysis</a:t>
+            </a:r>
+          </a:p>
+        </p:txBody>
+      </p:sp>
       <p:grpSp>
         <p:nvGrpSpPr>
-          <p:cNvPr id="174" name="Group"/>
+          <p:cNvPr id="170" name="Group"/>
           <p:cNvGrpSpPr/>
           <p:nvPr/>
         </p:nvGrpSpPr>
         <p:grpSpPr>
           <a:xfrm>
-            <a:off x="26168250" y="24483480"/>
-            <a:ext cx="11458045" cy="10022876"/>
+            <a:off x="15685923" y="15807678"/>
+            <a:ext cx="26785169" cy="17017690"/>
             <a:chOff x="0" y="0"/>
-            <a:chExt cx="11458044" cy="10022874"/>
+            <a:chExt cx="26785168" cy="17017688"/>
           </a:xfrm>
         </p:grpSpPr>
         <p:sp>
           <p:nvSpPr>
-            <p:cNvPr id="164" name="Rectangle"/>
+            <p:cNvPr id="159" name="Rectangle"/>
             <p:cNvSpPr/>
             <p:nvPr/>
           </p:nvSpPr>
           <p:spPr>
             <a:xfrm>
-              <a:off x="95250" y="1052955"/>
-              <a:ext cx="11299075" cy="8969920"/>
+              <a:off x="95115" y="1256992"/>
+              <a:ext cx="26589968" cy="15760697"/>
             </a:xfrm>
             <a:prstGeom prst="rect">
               <a:avLst/>
             </a:prstGeom>
             <a:noFill/>
-            <a:ln w="190500" cap="flat">
+            <a:ln w="215900" cap="flat">
               <a:solidFill>
                 <a:srgbClr val="000000"/>
               </a:solidFill>
@@ -5145,13 +5072,13 @@
             <a:effectLst/>
           </p:spPr>
           <p:txBody>
-            <a:bodyPr wrap="square" lIns="66302" tIns="66302" rIns="66302" bIns="66302" numCol="1" anchor="ctr">
+            <a:bodyPr wrap="square" lIns="75774" tIns="75774" rIns="75774" bIns="75774" numCol="1" anchor="ctr">
               <a:noAutofit/>
             </a:bodyPr>
             <a:lstStyle/>
             <a:p>
               <a:pPr>
-                <a:defRPr b="0" sz="8000">
+                <a:defRPr b="0" sz="11600">
                   <a:latin typeface="+mn-lt"/>
                   <a:ea typeface="+mn-ea"/>
                   <a:cs typeface="+mn-cs"/>
@@ -5163,14 +5090,14 @@
         </p:sp>
         <p:sp>
           <p:nvSpPr>
-            <p:cNvPr id="165" name="Triangle"/>
+            <p:cNvPr id="160" name="Triangle"/>
             <p:cNvSpPr/>
             <p:nvPr/>
           </p:nvSpPr>
           <p:spPr>
             <a:xfrm>
-              <a:off x="9875853" y="7462"/>
-              <a:ext cx="384609" cy="1066801"/>
+              <a:off x="23061505" y="11038"/>
+              <a:ext cx="899092" cy="1245954"/>
             </a:xfrm>
             <a:custGeom>
               <a:avLst/>
@@ -5219,13 +5146,13 @@
             <a:effectLst/>
           </p:spPr>
           <p:txBody>
-            <a:bodyPr wrap="square" lIns="66302" tIns="66302" rIns="66302" bIns="66302" numCol="1" anchor="ctr">
+            <a:bodyPr wrap="square" lIns="75774" tIns="75774" rIns="75774" bIns="75774" numCol="1" anchor="ctr">
               <a:noAutofit/>
             </a:bodyPr>
             <a:lstStyle/>
             <a:p>
               <a:pPr>
-                <a:defRPr b="0" sz="8000">
+                <a:defRPr b="0" sz="11600">
                   <a:latin typeface="+mn-lt"/>
                   <a:ea typeface="+mn-ea"/>
                   <a:cs typeface="+mn-cs"/>
@@ -5237,14 +5164,14 @@
         </p:sp>
         <p:sp>
           <p:nvSpPr>
-            <p:cNvPr id="166" name="Triangle"/>
+            <p:cNvPr id="161" name="Triangle"/>
             <p:cNvSpPr/>
             <p:nvPr/>
           </p:nvSpPr>
           <p:spPr>
             <a:xfrm flipH="1">
-              <a:off x="1223193" y="7462"/>
-              <a:ext cx="384610" cy="1060792"/>
+              <a:off x="2834413" y="11038"/>
+              <a:ext cx="899091" cy="1245954"/>
             </a:xfrm>
             <a:custGeom>
               <a:avLst/>
@@ -5293,13 +5220,13 @@
             <a:effectLst/>
           </p:spPr>
           <p:txBody>
-            <a:bodyPr wrap="square" lIns="66302" tIns="66302" rIns="66302" bIns="66302" numCol="1" anchor="ctr">
+            <a:bodyPr wrap="square" lIns="75774" tIns="75774" rIns="75774" bIns="75774" numCol="1" anchor="ctr">
               <a:noAutofit/>
             </a:bodyPr>
             <a:lstStyle/>
             <a:p>
               <a:pPr>
-                <a:defRPr b="0" sz="8000">
+                <a:defRPr b="0" sz="11600">
                   <a:latin typeface="+mn-lt"/>
                   <a:ea typeface="+mn-ea"/>
                   <a:cs typeface="+mn-cs"/>
@@ -5311,20 +5238,20 @@
         </p:sp>
         <p:sp>
           <p:nvSpPr>
-            <p:cNvPr id="167" name="Line"/>
+            <p:cNvPr id="162" name="Line"/>
             <p:cNvSpPr/>
             <p:nvPr/>
           </p:nvSpPr>
           <p:spPr>
             <a:xfrm flipH="1" flipV="1">
-              <a:off x="0" y="1052955"/>
-              <a:ext cx="11458045" cy="1"/>
+              <a:off x="-1" y="1256992"/>
+              <a:ext cx="26785170" cy="1"/>
             </a:xfrm>
             <a:prstGeom prst="line">
               <a:avLst/>
             </a:prstGeom>
             <a:noFill/>
-            <a:ln w="190500" cap="flat">
+            <a:ln w="215900" cap="flat">
               <a:solidFill>
                 <a:srgbClr val="000000"/>
               </a:solidFill>
@@ -5332,7 +5259,7 @@
               <a:miter lim="400000"/>
             </a:ln>
             <a:effectLst>
-              <a:outerShdw sx="100000" sy="100000" kx="0" ky="0" algn="b" rotWithShape="0" blurRad="114300" dist="59784" dir="16200000">
+              <a:outerShdw sx="100000" sy="100000" kx="0" ky="0" algn="b" rotWithShape="0" blurRad="127000" dist="63500" dir="16200000">
                 <a:srgbClr val="000000">
                   <a:alpha val="59496"/>
                 </a:srgbClr>
@@ -5340,13 +5267,13 @@
             </a:effectLst>
           </p:spPr>
           <p:txBody>
-            <a:bodyPr wrap="square" lIns="66302" tIns="66302" rIns="66302" bIns="66302" numCol="1" anchor="ctr">
+            <a:bodyPr wrap="square" lIns="75774" tIns="75774" rIns="75774" bIns="75774" numCol="1" anchor="ctr">
               <a:noAutofit/>
             </a:bodyPr>
             <a:lstStyle/>
             <a:p>
               <a:pPr>
-                <a:defRPr b="0" sz="8000">
+                <a:defRPr b="0" sz="11600">
                   <a:latin typeface="+mn-lt"/>
                   <a:ea typeface="+mn-ea"/>
                   <a:cs typeface="+mn-cs"/>
@@ -5358,14 +5285,14 @@
         </p:sp>
         <p:sp>
           <p:nvSpPr>
-            <p:cNvPr id="168" name="Rectangle"/>
+            <p:cNvPr id="163" name="Rectangle"/>
             <p:cNvSpPr/>
             <p:nvPr/>
           </p:nvSpPr>
           <p:spPr>
             <a:xfrm>
-              <a:off x="1594612" y="7462"/>
-              <a:ext cx="8281241" cy="2159682"/>
+              <a:off x="3702670" y="11038"/>
+              <a:ext cx="19358836" cy="3194691"/>
             </a:xfrm>
             <a:prstGeom prst="rect">
               <a:avLst/>
@@ -5380,13 +5307,13 @@
             <a:effectLst/>
           </p:spPr>
           <p:txBody>
-            <a:bodyPr wrap="square" lIns="66302" tIns="66302" rIns="66302" bIns="66302" numCol="1" anchor="ctr">
+            <a:bodyPr wrap="square" lIns="75774" tIns="75774" rIns="75774" bIns="75774" numCol="1" anchor="ctr">
               <a:noAutofit/>
             </a:bodyPr>
             <a:lstStyle/>
             <a:p>
               <a:pPr>
-                <a:defRPr b="0" sz="8000">
+                <a:defRPr b="0" sz="11600">
                   <a:latin typeface="+mn-lt"/>
                   <a:ea typeface="+mn-ea"/>
                   <a:cs typeface="+mn-cs"/>
@@ -5398,14 +5325,14 @@
         </p:sp>
         <p:sp>
           <p:nvSpPr>
-            <p:cNvPr id="169" name="Triangle"/>
+            <p:cNvPr id="164" name="Triangle"/>
             <p:cNvSpPr/>
             <p:nvPr/>
           </p:nvSpPr>
           <p:spPr>
             <a:xfrm rot="10800000">
-              <a:off x="1603592" y="2167146"/>
-              <a:ext cx="8272261" cy="1348347"/>
+              <a:off x="3723660" y="3205730"/>
+              <a:ext cx="19337846" cy="1994530"/>
             </a:xfrm>
             <a:custGeom>
               <a:avLst/>
@@ -5451,13 +5378,13 @@
             <a:effectLst/>
           </p:spPr>
           <p:txBody>
-            <a:bodyPr wrap="square" lIns="66302" tIns="66302" rIns="66302" bIns="66302" numCol="1" anchor="ctr">
+            <a:bodyPr wrap="square" lIns="75774" tIns="75774" rIns="75774" bIns="75774" numCol="1" anchor="ctr">
               <a:noAutofit/>
             </a:bodyPr>
             <a:lstStyle/>
             <a:p>
               <a:pPr>
-                <a:defRPr b="0" sz="8000">
+                <a:defRPr b="0" sz="11600">
                   <a:latin typeface="+mn-lt"/>
                   <a:ea typeface="+mn-ea"/>
                   <a:cs typeface="+mn-cs"/>
@@ -5469,14 +5396,14 @@
         </p:sp>
         <p:sp>
           <p:nvSpPr>
-            <p:cNvPr id="170" name="Line"/>
+            <p:cNvPr id="165" name="Line"/>
             <p:cNvSpPr/>
             <p:nvPr/>
           </p:nvSpPr>
           <p:spPr>
-            <a:xfrm flipH="1">
-              <a:off x="1607802" y="-1"/>
-              <a:ext cx="1" cy="2174609"/>
+            <a:xfrm>
+              <a:off x="3696341" y="25156"/>
+              <a:ext cx="19392486" cy="1"/>
             </a:xfrm>
             <a:prstGeom prst="line">
               <a:avLst/>
@@ -5492,13 +5419,13 @@
             <a:effectLst/>
           </p:spPr>
           <p:txBody>
-            <a:bodyPr wrap="square" lIns="66302" tIns="66302" rIns="66302" bIns="66302" numCol="1" anchor="ctr">
+            <a:bodyPr wrap="square" lIns="75774" tIns="75774" rIns="75774" bIns="75774" numCol="1" anchor="ctr">
               <a:noAutofit/>
             </a:bodyPr>
             <a:lstStyle/>
             <a:p>
               <a:pPr>
-                <a:defRPr b="0" sz="8000">
+                <a:defRPr b="0" sz="11600">
                   <a:latin typeface="+mn-lt"/>
                   <a:ea typeface="+mn-ea"/>
                   <a:cs typeface="+mn-cs"/>
@@ -5510,14 +5437,14 @@
         </p:sp>
         <p:sp>
           <p:nvSpPr>
-            <p:cNvPr id="171" name="Line"/>
+            <p:cNvPr id="166" name="Line"/>
             <p:cNvSpPr/>
             <p:nvPr/>
           </p:nvSpPr>
           <p:spPr>
-            <a:xfrm>
-              <a:off x="9875852" y="11337"/>
-              <a:ext cx="1" cy="2174609"/>
+            <a:xfrm flipH="1">
+              <a:off x="3733503" y="0"/>
+              <a:ext cx="1" cy="3216770"/>
             </a:xfrm>
             <a:prstGeom prst="line">
               <a:avLst/>
@@ -5533,13 +5460,13 @@
             <a:effectLst/>
           </p:spPr>
           <p:txBody>
-            <a:bodyPr wrap="square" lIns="66302" tIns="66302" rIns="66302" bIns="66302" numCol="1" anchor="ctr">
+            <a:bodyPr wrap="square" lIns="75774" tIns="75774" rIns="75774" bIns="75774" numCol="1" anchor="ctr">
               <a:noAutofit/>
             </a:bodyPr>
             <a:lstStyle/>
             <a:p>
               <a:pPr>
-                <a:defRPr b="0" sz="8000">
+                <a:defRPr b="0" sz="11600">
                   <a:latin typeface="+mn-lt"/>
                   <a:ea typeface="+mn-ea"/>
                   <a:cs typeface="+mn-cs"/>
@@ -5551,14 +5478,14 @@
         </p:sp>
         <p:sp>
           <p:nvSpPr>
-            <p:cNvPr id="172" name="Line"/>
+            <p:cNvPr id="167" name="Line"/>
             <p:cNvSpPr/>
             <p:nvPr/>
           </p:nvSpPr>
           <p:spPr>
-            <a:xfrm flipH="1">
-              <a:off x="5733726" y="2173470"/>
-              <a:ext cx="4148565" cy="1340953"/>
+            <a:xfrm>
+              <a:off x="23061506" y="16769"/>
+              <a:ext cx="1" cy="3216771"/>
             </a:xfrm>
             <a:prstGeom prst="line">
               <a:avLst/>
@@ -5574,13 +5501,13 @@
             <a:effectLst/>
           </p:spPr>
           <p:txBody>
-            <a:bodyPr wrap="square" lIns="66302" tIns="66302" rIns="66302" bIns="66302" numCol="1" anchor="ctr">
+            <a:bodyPr wrap="square" lIns="75774" tIns="75774" rIns="75774" bIns="75774" numCol="1" anchor="ctr">
               <a:noAutofit/>
             </a:bodyPr>
             <a:lstStyle/>
             <a:p>
               <a:pPr>
-                <a:defRPr b="0" sz="8000">
+                <a:defRPr b="0" sz="11600">
                   <a:latin typeface="+mn-lt"/>
                   <a:ea typeface="+mn-ea"/>
                   <a:cs typeface="+mn-cs"/>
@@ -5592,14 +5519,14 @@
         </p:sp>
         <p:sp>
           <p:nvSpPr>
-            <p:cNvPr id="173" name="Line"/>
+            <p:cNvPr id="168" name="Line"/>
             <p:cNvSpPr/>
             <p:nvPr/>
           </p:nvSpPr>
           <p:spPr>
-            <a:xfrm>
-              <a:off x="1596497" y="2175435"/>
-              <a:ext cx="4149201" cy="1338989"/>
+            <a:xfrm flipH="1">
+              <a:off x="13378571" y="3215087"/>
+              <a:ext cx="9697989" cy="1983593"/>
             </a:xfrm>
             <a:prstGeom prst="line">
               <a:avLst/>
@@ -5615,504 +5542,13 @@
             <a:effectLst/>
           </p:spPr>
           <p:txBody>
-            <a:bodyPr wrap="square" lIns="66302" tIns="66302" rIns="66302" bIns="66302" numCol="1" anchor="ctr">
+            <a:bodyPr wrap="square" lIns="75774" tIns="75774" rIns="75774" bIns="75774" numCol="1" anchor="ctr">
               <a:noAutofit/>
             </a:bodyPr>
             <a:lstStyle/>
             <a:p>
               <a:pPr>
-                <a:defRPr b="0" sz="8000">
-                  <a:latin typeface="+mn-lt"/>
-                  <a:ea typeface="+mn-ea"/>
-                  <a:cs typeface="+mn-cs"/>
-                  <a:sym typeface="Helvetica Neue Medium"/>
-                </a:defRPr>
-              </a:pPr>
-            </a:p>
-          </p:txBody>
-        </p:sp>
-      </p:grpSp>
-      <p:sp>
-        <p:nvSpPr>
-          <p:cNvPr id="175" name="Rectangle"/>
-          <p:cNvSpPr/>
-          <p:nvPr/>
-        </p:nvSpPr>
-        <p:spPr>
-          <a:xfrm>
-            <a:off x="26263500" y="35359401"/>
-            <a:ext cx="11267545" cy="3919305"/>
-          </a:xfrm>
-          <a:prstGeom prst="rect">
-            <a:avLst/>
-          </a:prstGeom>
-          <a:ln w="190500">
-            <a:solidFill>
-              <a:srgbClr val="000000"/>
-            </a:solidFill>
-            <a:miter lim="400000"/>
-          </a:ln>
-        </p:spPr>
-        <p:txBody>
-          <a:bodyPr lIns="66302" tIns="66302" rIns="66302" bIns="66302" anchor="ctr"/>
-          <a:lstStyle/>
-          <a:p>
-            <a:pPr>
-              <a:defRPr b="0" sz="8000">
-                <a:latin typeface="+mn-lt"/>
-                <a:ea typeface="+mn-ea"/>
-                <a:cs typeface="+mn-cs"/>
-                <a:sym typeface="Helvetica Neue Medium"/>
-              </a:defRPr>
-            </a:pPr>
-          </a:p>
-        </p:txBody>
-      </p:sp>
-      <p:sp>
-        <p:nvSpPr>
-          <p:cNvPr id="176" name="The TL;DR you want people to remember (or title if it’s not super long)"/>
-          <p:cNvSpPr txBox="1"/>
-          <p:nvPr/>
-        </p:nvSpPr>
-        <p:spPr>
-          <a:xfrm>
-            <a:off x="4540592" y="1966154"/>
-            <a:ext cx="29323616" cy="3205734"/>
-          </a:xfrm>
-          <a:prstGeom prst="rect">
-            <a:avLst/>
-          </a:prstGeom>
-          <a:ln w="3175">
-            <a:miter lim="400000"/>
-          </a:ln>
-          <a:extLst>
-            <a:ext uri="{C572A759-6A51-4108-AA02-DFA0A04FC94B}">
-              <ma14:wrappingTextBoxFlag xmlns:ma14="http://schemas.microsoft.com/office/mac/drawingml/2011/main" val="1"/>
-            </a:ext>
-          </a:extLst>
-        </p:spPr>
-        <p:txBody>
-          <a:bodyPr lIns="66302" tIns="66302" rIns="66302" bIns="66302" anchor="ctr">
-            <a:spAutoFit/>
-          </a:bodyPr>
-          <a:lstStyle/>
-          <a:p>
-            <a:pPr>
-              <a:defRPr sz="11000">
-                <a:latin typeface="Rockwell"/>
-                <a:ea typeface="Rockwell"/>
-                <a:cs typeface="Rockwell"/>
-                <a:sym typeface="Rockwell"/>
-              </a:defRPr>
-            </a:pPr>
-            <a:r>
-              <a:t>The </a:t>
-            </a:r>
-            <a:r>
-              <a:rPr>
-                <a:solidFill>
-                  <a:srgbClr val="FFAB93"/>
-                </a:solidFill>
-              </a:rPr>
-              <a:t>TL;DR</a:t>
-            </a:r>
-            <a:r>
-              <a:t> you want people to remember (or title if it’s not super long)</a:t>
-            </a:r>
-          </a:p>
-        </p:txBody>
-      </p:sp>
-      <p:sp>
-        <p:nvSpPr>
-          <p:cNvPr id="177" name="Your name followed by co-authors"/>
-          <p:cNvSpPr txBox="1"/>
-          <p:nvPr/>
-        </p:nvSpPr>
-        <p:spPr>
-          <a:xfrm>
-            <a:off x="12446903" y="5668473"/>
-            <a:ext cx="13510995" cy="2367609"/>
-          </a:xfrm>
-          <a:prstGeom prst="rect">
-            <a:avLst/>
-          </a:prstGeom>
-          <a:ln w="3175">
-            <a:miter lim="400000"/>
-          </a:ln>
-          <a:extLst>
-            <a:ext uri="{C572A759-6A51-4108-AA02-DFA0A04FC94B}">
-              <ma14:wrappingTextBoxFlag xmlns:ma14="http://schemas.microsoft.com/office/mac/drawingml/2011/main" val="1"/>
-            </a:ext>
-          </a:extLst>
-        </p:spPr>
-        <p:txBody>
-          <a:bodyPr lIns="66302" tIns="66302" rIns="66302" bIns="66302" anchor="ctr">
-            <a:spAutoFit/>
-          </a:bodyPr>
-          <a:lstStyle/>
-          <a:p>
-            <a:pPr>
-              <a:defRPr sz="8000">
-                <a:solidFill>
-                  <a:srgbClr val="000000"/>
-                </a:solidFill>
-                <a:latin typeface="Rockwell"/>
-                <a:ea typeface="Rockwell"/>
-                <a:cs typeface="Rockwell"/>
-                <a:sym typeface="Rockwell"/>
-              </a:defRPr>
-            </a:pPr>
-            <a:r>
-              <a:t>Your name </a:t>
-            </a:r>
-            <a:r>
-              <a:rPr b="0">
-                <a:solidFill>
-                  <a:srgbClr val="F4A992"/>
-                </a:solidFill>
-              </a:rPr>
-              <a:t>followed by co-authors</a:t>
-            </a:r>
-          </a:p>
-        </p:txBody>
-      </p:sp>
-      <p:sp>
-        <p:nvSpPr>
-          <p:cNvPr id="178" name="Four bullet points in this section…"/>
-          <p:cNvSpPr txBox="1"/>
-          <p:nvPr/>
-        </p:nvSpPr>
-        <p:spPr>
-          <a:xfrm>
-            <a:off x="1513947" y="13408683"/>
-            <a:ext cx="9987167" cy="8588406"/>
-          </a:xfrm>
-          <a:prstGeom prst="rect">
-            <a:avLst/>
-          </a:prstGeom>
-          <a:ln w="3175">
-            <a:miter lim="400000"/>
-          </a:ln>
-          <a:extLst>
-            <a:ext uri="{C572A759-6A51-4108-AA02-DFA0A04FC94B}">
-              <ma14:wrappingTextBoxFlag xmlns:ma14="http://schemas.microsoft.com/office/mac/drawingml/2011/main" val="1"/>
-            </a:ext>
-          </a:extLst>
-        </p:spPr>
-        <p:txBody>
-          <a:bodyPr lIns="66302" tIns="66302" rIns="66302" bIns="66302" anchor="ctr">
-            <a:spAutoFit/>
-          </a:bodyPr>
-          <a:lstStyle/>
-          <a:p>
-            <a:pPr marL="861218" indent="-861218" algn="l">
-              <a:lnSpc>
-                <a:spcPct val="120000"/>
-              </a:lnSpc>
-              <a:buSzPct val="145000"/>
-              <a:buChar char="•"/>
-              <a:defRPr b="0" sz="6200">
-                <a:solidFill>
-                  <a:srgbClr val="000000"/>
-                </a:solidFill>
-                <a:latin typeface="Rockwell"/>
-                <a:ea typeface="Rockwell"/>
-                <a:cs typeface="Rockwell"/>
-                <a:sym typeface="Rockwell"/>
-              </a:defRPr>
-            </a:pPr>
-            <a:r>
-              <a:t>Four bullet points in this section</a:t>
-            </a:r>
-          </a:p>
-          <a:p>
-            <a:pPr marL="861218" indent="-861218" algn="l">
-              <a:lnSpc>
-                <a:spcPct val="120000"/>
-              </a:lnSpc>
-              <a:buSzPct val="145000"/>
-              <a:buChar char="•"/>
-              <a:defRPr b="0" sz="6200">
-                <a:solidFill>
-                  <a:srgbClr val="000000"/>
-                </a:solidFill>
-                <a:latin typeface="Rockwell"/>
-                <a:ea typeface="Rockwell"/>
-                <a:cs typeface="Rockwell"/>
-                <a:sym typeface="Rockwell"/>
-              </a:defRPr>
-            </a:pPr>
-            <a:r>
-              <a:t>Only fill in the relevant information</a:t>
-            </a:r>
-          </a:p>
-          <a:p>
-            <a:pPr marL="861218" indent="-861218" algn="l">
-              <a:lnSpc>
-                <a:spcPct val="120000"/>
-              </a:lnSpc>
-              <a:buSzPct val="145000"/>
-              <a:buChar char="•"/>
-              <a:defRPr b="0" sz="6200">
-                <a:solidFill>
-                  <a:srgbClr val="000000"/>
-                </a:solidFill>
-                <a:latin typeface="Rockwell"/>
-                <a:ea typeface="Rockwell"/>
-                <a:cs typeface="Rockwell"/>
-                <a:sym typeface="Rockwell"/>
-              </a:defRPr>
-            </a:pPr>
-            <a:r>
-              <a:t>No plot necessary</a:t>
-            </a:r>
-          </a:p>
-          <a:p>
-            <a:pPr marL="861218" indent="-861218" algn="l">
-              <a:lnSpc>
-                <a:spcPct val="120000"/>
-              </a:lnSpc>
-              <a:buSzPct val="145000"/>
-              <a:buChar char="•"/>
-              <a:defRPr b="0" sz="6200">
-                <a:solidFill>
-                  <a:srgbClr val="000000"/>
-                </a:solidFill>
-                <a:latin typeface="Rockwell"/>
-                <a:ea typeface="Rockwell"/>
-                <a:cs typeface="Rockwell"/>
-                <a:sym typeface="Rockwell"/>
-              </a:defRPr>
-            </a:pPr>
-            <a:r>
-              <a:t>Highlight key points in your </a:t>
-            </a:r>
-            <a:r>
-              <a:rPr b="1" u="sng">
-                <a:solidFill>
-                  <a:srgbClr val="FFAA93"/>
-                </a:solidFill>
-              </a:rPr>
-              <a:t>one</a:t>
-            </a:r>
-            <a:r>
-              <a:rPr>
-                <a:solidFill>
-                  <a:schemeClr val="accent4">
-                    <a:hueOff val="-1109302"/>
-                    <a:lumOff val="-6470"/>
-                  </a:schemeClr>
-                </a:solidFill>
-              </a:rPr>
-              <a:t> </a:t>
-            </a:r>
-            <a:r>
-              <a:t>complimentary color</a:t>
-            </a:r>
-          </a:p>
-        </p:txBody>
-      </p:sp>
-      <p:sp>
-        <p:nvSpPr>
-          <p:cNvPr id="179" name="Remind the reader what you’re trying to address…"/>
-          <p:cNvSpPr txBox="1"/>
-          <p:nvPr/>
-        </p:nvSpPr>
-        <p:spPr>
-          <a:xfrm>
-            <a:off x="14548768" y="13155694"/>
-            <a:ext cx="13211390" cy="9684640"/>
-          </a:xfrm>
-          <a:prstGeom prst="rect">
-            <a:avLst/>
-          </a:prstGeom>
-          <a:ln w="3175">
-            <a:miter lim="400000"/>
-          </a:ln>
-          <a:extLst>
-            <a:ext uri="{C572A759-6A51-4108-AA02-DFA0A04FC94B}">
-              <ma14:wrappingTextBoxFlag xmlns:ma14="http://schemas.microsoft.com/office/mac/drawingml/2011/main" val="1"/>
-            </a:ext>
-          </a:extLst>
-        </p:spPr>
-        <p:txBody>
-          <a:bodyPr lIns="66302" tIns="66302" rIns="66302" bIns="66302" anchor="ctr">
-            <a:spAutoFit/>
-          </a:bodyPr>
-          <a:lstStyle/>
-          <a:p>
-            <a:pPr marL="861218" indent="-861218" algn="l">
-              <a:lnSpc>
-                <a:spcPct val="120000"/>
-              </a:lnSpc>
-              <a:buSzPct val="145000"/>
-              <a:buChar char="•"/>
-              <a:defRPr b="0" sz="6200">
-                <a:solidFill>
-                  <a:srgbClr val="000000"/>
-                </a:solidFill>
-                <a:latin typeface="Rockwell"/>
-                <a:ea typeface="Rockwell"/>
-                <a:cs typeface="Rockwell"/>
-                <a:sym typeface="Rockwell"/>
-              </a:defRPr>
-            </a:pPr>
-            <a:r>
-              <a:t>Remind the reader what you’re trying to address</a:t>
-            </a:r>
-          </a:p>
-          <a:p>
-            <a:pPr marL="861218" indent="-861218" algn="l">
-              <a:lnSpc>
-                <a:spcPct val="120000"/>
-              </a:lnSpc>
-              <a:buSzPct val="145000"/>
-              <a:buChar char="•"/>
-              <a:defRPr b="0" sz="6200">
-                <a:solidFill>
-                  <a:srgbClr val="000000"/>
-                </a:solidFill>
-                <a:latin typeface="Rockwell"/>
-                <a:ea typeface="Rockwell"/>
-                <a:cs typeface="Rockwell"/>
-                <a:sym typeface="Rockwell"/>
-              </a:defRPr>
-            </a:pPr>
-            <a:r>
-              <a:t>Highlight the </a:t>
-            </a:r>
-            <a:r>
-              <a:rPr b="1" u="sng">
-                <a:solidFill>
-                  <a:srgbClr val="FFAA93"/>
-                </a:solidFill>
-              </a:rPr>
-              <a:t>three</a:t>
-            </a:r>
-            <a:r>
-              <a:t> most important steps</a:t>
-            </a:r>
-          </a:p>
-          <a:p>
-            <a:pPr lvl="1" marL="1305718" indent="-861218" algn="l">
-              <a:lnSpc>
-                <a:spcPct val="120000"/>
-              </a:lnSpc>
-              <a:buClr>
-                <a:srgbClr val="000000"/>
-              </a:buClr>
-              <a:buSzPct val="145000"/>
-              <a:buChar char="•"/>
-              <a:defRPr b="0" sz="6200">
-                <a:solidFill>
-                  <a:srgbClr val="000000"/>
-                </a:solidFill>
-                <a:latin typeface="Rockwell"/>
-                <a:ea typeface="Rockwell"/>
-                <a:cs typeface="Rockwell"/>
-                <a:sym typeface="Rockwell"/>
-              </a:defRPr>
-            </a:pPr>
-            <a:r>
-              <a:t>One bullet about your data set</a:t>
-            </a:r>
-          </a:p>
-          <a:p>
-            <a:pPr lvl="1" marL="1305718" indent="-861218" algn="l">
-              <a:lnSpc>
-                <a:spcPct val="120000"/>
-              </a:lnSpc>
-              <a:buClr>
-                <a:srgbClr val="000000"/>
-              </a:buClr>
-              <a:buSzPct val="145000"/>
-              <a:buChar char="•"/>
-              <a:defRPr b="0" sz="6200">
-                <a:solidFill>
-                  <a:srgbClr val="000000"/>
-                </a:solidFill>
-                <a:latin typeface="Rockwell"/>
-                <a:ea typeface="Rockwell"/>
-                <a:cs typeface="Rockwell"/>
-                <a:sym typeface="Rockwell"/>
-              </a:defRPr>
-            </a:pPr>
-            <a:r>
-              <a:t>One bullet about the steps you took</a:t>
-            </a:r>
-          </a:p>
-          <a:p>
-            <a:pPr lvl="1" marL="1305718" indent="-861218" algn="l">
-              <a:lnSpc>
-                <a:spcPct val="120000"/>
-              </a:lnSpc>
-              <a:buClr>
-                <a:srgbClr val="000000"/>
-              </a:buClr>
-              <a:buSzPct val="145000"/>
-              <a:buChar char="•"/>
-              <a:defRPr b="0" sz="6200">
-                <a:solidFill>
-                  <a:srgbClr val="000000"/>
-                </a:solidFill>
-                <a:latin typeface="Rockwell"/>
-                <a:ea typeface="Rockwell"/>
-                <a:cs typeface="Rockwell"/>
-                <a:sym typeface="Rockwell"/>
-              </a:defRPr>
-            </a:pPr>
-            <a:r>
-              <a:t>One bullet about the analysis</a:t>
-            </a:r>
-          </a:p>
-        </p:txBody>
-      </p:sp>
-      <p:grpSp>
-        <p:nvGrpSpPr>
-          <p:cNvPr id="191" name="Group"/>
-          <p:cNvGrpSpPr/>
-          <p:nvPr/>
-        </p:nvGrpSpPr>
-        <p:grpSpPr>
-          <a:xfrm>
-            <a:off x="13827723" y="8532668"/>
-            <a:ext cx="23809273" cy="14890477"/>
-            <a:chOff x="0" y="0"/>
-            <a:chExt cx="23809272" cy="14890476"/>
-          </a:xfrm>
-        </p:grpSpPr>
-        <p:sp>
-          <p:nvSpPr>
-            <p:cNvPr id="180" name="Rectangle"/>
-            <p:cNvSpPr/>
-            <p:nvPr/>
-          </p:nvSpPr>
-          <p:spPr>
-            <a:xfrm>
-              <a:off x="84547" y="1099868"/>
-              <a:ext cx="23635760" cy="13790609"/>
-            </a:xfrm>
-            <a:prstGeom prst="rect">
-              <a:avLst/>
-            </a:prstGeom>
-            <a:noFill/>
-            <a:ln w="190500" cap="flat">
-              <a:solidFill>
-                <a:srgbClr val="000000"/>
-              </a:solidFill>
-              <a:prstDash val="solid"/>
-              <a:miter lim="400000"/>
-            </a:ln>
-            <a:effectLst/>
-          </p:spPr>
-          <p:txBody>
-            <a:bodyPr wrap="square" lIns="66302" tIns="66302" rIns="66302" bIns="66302" numCol="1" anchor="ctr">
-              <a:noAutofit/>
-            </a:bodyPr>
-            <a:lstStyle/>
-            <a:p>
-              <a:pPr>
-                <a:defRPr b="0" sz="8000">
+                <a:defRPr b="0" sz="11600">
                   <a:latin typeface="+mn-lt"/>
                   <a:ea typeface="+mn-ea"/>
                   <a:cs typeface="+mn-cs"/>
@@ -6124,320 +5560,14 @@
         </p:sp>
         <p:sp>
           <p:nvSpPr>
-            <p:cNvPr id="181" name="Triangle"/>
+            <p:cNvPr id="169" name="Line"/>
             <p:cNvSpPr/>
             <p:nvPr/>
           </p:nvSpPr>
           <p:spPr>
             <a:xfrm>
-              <a:off x="20499317" y="9659"/>
-              <a:ext cx="799200" cy="1090209"/>
-            </a:xfrm>
-            <a:custGeom>
-              <a:avLst/>
-              <a:gdLst/>
-              <a:ahLst/>
-              <a:cxnLst>
-                <a:cxn ang="0">
-                  <a:pos x="wd2" y="hd2"/>
-                </a:cxn>
-                <a:cxn ang="5400000">
-                  <a:pos x="wd2" y="hd2"/>
-                </a:cxn>
-                <a:cxn ang="10800000">
-                  <a:pos x="wd2" y="hd2"/>
-                </a:cxn>
-                <a:cxn ang="16200000">
-                  <a:pos x="wd2" y="hd2"/>
-                </a:cxn>
-              </a:cxnLst>
-              <a:rect l="0" t="0" r="r" b="b"/>
-              <a:pathLst>
-                <a:path w="21600" h="21600" fill="norm" stroke="1" extrusionOk="0">
-                  <a:moveTo>
-                    <a:pt x="0" y="0"/>
-                  </a:moveTo>
-                  <a:lnTo>
-                    <a:pt x="0" y="21600"/>
-                  </a:lnTo>
-                  <a:lnTo>
-                    <a:pt x="21600" y="21600"/>
-                  </a:lnTo>
-                  <a:close/>
-                </a:path>
-              </a:pathLst>
-            </a:custGeom>
-            <a:solidFill>
-              <a:srgbClr val="000000"/>
-            </a:solidFill>
-            <a:ln w="38100" cap="flat">
-              <a:solidFill>
-                <a:srgbClr val="000000"/>
-              </a:solidFill>
-              <a:prstDash val="solid"/>
-              <a:miter lim="400000"/>
-            </a:ln>
-            <a:effectLst/>
-          </p:spPr>
-          <p:txBody>
-            <a:bodyPr wrap="square" lIns="66302" tIns="66302" rIns="66302" bIns="66302" numCol="1" anchor="ctr">
-              <a:noAutofit/>
-            </a:bodyPr>
-            <a:lstStyle/>
-            <a:p>
-              <a:pPr>
-                <a:defRPr b="0" sz="8000">
-                  <a:latin typeface="+mn-lt"/>
-                  <a:ea typeface="+mn-ea"/>
-                  <a:cs typeface="+mn-cs"/>
-                  <a:sym typeface="Helvetica Neue Medium"/>
-                </a:defRPr>
-              </a:pPr>
-            </a:p>
-          </p:txBody>
-        </p:sp>
-        <p:sp>
-          <p:nvSpPr>
-            <p:cNvPr id="182" name="Triangle"/>
-            <p:cNvSpPr/>
-            <p:nvPr/>
-          </p:nvSpPr>
-          <p:spPr>
-            <a:xfrm flipH="1">
-              <a:off x="2519503" y="9659"/>
-              <a:ext cx="799200" cy="1090209"/>
-            </a:xfrm>
-            <a:custGeom>
-              <a:avLst/>
-              <a:gdLst/>
-              <a:ahLst/>
-              <a:cxnLst>
-                <a:cxn ang="0">
-                  <a:pos x="wd2" y="hd2"/>
-                </a:cxn>
-                <a:cxn ang="5400000">
-                  <a:pos x="wd2" y="hd2"/>
-                </a:cxn>
-                <a:cxn ang="10800000">
-                  <a:pos x="wd2" y="hd2"/>
-                </a:cxn>
-                <a:cxn ang="16200000">
-                  <a:pos x="wd2" y="hd2"/>
-                </a:cxn>
-              </a:cxnLst>
-              <a:rect l="0" t="0" r="r" b="b"/>
-              <a:pathLst>
-                <a:path w="21600" h="21600" fill="norm" stroke="1" extrusionOk="0">
-                  <a:moveTo>
-                    <a:pt x="0" y="0"/>
-                  </a:moveTo>
-                  <a:lnTo>
-                    <a:pt x="0" y="21600"/>
-                  </a:lnTo>
-                  <a:lnTo>
-                    <a:pt x="21600" y="21600"/>
-                  </a:lnTo>
-                  <a:close/>
-                </a:path>
-              </a:pathLst>
-            </a:custGeom>
-            <a:solidFill>
-              <a:srgbClr val="000000"/>
-            </a:solidFill>
-            <a:ln w="38100" cap="flat">
-              <a:solidFill>
-                <a:srgbClr val="000000"/>
-              </a:solidFill>
-              <a:prstDash val="solid"/>
-              <a:miter lim="400000"/>
-            </a:ln>
-            <a:effectLst/>
-          </p:spPr>
-          <p:txBody>
-            <a:bodyPr wrap="square" lIns="66302" tIns="66302" rIns="66302" bIns="66302" numCol="1" anchor="ctr">
-              <a:noAutofit/>
-            </a:bodyPr>
-            <a:lstStyle/>
-            <a:p>
-              <a:pPr>
-                <a:defRPr b="0" sz="8000">
-                  <a:latin typeface="+mn-lt"/>
-                  <a:ea typeface="+mn-ea"/>
-                  <a:cs typeface="+mn-cs"/>
-                  <a:sym typeface="Helvetica Neue Medium"/>
-                </a:defRPr>
-              </a:pPr>
-            </a:p>
-          </p:txBody>
-        </p:sp>
-        <p:sp>
-          <p:nvSpPr>
-            <p:cNvPr id="183" name="Line"/>
-            <p:cNvSpPr/>
-            <p:nvPr/>
-          </p:nvSpPr>
-          <p:spPr>
-            <a:xfrm flipH="1" flipV="1">
-              <a:off x="0" y="1099868"/>
-              <a:ext cx="23809273" cy="1"/>
-            </a:xfrm>
-            <a:prstGeom prst="line">
-              <a:avLst/>
-            </a:prstGeom>
-            <a:noFill/>
-            <a:ln w="190500" cap="flat">
-              <a:solidFill>
-                <a:srgbClr val="000000"/>
-              </a:solidFill>
-              <a:prstDash val="solid"/>
-              <a:miter lim="400000"/>
-            </a:ln>
-            <a:effectLst>
-              <a:outerShdw sx="100000" sy="100000" kx="0" ky="0" algn="b" rotWithShape="0" blurRad="114300" dist="59784" dir="16200000">
-                <a:srgbClr val="000000">
-                  <a:alpha val="59496"/>
-                </a:srgbClr>
-              </a:outerShdw>
-            </a:effectLst>
-          </p:spPr>
-          <p:txBody>
-            <a:bodyPr wrap="square" lIns="66302" tIns="66302" rIns="66302" bIns="66302" numCol="1" anchor="ctr">
-              <a:noAutofit/>
-            </a:bodyPr>
-            <a:lstStyle/>
-            <a:p>
-              <a:pPr>
-                <a:defRPr b="0" sz="8000">
-                  <a:latin typeface="+mn-lt"/>
-                  <a:ea typeface="+mn-ea"/>
-                  <a:cs typeface="+mn-cs"/>
-                  <a:sym typeface="Helvetica Neue Medium"/>
-                </a:defRPr>
-              </a:pPr>
-            </a:p>
-          </p:txBody>
-        </p:sp>
-        <p:sp>
-          <p:nvSpPr>
-            <p:cNvPr id="184" name="Rectangle"/>
-            <p:cNvSpPr/>
-            <p:nvPr/>
-          </p:nvSpPr>
-          <p:spPr>
-            <a:xfrm>
-              <a:off x="3291295" y="9659"/>
-              <a:ext cx="17208023" cy="2795354"/>
-            </a:xfrm>
-            <a:prstGeom prst="rect">
-              <a:avLst/>
-            </a:prstGeom>
-            <a:solidFill>
-              <a:srgbClr val="424242"/>
-            </a:solidFill>
-            <a:ln w="3175" cap="flat">
-              <a:noFill/>
-              <a:miter lim="400000"/>
-            </a:ln>
-            <a:effectLst/>
-          </p:spPr>
-          <p:txBody>
-            <a:bodyPr wrap="square" lIns="66302" tIns="66302" rIns="66302" bIns="66302" numCol="1" anchor="ctr">
-              <a:noAutofit/>
-            </a:bodyPr>
-            <a:lstStyle/>
-            <a:p>
-              <a:pPr>
-                <a:defRPr b="0" sz="8000">
-                  <a:latin typeface="+mn-lt"/>
-                  <a:ea typeface="+mn-ea"/>
-                  <a:cs typeface="+mn-cs"/>
-                  <a:sym typeface="Helvetica Neue Medium"/>
-                </a:defRPr>
-              </a:pPr>
-            </a:p>
-          </p:txBody>
-        </p:sp>
-        <p:sp>
-          <p:nvSpPr>
-            <p:cNvPr id="185" name="Triangle"/>
-            <p:cNvSpPr/>
-            <p:nvPr/>
-          </p:nvSpPr>
-          <p:spPr>
-            <a:xfrm rot="10800000">
-              <a:off x="3309953" y="2805014"/>
-              <a:ext cx="17189365" cy="1745214"/>
-            </a:xfrm>
-            <a:custGeom>
-              <a:avLst/>
-              <a:gdLst/>
-              <a:ahLst/>
-              <a:cxnLst>
-                <a:cxn ang="0">
-                  <a:pos x="wd2" y="hd2"/>
-                </a:cxn>
-                <a:cxn ang="5400000">
-                  <a:pos x="wd2" y="hd2"/>
-                </a:cxn>
-                <a:cxn ang="10800000">
-                  <a:pos x="wd2" y="hd2"/>
-                </a:cxn>
-                <a:cxn ang="16200000">
-                  <a:pos x="wd2" y="hd2"/>
-                </a:cxn>
-              </a:cxnLst>
-              <a:rect l="0" t="0" r="r" b="b"/>
-              <a:pathLst>
-                <a:path w="21600" h="21600" fill="norm" stroke="1" extrusionOk="0">
-                  <a:moveTo>
-                    <a:pt x="10800" y="0"/>
-                  </a:moveTo>
-                  <a:lnTo>
-                    <a:pt x="21600" y="21600"/>
-                  </a:lnTo>
-                  <a:lnTo>
-                    <a:pt x="0" y="21600"/>
-                  </a:lnTo>
-                  <a:close/>
-                </a:path>
-              </a:pathLst>
-            </a:custGeom>
-            <a:solidFill>
-              <a:srgbClr val="424242"/>
-            </a:solidFill>
-            <a:ln w="3175" cap="flat">
-              <a:noFill/>
-              <a:miter lim="400000"/>
-            </a:ln>
-            <a:effectLst/>
-          </p:spPr>
-          <p:txBody>
-            <a:bodyPr wrap="square" lIns="66302" tIns="66302" rIns="66302" bIns="66302" numCol="1" anchor="ctr">
-              <a:noAutofit/>
-            </a:bodyPr>
-            <a:lstStyle/>
-            <a:p>
-              <a:pPr>
-                <a:defRPr b="0" sz="8000">
-                  <a:latin typeface="+mn-lt"/>
-                  <a:ea typeface="+mn-ea"/>
-                  <a:cs typeface="+mn-cs"/>
-                  <a:sym typeface="Helvetica Neue Medium"/>
-                </a:defRPr>
-              </a:pPr>
-            </a:p>
-          </p:txBody>
-        </p:sp>
-        <p:sp>
-          <p:nvSpPr>
-            <p:cNvPr id="186" name="Line"/>
-            <p:cNvSpPr/>
-            <p:nvPr/>
-          </p:nvSpPr>
-          <p:spPr>
-            <a:xfrm>
-              <a:off x="3285669" y="22011"/>
-              <a:ext cx="17237935" cy="1"/>
+              <a:off x="3707077" y="3217991"/>
+              <a:ext cx="9699478" cy="1980688"/>
             </a:xfrm>
             <a:prstGeom prst="line">
               <a:avLst/>
@@ -6453,177 +5583,13 @@
             <a:effectLst/>
           </p:spPr>
           <p:txBody>
-            <a:bodyPr wrap="square" lIns="66302" tIns="66302" rIns="66302" bIns="66302" numCol="1" anchor="ctr">
+            <a:bodyPr wrap="square" lIns="75774" tIns="75774" rIns="75774" bIns="75774" numCol="1" anchor="ctr">
               <a:noAutofit/>
             </a:bodyPr>
             <a:lstStyle/>
             <a:p>
               <a:pPr>
-                <a:defRPr b="0" sz="8000">
-                  <a:latin typeface="+mn-lt"/>
-                  <a:ea typeface="+mn-ea"/>
-                  <a:cs typeface="+mn-cs"/>
-                  <a:sym typeface="Helvetica Neue Medium"/>
-                </a:defRPr>
-              </a:pPr>
-            </a:p>
-          </p:txBody>
-        </p:sp>
-        <p:sp>
-          <p:nvSpPr>
-            <p:cNvPr id="187" name="Line"/>
-            <p:cNvSpPr/>
-            <p:nvPr/>
-          </p:nvSpPr>
-          <p:spPr>
-            <a:xfrm flipH="1">
-              <a:off x="3318702" y="0"/>
-              <a:ext cx="1" cy="2814674"/>
-            </a:xfrm>
-            <a:prstGeom prst="line">
-              <a:avLst/>
-            </a:prstGeom>
-            <a:noFill/>
-            <a:ln w="38100" cap="flat">
-              <a:solidFill>
-                <a:srgbClr val="000000"/>
-              </a:solidFill>
-              <a:prstDash val="solid"/>
-              <a:miter lim="400000"/>
-            </a:ln>
-            <a:effectLst/>
-          </p:spPr>
-          <p:txBody>
-            <a:bodyPr wrap="square" lIns="66302" tIns="66302" rIns="66302" bIns="66302" numCol="1" anchor="ctr">
-              <a:noAutofit/>
-            </a:bodyPr>
-            <a:lstStyle/>
-            <a:p>
-              <a:pPr>
-                <a:defRPr b="0" sz="8000">
-                  <a:latin typeface="+mn-lt"/>
-                  <a:ea typeface="+mn-ea"/>
-                  <a:cs typeface="+mn-cs"/>
-                  <a:sym typeface="Helvetica Neue Medium"/>
-                </a:defRPr>
-              </a:pPr>
-            </a:p>
-          </p:txBody>
-        </p:sp>
-        <p:sp>
-          <p:nvSpPr>
-            <p:cNvPr id="188" name="Line"/>
-            <p:cNvSpPr/>
-            <p:nvPr/>
-          </p:nvSpPr>
-          <p:spPr>
-            <a:xfrm>
-              <a:off x="20499318" y="14673"/>
-              <a:ext cx="1" cy="2814674"/>
-            </a:xfrm>
-            <a:prstGeom prst="line">
-              <a:avLst/>
-            </a:prstGeom>
-            <a:noFill/>
-            <a:ln w="38100" cap="flat">
-              <a:solidFill>
-                <a:srgbClr val="000000"/>
-              </a:solidFill>
-              <a:prstDash val="solid"/>
-              <a:miter lim="400000"/>
-            </a:ln>
-            <a:effectLst/>
-          </p:spPr>
-          <p:txBody>
-            <a:bodyPr wrap="square" lIns="66302" tIns="66302" rIns="66302" bIns="66302" numCol="1" anchor="ctr">
-              <a:noAutofit/>
-            </a:bodyPr>
-            <a:lstStyle/>
-            <a:p>
-              <a:pPr>
-                <a:defRPr b="0" sz="8000">
-                  <a:latin typeface="+mn-lt"/>
-                  <a:ea typeface="+mn-ea"/>
-                  <a:cs typeface="+mn-cs"/>
-                  <a:sym typeface="Helvetica Neue Medium"/>
-                </a:defRPr>
-              </a:pPr>
-            </a:p>
-          </p:txBody>
-        </p:sp>
-        <p:sp>
-          <p:nvSpPr>
-            <p:cNvPr id="189" name="Line"/>
-            <p:cNvSpPr/>
-            <p:nvPr/>
-          </p:nvSpPr>
-          <p:spPr>
-            <a:xfrm flipH="1">
-              <a:off x="11892180" y="2813201"/>
-              <a:ext cx="8620520" cy="1735644"/>
-            </a:xfrm>
-            <a:prstGeom prst="line">
-              <a:avLst/>
-            </a:prstGeom>
-            <a:noFill/>
-            <a:ln w="38100" cap="flat">
-              <a:solidFill>
-                <a:srgbClr val="000000"/>
-              </a:solidFill>
-              <a:prstDash val="solid"/>
-              <a:miter lim="400000"/>
-            </a:ln>
-            <a:effectLst/>
-          </p:spPr>
-          <p:txBody>
-            <a:bodyPr wrap="square" lIns="66302" tIns="66302" rIns="66302" bIns="66302" numCol="1" anchor="ctr">
-              <a:noAutofit/>
-            </a:bodyPr>
-            <a:lstStyle/>
-            <a:p>
-              <a:pPr>
-                <a:defRPr b="0" sz="8000">
-                  <a:latin typeface="+mn-lt"/>
-                  <a:ea typeface="+mn-ea"/>
-                  <a:cs typeface="+mn-cs"/>
-                  <a:sym typeface="Helvetica Neue Medium"/>
-                </a:defRPr>
-              </a:pPr>
-            </a:p>
-          </p:txBody>
-        </p:sp>
-        <p:sp>
-          <p:nvSpPr>
-            <p:cNvPr id="190" name="Line"/>
-            <p:cNvSpPr/>
-            <p:nvPr/>
-          </p:nvSpPr>
-          <p:spPr>
-            <a:xfrm>
-              <a:off x="3295212" y="2815742"/>
-              <a:ext cx="8621842" cy="1733102"/>
-            </a:xfrm>
-            <a:prstGeom prst="line">
-              <a:avLst/>
-            </a:prstGeom>
-            <a:noFill/>
-            <a:ln w="38100" cap="flat">
-              <a:solidFill>
-                <a:srgbClr val="000000"/>
-              </a:solidFill>
-              <a:prstDash val="solid"/>
-              <a:miter lim="400000"/>
-            </a:ln>
-            <a:effectLst/>
-          </p:spPr>
-          <p:txBody>
-            <a:bodyPr wrap="square" lIns="66302" tIns="66302" rIns="66302" bIns="66302" numCol="1" anchor="ctr">
-              <a:noAutofit/>
-            </a:bodyPr>
-            <a:lstStyle/>
-            <a:p>
-              <a:pPr>
-                <a:defRPr b="0" sz="8000">
+                <a:defRPr b="0" sz="11600">
                   <a:latin typeface="+mn-lt"/>
                   <a:ea typeface="+mn-ea"/>
                   <a:cs typeface="+mn-cs"/>
@@ -6636,13 +5602,13 @@
       </p:grpSp>
       <p:graphicFrame>
         <p:nvGraphicFramePr>
-          <p:cNvPr id="192" name="Table"/>
+          <p:cNvPr id="171" name="Table"/>
           <p:cNvGraphicFramePr/>
           <p:nvPr/>
         </p:nvGraphicFramePr>
         <p:xfrm>
-          <a:off x="28005732" y="13155694"/>
-          <a:ext cx="8827297" cy="9097558"/>
+          <a:off x="31988564" y="21292197"/>
+          <a:ext cx="10088340" cy="10397209"/>
         </p:xfrm>
         <a:graphic xmlns:a="http://schemas.openxmlformats.org/drawingml/2006/main">
           <a:graphicData uri="http://schemas.openxmlformats.org/drawingml/2006/table">
@@ -6651,19 +5617,19 @@
                 <a:tableStyleId>{4C3C2611-4C71-4FC5-86AE-919BDF0F9419}</a:tableStyleId>
               </a:tblPr>
               <a:tblGrid>
-                <a:gridCol w="2206030"/>
-                <a:gridCol w="2206030"/>
-                <a:gridCol w="2206030"/>
-                <a:gridCol w="2206030"/>
+                <a:gridCol w="2521290"/>
+                <a:gridCol w="2521290"/>
+                <a:gridCol w="2521290"/>
+                <a:gridCol w="2521290"/>
               </a:tblGrid>
-              <a:tr h="1818876">
+              <a:tr h="2078806">
                 <a:tc>
                   <a:txBody>
                     <a:bodyPr/>
                     <a:lstStyle/>
                     <a:p>
                       <a:pPr>
-                        <a:defRPr sz="8000">
+                        <a:defRPr sz="11600">
                           <a:sym typeface="Helvetica Neue"/>
                         </a:defRPr>
                       </a:pPr>
@@ -6693,7 +5659,7 @@
                     <a:lstStyle/>
                     <a:p>
                       <a:pPr>
-                        <a:defRPr sz="8000">
+                        <a:defRPr sz="11600">
                           <a:sym typeface="Helvetica Neue"/>
                         </a:defRPr>
                       </a:pPr>
@@ -6717,7 +5683,7 @@
                     <a:lstStyle/>
                     <a:p>
                       <a:pPr>
-                        <a:defRPr sz="8000">
+                        <a:defRPr sz="11600">
                           <a:sym typeface="Helvetica Neue"/>
                         </a:defRPr>
                       </a:pPr>
@@ -6741,7 +5707,7 @@
                     <a:lstStyle/>
                     <a:p>
                       <a:pPr>
-                        <a:defRPr sz="8000">
+                        <a:defRPr sz="11600">
                           <a:sym typeface="Helvetica Neue"/>
                         </a:defRPr>
                       </a:pPr>
@@ -6766,14 +5732,14 @@
                   </a:tcPr>
                 </a:tc>
               </a:tr>
-              <a:tr h="1818876">
+              <a:tr h="2078806">
                 <a:tc>
                   <a:txBody>
                     <a:bodyPr/>
                     <a:lstStyle/>
                     <a:p>
                       <a:pPr>
-                        <a:defRPr sz="8000">
+                        <a:defRPr sz="11600">
                           <a:sym typeface="Helvetica Neue"/>
                         </a:defRPr>
                       </a:pPr>
@@ -6797,7 +5763,7 @@
                     <a:lstStyle/>
                     <a:p>
                       <a:pPr>
-                        <a:defRPr sz="8000">
+                        <a:defRPr sz="11600">
                           <a:sym typeface="Helvetica Neue"/>
                         </a:defRPr>
                       </a:pPr>
@@ -6811,7 +5777,7 @@
                     <a:lstStyle/>
                     <a:p>
                       <a:pPr>
-                        <a:defRPr sz="8000">
+                        <a:defRPr sz="11600">
                           <a:sym typeface="Helvetica Neue"/>
                         </a:defRPr>
                       </a:pPr>
@@ -6825,7 +5791,7 @@
                     <a:lstStyle/>
                     <a:p>
                       <a:pPr>
-                        <a:defRPr sz="8000">
+                        <a:defRPr sz="11600">
                           <a:sym typeface="Helvetica Neue"/>
                         </a:defRPr>
                       </a:pPr>
@@ -6841,14 +5807,14 @@
                   </a:tcPr>
                 </a:tc>
               </a:tr>
-              <a:tr h="1818876">
+              <a:tr h="2078806">
                 <a:tc>
                   <a:txBody>
                     <a:bodyPr/>
                     <a:lstStyle/>
                     <a:p>
                       <a:pPr>
-                        <a:defRPr sz="8000">
+                        <a:defRPr sz="11600">
                           <a:sym typeface="Helvetica Neue"/>
                         </a:defRPr>
                       </a:pPr>
@@ -6872,7 +5838,7 @@
                     <a:lstStyle/>
                     <a:p>
                       <a:pPr>
-                        <a:defRPr sz="8000">
+                        <a:defRPr sz="11600">
                           <a:sym typeface="Helvetica Neue"/>
                         </a:defRPr>
                       </a:pPr>
@@ -6886,7 +5852,7 @@
                     <a:lstStyle/>
                     <a:p>
                       <a:pPr>
-                        <a:defRPr sz="8000">
+                        <a:defRPr sz="11600">
                           <a:sym typeface="Helvetica Neue"/>
                         </a:defRPr>
                       </a:pPr>
@@ -6900,7 +5866,7 @@
                     <a:lstStyle/>
                     <a:p>
                       <a:pPr>
-                        <a:defRPr sz="8000">
+                        <a:defRPr sz="11600">
                           <a:sym typeface="Helvetica Neue"/>
                         </a:defRPr>
                       </a:pPr>
@@ -6916,14 +5882,14 @@
                   </a:tcPr>
                 </a:tc>
               </a:tr>
-              <a:tr h="1818876">
+              <a:tr h="2078806">
                 <a:tc>
                   <a:txBody>
                     <a:bodyPr/>
                     <a:lstStyle/>
                     <a:p>
                       <a:pPr>
-                        <a:defRPr sz="8000">
+                        <a:defRPr sz="11600">
                           <a:sym typeface="Helvetica Neue"/>
                         </a:defRPr>
                       </a:pPr>
@@ -6947,7 +5913,7 @@
                     <a:lstStyle/>
                     <a:p>
                       <a:pPr>
-                        <a:defRPr sz="8000">
+                        <a:defRPr sz="11600">
                           <a:sym typeface="Helvetica Neue"/>
                         </a:defRPr>
                       </a:pPr>
@@ -6961,7 +5927,7 @@
                     <a:lstStyle/>
                     <a:p>
                       <a:pPr>
-                        <a:defRPr sz="8000">
+                        <a:defRPr sz="11600">
                           <a:sym typeface="Helvetica Neue"/>
                         </a:defRPr>
                       </a:pPr>
@@ -6975,7 +5941,7 @@
                     <a:lstStyle/>
                     <a:p>
                       <a:pPr>
-                        <a:defRPr sz="8000">
+                        <a:defRPr sz="11600">
                           <a:sym typeface="Helvetica Neue"/>
                         </a:defRPr>
                       </a:pPr>
@@ -6991,14 +5957,14 @@
                   </a:tcPr>
                 </a:tc>
               </a:tr>
-              <a:tr h="1818876">
+              <a:tr h="2078806">
                 <a:tc>
                   <a:txBody>
                     <a:bodyPr/>
                     <a:lstStyle/>
                     <a:p>
                       <a:pPr>
-                        <a:defRPr sz="8000">
+                        <a:defRPr sz="11600">
                           <a:sym typeface="Helvetica Neue"/>
                         </a:defRPr>
                       </a:pPr>
@@ -7028,7 +5994,7 @@
                     <a:lstStyle/>
                     <a:p>
                       <a:pPr>
-                        <a:defRPr sz="8000">
+                        <a:defRPr sz="11600">
                           <a:sym typeface="Helvetica Neue"/>
                         </a:defRPr>
                       </a:pPr>
@@ -7049,7 +6015,7 @@
                     <a:lstStyle/>
                     <a:p>
                       <a:pPr>
-                        <a:defRPr sz="8000">
+                        <a:defRPr sz="11600">
                           <a:sym typeface="Helvetica Neue"/>
                         </a:defRPr>
                       </a:pPr>
@@ -7070,7 +6036,7 @@
                     <a:lstStyle/>
                     <a:p>
                       <a:pPr>
-                        <a:defRPr sz="8000">
+                        <a:defRPr sz="11600">
                           <a:sym typeface="Helvetica Neue"/>
                         </a:defRPr>
                       </a:pPr>
@@ -7098,14 +6064,14 @@
       </p:graphicFrame>
       <p:sp>
         <p:nvSpPr>
-          <p:cNvPr id="193" name="Bell Curve"/>
+          <p:cNvPr id="172" name="Bell Curve"/>
           <p:cNvSpPr/>
           <p:nvPr/>
         </p:nvSpPr>
         <p:spPr>
           <a:xfrm>
-            <a:off x="3352713" y="29182571"/>
-            <a:ext cx="6968118" cy="6949656"/>
+            <a:off x="4090620" y="42546114"/>
+            <a:ext cx="7963564" cy="7942464"/>
           </a:xfrm>
           <a:custGeom>
             <a:avLst/>
@@ -7176,7 +6142,7 @@
                   <a:pt x="1163" y="20628"/>
                 </a:lnTo>
                 <a:cubicBezTo>
-                  <a:pt x="1057" y="20628"/>
+                  <a:pt x="1056" y="20628"/>
                   <a:pt x="970" y="20539"/>
                   <a:pt x="970" y="20432"/>
                 </a:cubicBezTo>
@@ -7389,11 +6355,11 @@
           </a:ln>
         </p:spPr>
         <p:txBody>
-          <a:bodyPr lIns="66302" tIns="66302" rIns="66302" bIns="66302" anchor="ctr"/>
+          <a:bodyPr lIns="75774" tIns="75774" rIns="75774" bIns="75774" anchor="ctr"/>
           <a:lstStyle/>
           <a:p>
             <a:pPr>
-              <a:defRPr b="0" sz="8000">
+              <a:defRPr b="0" sz="11600">
                 <a:latin typeface="+mn-lt"/>
                 <a:ea typeface="+mn-ea"/>
                 <a:cs typeface="+mn-cs"/>
@@ -7405,14 +6371,14 @@
       </p:sp>
       <p:sp>
         <p:nvSpPr>
-          <p:cNvPr id="194" name="Function Graph"/>
+          <p:cNvPr id="173" name="Function Graph"/>
           <p:cNvSpPr/>
           <p:nvPr/>
         </p:nvSpPr>
         <p:spPr>
           <a:xfrm>
-            <a:off x="15032998" y="29182571"/>
-            <a:ext cx="6993040" cy="6946901"/>
+            <a:off x="17290043" y="42723986"/>
+            <a:ext cx="7992046" cy="7939315"/>
           </a:xfrm>
           <a:custGeom>
             <a:avLst/>
@@ -7994,11 +6960,11 @@
           </a:ln>
         </p:spPr>
         <p:txBody>
-          <a:bodyPr lIns="66302" tIns="66302" rIns="66302" bIns="66302" anchor="ctr"/>
+          <a:bodyPr lIns="75774" tIns="75774" rIns="75774" bIns="75774" anchor="ctr"/>
           <a:lstStyle/>
           <a:p>
             <a:pPr>
-              <a:defRPr b="0" sz="8000">
+              <a:defRPr b="0" sz="11600">
                 <a:latin typeface="+mn-lt"/>
                 <a:ea typeface="+mn-ea"/>
                 <a:cs typeface="+mn-cs"/>
@@ -8010,14 +6976,14 @@
       </p:sp>
       <p:sp>
         <p:nvSpPr>
-          <p:cNvPr id="195" name="One sentence summary of the above plot"/>
+          <p:cNvPr id="174" name="One sentence summary of the above plot"/>
           <p:cNvSpPr txBox="1"/>
           <p:nvPr/>
         </p:nvSpPr>
         <p:spPr>
           <a:xfrm>
-            <a:off x="1701951" y="36591332"/>
-            <a:ext cx="10676992" cy="1854573"/>
+            <a:off x="3276147" y="52079863"/>
+            <a:ext cx="11200889" cy="3173977"/>
           </a:xfrm>
           <a:prstGeom prst="rect">
             <a:avLst/>
@@ -8032,14 +6998,14 @@
           </a:extLst>
         </p:spPr>
         <p:txBody>
-          <a:bodyPr lIns="66302" tIns="66302" rIns="66302" bIns="66302" anchor="ctr">
+          <a:bodyPr lIns="75774" tIns="75774" rIns="75774" bIns="75774" anchor="ctr">
             <a:spAutoFit/>
           </a:bodyPr>
           <a:lstStyle>
-            <a:lvl1pPr marL="861218" indent="-861218" algn="l">
+            <a:lvl1pPr marL="1250156" indent="-1250156" algn="l">
               <a:buSzPct val="145000"/>
               <a:buChar char="•"/>
-              <a:defRPr b="0" sz="6200">
+              <a:defRPr b="0" sz="7000">
                 <a:solidFill>
                   <a:srgbClr val="000000"/>
                 </a:solidFill>
@@ -8060,14 +7026,14 @@
       </p:sp>
       <p:sp>
         <p:nvSpPr>
-          <p:cNvPr id="196" name="One sentence summary of the above plot"/>
+          <p:cNvPr id="175" name="One sentence summary of the above plot"/>
           <p:cNvSpPr txBox="1"/>
           <p:nvPr/>
         </p:nvSpPr>
         <p:spPr>
           <a:xfrm>
-            <a:off x="13394696" y="36591332"/>
-            <a:ext cx="10798363" cy="1854573"/>
+            <a:off x="15983048" y="52079863"/>
+            <a:ext cx="10606036" cy="3173977"/>
           </a:xfrm>
           <a:prstGeom prst="rect">
             <a:avLst/>
@@ -8082,14 +7048,14 @@
           </a:extLst>
         </p:spPr>
         <p:txBody>
-          <a:bodyPr lIns="66302" tIns="66302" rIns="66302" bIns="66302" anchor="ctr">
+          <a:bodyPr lIns="75774" tIns="75774" rIns="75774" bIns="75774" anchor="ctr">
             <a:spAutoFit/>
           </a:bodyPr>
           <a:lstStyle>
-            <a:lvl1pPr marL="861218" indent="-861218" algn="l">
+            <a:lvl1pPr marL="1250156" indent="-1250156" algn="l">
               <a:buSzPct val="145000"/>
               <a:buChar char="•"/>
-              <a:defRPr b="0" sz="6200">
+              <a:defRPr b="0" sz="7000">
                 <a:solidFill>
                   <a:srgbClr val="000000"/>
                 </a:solidFill>
@@ -8110,14 +7076,14 @@
       </p:sp>
       <p:sp>
         <p:nvSpPr>
-          <p:cNvPr id="197" name="Questions? I’m here to talk!…"/>
+          <p:cNvPr id="176" name="Questions? I’m here to talk!…"/>
           <p:cNvSpPr txBox="1"/>
           <p:nvPr/>
         </p:nvSpPr>
         <p:spPr>
           <a:xfrm>
-            <a:off x="26367298" y="36003469"/>
-            <a:ext cx="7091789" cy="2723258"/>
+            <a:off x="30016867" y="53026271"/>
+            <a:ext cx="8104902" cy="3173977"/>
           </a:xfrm>
           <a:prstGeom prst="rect">
             <a:avLst/>
@@ -8132,13 +7098,13 @@
           </a:extLst>
         </p:spPr>
         <p:txBody>
-          <a:bodyPr lIns="66302" tIns="66302" rIns="66302" bIns="66302" anchor="ctr">
+          <a:bodyPr lIns="75774" tIns="75774" rIns="75774" bIns="75774" anchor="ctr">
             <a:spAutoFit/>
           </a:bodyPr>
           <a:lstStyle/>
           <a:p>
             <a:pPr>
-              <a:defRPr sz="6000">
+              <a:defRPr sz="7000">
                 <a:solidFill>
                   <a:srgbClr val="000000"/>
                 </a:solidFill>
@@ -8154,7 +7120,7 @@
           </a:p>
           <a:p>
             <a:pPr>
-              <a:defRPr sz="6000" u="sng">
+              <a:defRPr sz="7000" u="sng">
                 <a:solidFill>
                   <a:srgbClr val="FFAA93"/>
                 </a:solidFill>
@@ -8172,14 +7138,14 @@
       </p:sp>
       <p:sp>
         <p:nvSpPr>
-          <p:cNvPr id="198" name="Head with Shoulders"/>
+          <p:cNvPr id="177" name="Head with Shoulders"/>
           <p:cNvSpPr/>
           <p:nvPr/>
         </p:nvSpPr>
         <p:spPr>
           <a:xfrm>
-            <a:off x="33864207" y="35911381"/>
-            <a:ext cx="3249568" cy="2815346"/>
+            <a:off x="38488986" y="52818647"/>
+            <a:ext cx="3713791" cy="3217538"/>
           </a:xfrm>
           <a:custGeom>
             <a:avLst/>
@@ -8329,11 +7295,11 @@
           </a:ln>
         </p:spPr>
         <p:txBody>
-          <a:bodyPr lIns="66302" tIns="66302" rIns="66302" bIns="66302" anchor="ctr"/>
+          <a:bodyPr lIns="75774" tIns="75774" rIns="75774" bIns="75774" anchor="ctr"/>
           <a:lstStyle/>
           <a:p>
             <a:pPr>
-              <a:defRPr b="0" sz="8000">
+              <a:defRPr b="0" sz="11600">
                 <a:latin typeface="+mn-lt"/>
                 <a:ea typeface="+mn-ea"/>
                 <a:cs typeface="+mn-cs"/>
@@ -8345,14 +7311,14 @@
       </p:sp>
       <p:sp>
         <p:nvSpPr>
-          <p:cNvPr id="199" name="The one take-away from your plots…"/>
+          <p:cNvPr id="178" name="The one take-away from your plots…"/>
           <p:cNvSpPr txBox="1"/>
           <p:nvPr/>
         </p:nvSpPr>
         <p:spPr>
           <a:xfrm>
-            <a:off x="26367298" y="28256692"/>
-            <a:ext cx="11081351" cy="6060679"/>
+            <a:off x="30016867" y="41667152"/>
+            <a:ext cx="12664402" cy="7263204"/>
           </a:xfrm>
           <a:prstGeom prst="rect">
             <a:avLst/>
@@ -8367,18 +7333,18 @@
           </a:extLst>
         </p:spPr>
         <p:txBody>
-          <a:bodyPr lIns="66302" tIns="66302" rIns="66302" bIns="66302" anchor="ctr">
+          <a:bodyPr lIns="75774" tIns="75774" rIns="75774" bIns="75774" anchor="ctr">
             <a:spAutoFit/>
           </a:bodyPr>
           <a:lstStyle/>
           <a:p>
-            <a:pPr marL="861218" indent="-861218" algn="l">
+            <a:pPr marL="1247282" indent="-1247282" algn="l">
               <a:lnSpc>
                 <a:spcPct val="120000"/>
               </a:lnSpc>
               <a:buSzPct val="145000"/>
               <a:buChar char="•"/>
-              <a:defRPr b="0" sz="5800">
+              <a:defRPr b="0" sz="7000">
                 <a:solidFill>
                   <a:srgbClr val="000000"/>
                 </a:solidFill>
@@ -8404,13 +7370,13 @@
             </a:r>
           </a:p>
           <a:p>
-            <a:pPr marL="861218" indent="-861218" algn="l">
+            <a:pPr marL="1247282" indent="-1247282" algn="l">
               <a:lnSpc>
                 <a:spcPct val="120000"/>
               </a:lnSpc>
               <a:buSzPct val="145000"/>
               <a:buChar char="•"/>
-              <a:defRPr b="0" sz="5800">
+              <a:defRPr b="0" sz="7000">
                 <a:solidFill>
                   <a:srgbClr val="000000"/>
                 </a:solidFill>
@@ -8433,13 +7399,13 @@
             </a:r>
           </a:p>
           <a:p>
-            <a:pPr marL="861218" indent="-861218" algn="l">
+            <a:pPr marL="1247282" indent="-1247282" algn="l">
               <a:lnSpc>
                 <a:spcPct val="120000"/>
               </a:lnSpc>
               <a:buSzPct val="145000"/>
               <a:buChar char="•"/>
-              <a:defRPr b="0" sz="5800">
+              <a:defRPr b="0" sz="7000">
                 <a:solidFill>
                   <a:srgbClr val="000000"/>
                 </a:solidFill>
@@ -8465,14 +7431,14 @@
       </p:sp>
       <p:sp>
         <p:nvSpPr>
-          <p:cNvPr id="200" name="Introduction"/>
+          <p:cNvPr id="179" name="Introduction"/>
           <p:cNvSpPr txBox="1"/>
           <p:nvPr/>
         </p:nvSpPr>
         <p:spPr>
           <a:xfrm>
-            <a:off x="2709802" y="9646906"/>
-            <a:ext cx="7595457" cy="1275384"/>
+            <a:off x="2784195" y="17255199"/>
+            <a:ext cx="9269989" cy="1548277"/>
           </a:xfrm>
           <a:prstGeom prst="rect">
             <a:avLst/>
@@ -8487,12 +7453,12 @@
           </a:extLst>
         </p:spPr>
         <p:txBody>
-          <a:bodyPr wrap="none" lIns="66302" tIns="66302" rIns="66302" bIns="66302" anchor="ctr">
+          <a:bodyPr wrap="none" lIns="75774" tIns="75774" rIns="75774" bIns="75774" anchor="ctr">
             <a:spAutoFit/>
           </a:bodyPr>
           <a:lstStyle>
             <a:lvl1pPr>
-              <a:defRPr sz="9000">
+              <a:defRPr sz="11000">
                 <a:solidFill>
                   <a:srgbClr val="FFAA93"/>
                 </a:solidFill>
@@ -8513,14 +7479,14 @@
       </p:sp>
       <p:sp>
         <p:nvSpPr>
-          <p:cNvPr id="201" name="Methodology"/>
+          <p:cNvPr id="180" name="Methodology"/>
           <p:cNvSpPr txBox="1"/>
           <p:nvPr/>
         </p:nvSpPr>
         <p:spPr>
           <a:xfrm>
-            <a:off x="21719202" y="9646906"/>
-            <a:ext cx="8026315" cy="1275384"/>
+            <a:off x="23517259" y="17001248"/>
+            <a:ext cx="11547927" cy="1802228"/>
           </a:xfrm>
           <a:prstGeom prst="rect">
             <a:avLst/>
@@ -8535,12 +7501,12 @@
           </a:extLst>
         </p:spPr>
         <p:txBody>
-          <a:bodyPr wrap="none" lIns="66302" tIns="66302" rIns="66302" bIns="66302" anchor="ctr">
+          <a:bodyPr wrap="none" lIns="75774" tIns="75774" rIns="75774" bIns="75774" anchor="ctr">
             <a:spAutoFit/>
           </a:bodyPr>
           <a:lstStyle>
             <a:lvl1pPr>
-              <a:defRPr sz="9000">
+              <a:defRPr sz="13000">
                 <a:solidFill>
                   <a:srgbClr val="FFAA93"/>
                 </a:solidFill>
@@ -8561,14 +7527,14 @@
       </p:sp>
       <p:sp>
         <p:nvSpPr>
-          <p:cNvPr id="202" name="Analysis &amp;…"/>
+          <p:cNvPr id="181" name="Analysis &amp;…"/>
           <p:cNvSpPr txBox="1"/>
           <p:nvPr/>
         </p:nvSpPr>
         <p:spPr>
           <a:xfrm>
-            <a:off x="9252370" y="25339191"/>
-            <a:ext cx="6861548" cy="2646983"/>
+            <a:off x="9544292" y="36230031"/>
+            <a:ext cx="9865488" cy="3783428"/>
           </a:xfrm>
           <a:prstGeom prst="rect">
             <a:avLst/>
@@ -8583,13 +7549,13 @@
           </a:extLst>
         </p:spPr>
         <p:txBody>
-          <a:bodyPr wrap="none" lIns="66302" tIns="66302" rIns="66302" bIns="66302" anchor="ctr">
+          <a:bodyPr wrap="none" lIns="75774" tIns="75774" rIns="75774" bIns="75774" anchor="ctr">
             <a:spAutoFit/>
           </a:bodyPr>
           <a:lstStyle/>
           <a:p>
             <a:pPr>
-              <a:defRPr sz="9000">
+              <a:defRPr sz="13000">
                 <a:solidFill>
                   <a:srgbClr val="FFAA93"/>
                 </a:solidFill>
@@ -8605,7 +7571,7 @@
           </a:p>
           <a:p>
             <a:pPr>
-              <a:defRPr sz="9000">
+              <a:defRPr sz="13000">
                 <a:solidFill>
                   <a:srgbClr val="FFAA93"/>
                 </a:solidFill>
@@ -8623,14 +7589,14 @@
       </p:sp>
       <p:sp>
         <p:nvSpPr>
-          <p:cNvPr id="203" name="Discussion"/>
+          <p:cNvPr id="182" name="Discussion"/>
           <p:cNvSpPr txBox="1"/>
           <p:nvPr/>
         </p:nvSpPr>
         <p:spPr>
           <a:xfrm>
-            <a:off x="28560357" y="25387300"/>
-            <a:ext cx="6695233" cy="1275383"/>
+            <a:off x="31785181" y="36842393"/>
+            <a:ext cx="8897485" cy="1675253"/>
           </a:xfrm>
           <a:prstGeom prst="rect">
             <a:avLst/>
@@ -8645,12 +7611,12 @@
           </a:extLst>
         </p:spPr>
         <p:txBody>
-          <a:bodyPr wrap="none" lIns="66302" tIns="66302" rIns="66302" bIns="66302" anchor="ctr">
+          <a:bodyPr wrap="none" lIns="75774" tIns="75774" rIns="75774" bIns="75774" anchor="ctr">
             <a:spAutoFit/>
           </a:bodyPr>
           <a:lstStyle>
             <a:lvl1pPr>
-              <a:defRPr sz="9000">
+              <a:defRPr sz="12000">
                 <a:solidFill>
                   <a:srgbClr val="FFAA93"/>
                 </a:solidFill>
@@ -8671,14 +7637,14 @@
       </p:sp>
       <p:sp>
         <p:nvSpPr>
-          <p:cNvPr id="204" name="Affiliation logo here"/>
+          <p:cNvPr id="183" name="Affiliation logo here"/>
           <p:cNvSpPr txBox="1"/>
           <p:nvPr/>
         </p:nvSpPr>
         <p:spPr>
           <a:xfrm>
-            <a:off x="5730410" y="5924991"/>
-            <a:ext cx="4668658" cy="1854573"/>
+            <a:off x="33628526" y="11602785"/>
+            <a:ext cx="6372962" cy="2665928"/>
           </a:xfrm>
           <a:prstGeom prst="rect">
             <a:avLst/>
@@ -8693,12 +7659,12 @@
           </a:extLst>
         </p:spPr>
         <p:txBody>
-          <a:bodyPr lIns="66302" tIns="66302" rIns="66302" bIns="66302" anchor="ctr">
+          <a:bodyPr lIns="75774" tIns="75774" rIns="75774" bIns="75774" anchor="ctr">
             <a:spAutoFit/>
           </a:bodyPr>
           <a:lstStyle>
             <a:lvl1pPr>
-              <a:defRPr b="0" sz="6200">
+              <a:defRPr b="0" sz="9000">
                 <a:solidFill>
                   <a:srgbClr val="000000"/>
                 </a:solidFill>
@@ -8717,16 +7683,944 @@
           </a:p>
         </p:txBody>
       </p:sp>
+      <p:grpSp>
+        <p:nvGrpSpPr>
+          <p:cNvPr id="203" name="Group"/>
+          <p:cNvGrpSpPr/>
+          <p:nvPr/>
+        </p:nvGrpSpPr>
+        <p:grpSpPr>
+          <a:xfrm>
+            <a:off x="889721" y="1690758"/>
+            <a:ext cx="42243736" cy="8373062"/>
+            <a:chOff x="0" y="0"/>
+            <a:chExt cx="42243734" cy="8373060"/>
+          </a:xfrm>
+        </p:grpSpPr>
+        <p:grpSp>
+          <p:nvGrpSpPr>
+            <p:cNvPr id="192" name="Group"/>
+            <p:cNvGrpSpPr/>
+            <p:nvPr/>
+          </p:nvGrpSpPr>
+          <p:grpSpPr>
+            <a:xfrm flipH="1">
+              <a:off x="0" y="3390925"/>
+              <a:ext cx="6270408" cy="4982136"/>
+              <a:chOff x="0" y="0"/>
+              <a:chExt cx="6270407" cy="4982134"/>
+            </a:xfrm>
+          </p:grpSpPr>
+          <p:sp>
+            <p:nvSpPr>
+              <p:cNvPr id="184" name="Rectangle"/>
+              <p:cNvSpPr/>
+              <p:nvPr/>
+            </p:nvSpPr>
+            <p:spPr>
+              <a:xfrm>
+                <a:off x="19048" y="0"/>
+                <a:ext cx="3784153" cy="4958470"/>
+              </a:xfrm>
+              <a:prstGeom prst="rect">
+                <a:avLst/>
+              </a:prstGeom>
+              <a:solidFill>
+                <a:srgbClr val="424242"/>
+              </a:solidFill>
+              <a:ln w="3175" cap="flat">
+                <a:noFill/>
+                <a:miter lim="400000"/>
+              </a:ln>
+              <a:effectLst/>
+            </p:spPr>
+            <p:txBody>
+              <a:bodyPr wrap="square" lIns="75774" tIns="75774" rIns="75774" bIns="75774" numCol="1" anchor="ctr">
+                <a:noAutofit/>
+              </a:bodyPr>
+              <a:lstStyle/>
+              <a:p>
+                <a:pPr>
+                  <a:defRPr b="0" sz="11600">
+                    <a:latin typeface="+mn-lt"/>
+                    <a:ea typeface="+mn-ea"/>
+                    <a:cs typeface="+mn-cs"/>
+                    <a:sym typeface="Helvetica Neue Medium"/>
+                  </a:defRPr>
+                </a:pPr>
+              </a:p>
+            </p:txBody>
+          </p:sp>
+          <p:sp>
+            <p:nvSpPr>
+              <p:cNvPr id="185" name="Triangle"/>
+              <p:cNvSpPr/>
+              <p:nvPr/>
+            </p:nvSpPr>
+            <p:spPr>
+              <a:xfrm flipH="1" rot="10800000">
+                <a:off x="3781324" y="19049"/>
+                <a:ext cx="2476501" cy="2476501"/>
+              </a:xfrm>
+              <a:custGeom>
+                <a:avLst/>
+                <a:gdLst/>
+                <a:ahLst/>
+                <a:cxnLst>
+                  <a:cxn ang="0">
+                    <a:pos x="wd2" y="hd2"/>
+                  </a:cxn>
+                  <a:cxn ang="5400000">
+                    <a:pos x="wd2" y="hd2"/>
+                  </a:cxn>
+                  <a:cxn ang="10800000">
+                    <a:pos x="wd2" y="hd2"/>
+                  </a:cxn>
+                  <a:cxn ang="16200000">
+                    <a:pos x="wd2" y="hd2"/>
+                  </a:cxn>
+                </a:cxnLst>
+                <a:rect l="0" t="0" r="r" b="b"/>
+                <a:pathLst>
+                  <a:path w="21600" h="21600" fill="norm" stroke="1" extrusionOk="0">
+                    <a:moveTo>
+                      <a:pt x="0" y="0"/>
+                    </a:moveTo>
+                    <a:lnTo>
+                      <a:pt x="0" y="21600"/>
+                    </a:lnTo>
+                    <a:lnTo>
+                      <a:pt x="21600" y="21600"/>
+                    </a:lnTo>
+                    <a:close/>
+                  </a:path>
+                </a:pathLst>
+              </a:custGeom>
+              <a:solidFill>
+                <a:srgbClr val="424242"/>
+              </a:solidFill>
+              <a:ln w="3175" cap="flat">
+                <a:noFill/>
+                <a:miter lim="400000"/>
+              </a:ln>
+              <a:effectLst/>
+            </p:spPr>
+            <p:txBody>
+              <a:bodyPr wrap="square" lIns="75774" tIns="75774" rIns="75774" bIns="75774" numCol="1" anchor="ctr">
+                <a:noAutofit/>
+              </a:bodyPr>
+              <a:lstStyle/>
+              <a:p>
+                <a:pPr>
+                  <a:defRPr b="0" sz="11600">
+                    <a:latin typeface="+mn-lt"/>
+                    <a:ea typeface="+mn-ea"/>
+                    <a:cs typeface="+mn-cs"/>
+                    <a:sym typeface="Helvetica Neue Medium"/>
+                  </a:defRPr>
+                </a:pPr>
+              </a:p>
+            </p:txBody>
+          </p:sp>
+          <p:sp>
+            <p:nvSpPr>
+              <p:cNvPr id="186" name="Triangle"/>
+              <p:cNvSpPr/>
+              <p:nvPr/>
+            </p:nvSpPr>
+            <p:spPr>
+              <a:xfrm>
+                <a:off x="3778589" y="2479235"/>
+                <a:ext cx="2479236" cy="2479235"/>
+              </a:xfrm>
+              <a:custGeom>
+                <a:avLst/>
+                <a:gdLst/>
+                <a:ahLst/>
+                <a:cxnLst>
+                  <a:cxn ang="0">
+                    <a:pos x="wd2" y="hd2"/>
+                  </a:cxn>
+                  <a:cxn ang="5400000">
+                    <a:pos x="wd2" y="hd2"/>
+                  </a:cxn>
+                  <a:cxn ang="10800000">
+                    <a:pos x="wd2" y="hd2"/>
+                  </a:cxn>
+                  <a:cxn ang="16200000">
+                    <a:pos x="wd2" y="hd2"/>
+                  </a:cxn>
+                </a:cxnLst>
+                <a:rect l="0" t="0" r="r" b="b"/>
+                <a:pathLst>
+                  <a:path w="21600" h="21600" fill="norm" stroke="1" extrusionOk="0">
+                    <a:moveTo>
+                      <a:pt x="0" y="0"/>
+                    </a:moveTo>
+                    <a:lnTo>
+                      <a:pt x="0" y="21600"/>
+                    </a:lnTo>
+                    <a:lnTo>
+                      <a:pt x="21600" y="21600"/>
+                    </a:lnTo>
+                    <a:close/>
+                  </a:path>
+                </a:pathLst>
+              </a:custGeom>
+              <a:solidFill>
+                <a:srgbClr val="424242"/>
+              </a:solidFill>
+              <a:ln w="3175" cap="flat">
+                <a:noFill/>
+                <a:miter lim="400000"/>
+              </a:ln>
+              <a:effectLst/>
+            </p:spPr>
+            <p:txBody>
+              <a:bodyPr wrap="square" lIns="75774" tIns="75774" rIns="75774" bIns="75774" numCol="1" anchor="ctr">
+                <a:noAutofit/>
+              </a:bodyPr>
+              <a:lstStyle/>
+              <a:p>
+                <a:pPr>
+                  <a:defRPr b="0" sz="11600">
+                    <a:latin typeface="+mn-lt"/>
+                    <a:ea typeface="+mn-ea"/>
+                    <a:cs typeface="+mn-cs"/>
+                    <a:sym typeface="Helvetica Neue Medium"/>
+                  </a:defRPr>
+                </a:pPr>
+              </a:p>
+            </p:txBody>
+          </p:sp>
+          <p:sp>
+            <p:nvSpPr>
+              <p:cNvPr id="187" name="Line"/>
+              <p:cNvSpPr/>
+              <p:nvPr/>
+            </p:nvSpPr>
+            <p:spPr>
+              <a:xfrm>
+                <a:off x="36852" y="0"/>
+                <a:ext cx="6233556" cy="0"/>
+              </a:xfrm>
+              <a:prstGeom prst="line">
+                <a:avLst/>
+              </a:prstGeom>
+              <a:noFill/>
+              <a:ln w="38100" cap="flat">
+                <a:solidFill>
+                  <a:srgbClr val="000000"/>
+                </a:solidFill>
+                <a:prstDash val="solid"/>
+                <a:miter lim="400000"/>
+              </a:ln>
+              <a:effectLst/>
+            </p:spPr>
+            <p:txBody>
+              <a:bodyPr wrap="square" lIns="75774" tIns="75774" rIns="75774" bIns="75774" numCol="1" anchor="ctr">
+                <a:noAutofit/>
+              </a:bodyPr>
+              <a:lstStyle/>
+              <a:p>
+                <a:pPr>
+                  <a:defRPr b="0" sz="11600">
+                    <a:latin typeface="+mn-lt"/>
+                    <a:ea typeface="+mn-ea"/>
+                    <a:cs typeface="+mn-cs"/>
+                    <a:sym typeface="Helvetica Neue Medium"/>
+                  </a:defRPr>
+                </a:pPr>
+              </a:p>
+            </p:txBody>
+          </p:sp>
+          <p:sp>
+            <p:nvSpPr>
+              <p:cNvPr id="188" name="Line"/>
+              <p:cNvSpPr/>
+              <p:nvPr/>
+            </p:nvSpPr>
+            <p:spPr>
+              <a:xfrm flipV="1">
+                <a:off x="-1" y="881588"/>
+                <a:ext cx="2" cy="4100547"/>
+              </a:xfrm>
+              <a:prstGeom prst="line">
+                <a:avLst/>
+              </a:prstGeom>
+              <a:noFill/>
+              <a:ln w="38100" cap="flat">
+                <a:solidFill>
+                  <a:srgbClr val="000000"/>
+                </a:solidFill>
+                <a:prstDash val="solid"/>
+                <a:miter lim="400000"/>
+              </a:ln>
+              <a:effectLst/>
+            </p:spPr>
+            <p:txBody>
+              <a:bodyPr wrap="square" lIns="75774" tIns="75774" rIns="75774" bIns="75774" numCol="1" anchor="ctr">
+                <a:noAutofit/>
+              </a:bodyPr>
+              <a:lstStyle/>
+              <a:p>
+                <a:pPr>
+                  <a:defRPr b="0" sz="11600">
+                    <a:latin typeface="+mn-lt"/>
+                    <a:ea typeface="+mn-ea"/>
+                    <a:cs typeface="+mn-cs"/>
+                    <a:sym typeface="Helvetica Neue Medium"/>
+                  </a:defRPr>
+                </a:pPr>
+              </a:p>
+            </p:txBody>
+          </p:sp>
+          <p:sp>
+            <p:nvSpPr>
+              <p:cNvPr id="189" name="Line"/>
+              <p:cNvSpPr/>
+              <p:nvPr/>
+            </p:nvSpPr>
+            <p:spPr>
+              <a:xfrm flipH="1" flipV="1">
+                <a:off x="3797172" y="2509020"/>
+                <a:ext cx="2459763" cy="2459763"/>
+              </a:xfrm>
+              <a:prstGeom prst="line">
+                <a:avLst/>
+              </a:prstGeom>
+              <a:noFill/>
+              <a:ln w="38100" cap="flat">
+                <a:solidFill>
+                  <a:srgbClr val="000000"/>
+                </a:solidFill>
+                <a:prstDash val="solid"/>
+                <a:miter lim="400000"/>
+              </a:ln>
+              <a:effectLst/>
+            </p:spPr>
+            <p:txBody>
+              <a:bodyPr wrap="square" lIns="75774" tIns="75774" rIns="75774" bIns="75774" numCol="1" anchor="ctr">
+                <a:noAutofit/>
+              </a:bodyPr>
+              <a:lstStyle/>
+              <a:p>
+                <a:pPr>
+                  <a:defRPr b="0" sz="11600">
+                    <a:latin typeface="+mn-lt"/>
+                    <a:ea typeface="+mn-ea"/>
+                    <a:cs typeface="+mn-cs"/>
+                    <a:sym typeface="Helvetica Neue Medium"/>
+                  </a:defRPr>
+                </a:pPr>
+              </a:p>
+            </p:txBody>
+          </p:sp>
+          <p:sp>
+            <p:nvSpPr>
+              <p:cNvPr id="190" name="Triangle"/>
+              <p:cNvSpPr/>
+              <p:nvPr/>
+            </p:nvSpPr>
+            <p:spPr>
+              <a:xfrm flipH="1" rot="10800000">
+                <a:off x="4150" y="4410551"/>
+                <a:ext cx="2460867" cy="562751"/>
+              </a:xfrm>
+              <a:custGeom>
+                <a:avLst/>
+                <a:gdLst/>
+                <a:ahLst/>
+                <a:cxnLst>
+                  <a:cxn ang="0">
+                    <a:pos x="wd2" y="hd2"/>
+                  </a:cxn>
+                  <a:cxn ang="5400000">
+                    <a:pos x="wd2" y="hd2"/>
+                  </a:cxn>
+                  <a:cxn ang="10800000">
+                    <a:pos x="wd2" y="hd2"/>
+                  </a:cxn>
+                  <a:cxn ang="16200000">
+                    <a:pos x="wd2" y="hd2"/>
+                  </a:cxn>
+                </a:cxnLst>
+                <a:rect l="0" t="0" r="r" b="b"/>
+                <a:pathLst>
+                  <a:path w="21600" h="21600" fill="norm" stroke="1" extrusionOk="0">
+                    <a:moveTo>
+                      <a:pt x="0" y="0"/>
+                    </a:moveTo>
+                    <a:lnTo>
+                      <a:pt x="0" y="21600"/>
+                    </a:lnTo>
+                    <a:lnTo>
+                      <a:pt x="21600" y="21600"/>
+                    </a:lnTo>
+                    <a:close/>
+                  </a:path>
+                </a:pathLst>
+              </a:custGeom>
+              <a:solidFill>
+                <a:srgbClr val="000000"/>
+              </a:solidFill>
+              <a:ln w="38100" cap="flat">
+                <a:solidFill>
+                  <a:srgbClr val="000000"/>
+                </a:solidFill>
+                <a:prstDash val="solid"/>
+                <a:miter lim="400000"/>
+              </a:ln>
+              <a:effectLst/>
+            </p:spPr>
+            <p:txBody>
+              <a:bodyPr wrap="square" lIns="75774" tIns="75774" rIns="75774" bIns="75774" numCol="1" anchor="ctr">
+                <a:noAutofit/>
+              </a:bodyPr>
+              <a:lstStyle/>
+              <a:p>
+                <a:pPr>
+                  <a:defRPr b="0" sz="11600">
+                    <a:latin typeface="+mn-lt"/>
+                    <a:ea typeface="+mn-ea"/>
+                    <a:cs typeface="+mn-cs"/>
+                    <a:sym typeface="Helvetica Neue Medium"/>
+                  </a:defRPr>
+                </a:pPr>
+              </a:p>
+            </p:txBody>
+          </p:sp>
+          <p:sp>
+            <p:nvSpPr>
+              <p:cNvPr id="191" name="Line"/>
+              <p:cNvSpPr/>
+              <p:nvPr/>
+            </p:nvSpPr>
+            <p:spPr>
+              <a:xfrm flipH="1">
+                <a:off x="3781075" y="9082"/>
+                <a:ext cx="2476997" cy="2476998"/>
+              </a:xfrm>
+              <a:prstGeom prst="line">
+                <a:avLst/>
+              </a:prstGeom>
+              <a:noFill/>
+              <a:ln w="38100" cap="flat">
+                <a:solidFill>
+                  <a:srgbClr val="000000"/>
+                </a:solidFill>
+                <a:prstDash val="solid"/>
+                <a:miter lim="400000"/>
+              </a:ln>
+              <a:effectLst/>
+            </p:spPr>
+            <p:txBody>
+              <a:bodyPr wrap="square" lIns="75774" tIns="75774" rIns="75774" bIns="75774" numCol="1" anchor="ctr">
+                <a:noAutofit/>
+              </a:bodyPr>
+              <a:lstStyle/>
+              <a:p>
+                <a:pPr>
+                  <a:defRPr b="0" sz="11600">
+                    <a:latin typeface="+mn-lt"/>
+                    <a:ea typeface="+mn-ea"/>
+                    <a:cs typeface="+mn-cs"/>
+                    <a:sym typeface="Helvetica Neue Medium"/>
+                  </a:defRPr>
+                </a:pPr>
+              </a:p>
+            </p:txBody>
+          </p:sp>
+        </p:grpSp>
+        <p:grpSp>
+          <p:nvGrpSpPr>
+            <p:cNvPr id="201" name="Group"/>
+            <p:cNvGrpSpPr/>
+            <p:nvPr/>
+          </p:nvGrpSpPr>
+          <p:grpSpPr>
+            <a:xfrm>
+              <a:off x="35973327" y="3249066"/>
+              <a:ext cx="6270408" cy="4982135"/>
+              <a:chOff x="0" y="0"/>
+              <a:chExt cx="6270407" cy="4982134"/>
+            </a:xfrm>
+          </p:grpSpPr>
+          <p:sp>
+            <p:nvSpPr>
+              <p:cNvPr id="193" name="Rectangle"/>
+              <p:cNvSpPr/>
+              <p:nvPr/>
+            </p:nvSpPr>
+            <p:spPr>
+              <a:xfrm>
+                <a:off x="19048" y="0"/>
+                <a:ext cx="3784153" cy="4958470"/>
+              </a:xfrm>
+              <a:prstGeom prst="rect">
+                <a:avLst/>
+              </a:prstGeom>
+              <a:solidFill>
+                <a:srgbClr val="424242"/>
+              </a:solidFill>
+              <a:ln w="3175" cap="flat">
+                <a:noFill/>
+                <a:miter lim="400000"/>
+              </a:ln>
+              <a:effectLst/>
+            </p:spPr>
+            <p:txBody>
+              <a:bodyPr wrap="square" lIns="75774" tIns="75774" rIns="75774" bIns="75774" numCol="1" anchor="ctr">
+                <a:noAutofit/>
+              </a:bodyPr>
+              <a:lstStyle/>
+              <a:p>
+                <a:pPr>
+                  <a:defRPr b="0" sz="11600">
+                    <a:latin typeface="+mn-lt"/>
+                    <a:ea typeface="+mn-ea"/>
+                    <a:cs typeface="+mn-cs"/>
+                    <a:sym typeface="Helvetica Neue Medium"/>
+                  </a:defRPr>
+                </a:pPr>
+              </a:p>
+            </p:txBody>
+          </p:sp>
+          <p:sp>
+            <p:nvSpPr>
+              <p:cNvPr id="194" name="Triangle"/>
+              <p:cNvSpPr/>
+              <p:nvPr/>
+            </p:nvSpPr>
+            <p:spPr>
+              <a:xfrm flipH="1" rot="10800000">
+                <a:off x="3781324" y="19049"/>
+                <a:ext cx="2476501" cy="2476501"/>
+              </a:xfrm>
+              <a:custGeom>
+                <a:avLst/>
+                <a:gdLst/>
+                <a:ahLst/>
+                <a:cxnLst>
+                  <a:cxn ang="0">
+                    <a:pos x="wd2" y="hd2"/>
+                  </a:cxn>
+                  <a:cxn ang="5400000">
+                    <a:pos x="wd2" y="hd2"/>
+                  </a:cxn>
+                  <a:cxn ang="10800000">
+                    <a:pos x="wd2" y="hd2"/>
+                  </a:cxn>
+                  <a:cxn ang="16200000">
+                    <a:pos x="wd2" y="hd2"/>
+                  </a:cxn>
+                </a:cxnLst>
+                <a:rect l="0" t="0" r="r" b="b"/>
+                <a:pathLst>
+                  <a:path w="21600" h="21600" fill="norm" stroke="1" extrusionOk="0">
+                    <a:moveTo>
+                      <a:pt x="0" y="0"/>
+                    </a:moveTo>
+                    <a:lnTo>
+                      <a:pt x="0" y="21600"/>
+                    </a:lnTo>
+                    <a:lnTo>
+                      <a:pt x="21600" y="21600"/>
+                    </a:lnTo>
+                    <a:close/>
+                  </a:path>
+                </a:pathLst>
+              </a:custGeom>
+              <a:solidFill>
+                <a:srgbClr val="424242"/>
+              </a:solidFill>
+              <a:ln w="3175" cap="flat">
+                <a:noFill/>
+                <a:miter lim="400000"/>
+              </a:ln>
+              <a:effectLst/>
+            </p:spPr>
+            <p:txBody>
+              <a:bodyPr wrap="square" lIns="75774" tIns="75774" rIns="75774" bIns="75774" numCol="1" anchor="ctr">
+                <a:noAutofit/>
+              </a:bodyPr>
+              <a:lstStyle/>
+              <a:p>
+                <a:pPr>
+                  <a:defRPr b="0" sz="11600">
+                    <a:latin typeface="+mn-lt"/>
+                    <a:ea typeface="+mn-ea"/>
+                    <a:cs typeface="+mn-cs"/>
+                    <a:sym typeface="Helvetica Neue Medium"/>
+                  </a:defRPr>
+                </a:pPr>
+              </a:p>
+            </p:txBody>
+          </p:sp>
+          <p:sp>
+            <p:nvSpPr>
+              <p:cNvPr id="195" name="Triangle"/>
+              <p:cNvSpPr/>
+              <p:nvPr/>
+            </p:nvSpPr>
+            <p:spPr>
+              <a:xfrm>
+                <a:off x="3778589" y="2479235"/>
+                <a:ext cx="2479236" cy="2479235"/>
+              </a:xfrm>
+              <a:custGeom>
+                <a:avLst/>
+                <a:gdLst/>
+                <a:ahLst/>
+                <a:cxnLst>
+                  <a:cxn ang="0">
+                    <a:pos x="wd2" y="hd2"/>
+                  </a:cxn>
+                  <a:cxn ang="5400000">
+                    <a:pos x="wd2" y="hd2"/>
+                  </a:cxn>
+                  <a:cxn ang="10800000">
+                    <a:pos x="wd2" y="hd2"/>
+                  </a:cxn>
+                  <a:cxn ang="16200000">
+                    <a:pos x="wd2" y="hd2"/>
+                  </a:cxn>
+                </a:cxnLst>
+                <a:rect l="0" t="0" r="r" b="b"/>
+                <a:pathLst>
+                  <a:path w="21600" h="21600" fill="norm" stroke="1" extrusionOk="0">
+                    <a:moveTo>
+                      <a:pt x="0" y="0"/>
+                    </a:moveTo>
+                    <a:lnTo>
+                      <a:pt x="0" y="21600"/>
+                    </a:lnTo>
+                    <a:lnTo>
+                      <a:pt x="21600" y="21600"/>
+                    </a:lnTo>
+                    <a:close/>
+                  </a:path>
+                </a:pathLst>
+              </a:custGeom>
+              <a:solidFill>
+                <a:srgbClr val="424242"/>
+              </a:solidFill>
+              <a:ln w="3175" cap="flat">
+                <a:noFill/>
+                <a:miter lim="400000"/>
+              </a:ln>
+              <a:effectLst/>
+            </p:spPr>
+            <p:txBody>
+              <a:bodyPr wrap="square" lIns="75774" tIns="75774" rIns="75774" bIns="75774" numCol="1" anchor="ctr">
+                <a:noAutofit/>
+              </a:bodyPr>
+              <a:lstStyle/>
+              <a:p>
+                <a:pPr>
+                  <a:defRPr b="0" sz="11600">
+                    <a:latin typeface="+mn-lt"/>
+                    <a:ea typeface="+mn-ea"/>
+                    <a:cs typeface="+mn-cs"/>
+                    <a:sym typeface="Helvetica Neue Medium"/>
+                  </a:defRPr>
+                </a:pPr>
+              </a:p>
+            </p:txBody>
+          </p:sp>
+          <p:sp>
+            <p:nvSpPr>
+              <p:cNvPr id="196" name="Line"/>
+              <p:cNvSpPr/>
+              <p:nvPr/>
+            </p:nvSpPr>
+            <p:spPr>
+              <a:xfrm>
+                <a:off x="36852" y="0"/>
+                <a:ext cx="6233556" cy="0"/>
+              </a:xfrm>
+              <a:prstGeom prst="line">
+                <a:avLst/>
+              </a:prstGeom>
+              <a:noFill/>
+              <a:ln w="38100" cap="flat">
+                <a:solidFill>
+                  <a:srgbClr val="000000"/>
+                </a:solidFill>
+                <a:prstDash val="solid"/>
+                <a:miter lim="400000"/>
+              </a:ln>
+              <a:effectLst/>
+            </p:spPr>
+            <p:txBody>
+              <a:bodyPr wrap="square" lIns="75774" tIns="75774" rIns="75774" bIns="75774" numCol="1" anchor="ctr">
+                <a:noAutofit/>
+              </a:bodyPr>
+              <a:lstStyle/>
+              <a:p>
+                <a:pPr>
+                  <a:defRPr b="0" sz="11600">
+                    <a:latin typeface="+mn-lt"/>
+                    <a:ea typeface="+mn-ea"/>
+                    <a:cs typeface="+mn-cs"/>
+                    <a:sym typeface="Helvetica Neue Medium"/>
+                  </a:defRPr>
+                </a:pPr>
+              </a:p>
+            </p:txBody>
+          </p:sp>
+          <p:sp>
+            <p:nvSpPr>
+              <p:cNvPr id="197" name="Line"/>
+              <p:cNvSpPr/>
+              <p:nvPr/>
+            </p:nvSpPr>
+            <p:spPr>
+              <a:xfrm flipV="1">
+                <a:off x="-1" y="881588"/>
+                <a:ext cx="2" cy="4100547"/>
+              </a:xfrm>
+              <a:prstGeom prst="line">
+                <a:avLst/>
+              </a:prstGeom>
+              <a:noFill/>
+              <a:ln w="38100" cap="flat">
+                <a:solidFill>
+                  <a:srgbClr val="000000"/>
+                </a:solidFill>
+                <a:prstDash val="solid"/>
+                <a:miter lim="400000"/>
+              </a:ln>
+              <a:effectLst/>
+            </p:spPr>
+            <p:txBody>
+              <a:bodyPr wrap="square" lIns="75774" tIns="75774" rIns="75774" bIns="75774" numCol="1" anchor="ctr">
+                <a:noAutofit/>
+              </a:bodyPr>
+              <a:lstStyle/>
+              <a:p>
+                <a:pPr>
+                  <a:defRPr b="0" sz="11600">
+                    <a:latin typeface="+mn-lt"/>
+                    <a:ea typeface="+mn-ea"/>
+                    <a:cs typeface="+mn-cs"/>
+                    <a:sym typeface="Helvetica Neue Medium"/>
+                  </a:defRPr>
+                </a:pPr>
+              </a:p>
+            </p:txBody>
+          </p:sp>
+          <p:sp>
+            <p:nvSpPr>
+              <p:cNvPr id="198" name="Line"/>
+              <p:cNvSpPr/>
+              <p:nvPr/>
+            </p:nvSpPr>
+            <p:spPr>
+              <a:xfrm flipH="1" flipV="1">
+                <a:off x="3797172" y="2509020"/>
+                <a:ext cx="2459763" cy="2459763"/>
+              </a:xfrm>
+              <a:prstGeom prst="line">
+                <a:avLst/>
+              </a:prstGeom>
+              <a:noFill/>
+              <a:ln w="38100" cap="flat">
+                <a:solidFill>
+                  <a:srgbClr val="000000"/>
+                </a:solidFill>
+                <a:prstDash val="solid"/>
+                <a:miter lim="400000"/>
+              </a:ln>
+              <a:effectLst/>
+            </p:spPr>
+            <p:txBody>
+              <a:bodyPr wrap="square" lIns="75774" tIns="75774" rIns="75774" bIns="75774" numCol="1" anchor="ctr">
+                <a:noAutofit/>
+              </a:bodyPr>
+              <a:lstStyle/>
+              <a:p>
+                <a:pPr>
+                  <a:defRPr b="0" sz="11600">
+                    <a:latin typeface="+mn-lt"/>
+                    <a:ea typeface="+mn-ea"/>
+                    <a:cs typeface="+mn-cs"/>
+                    <a:sym typeface="Helvetica Neue Medium"/>
+                  </a:defRPr>
+                </a:pPr>
+              </a:p>
+            </p:txBody>
+          </p:sp>
+          <p:sp>
+            <p:nvSpPr>
+              <p:cNvPr id="199" name="Triangle"/>
+              <p:cNvSpPr/>
+              <p:nvPr/>
+            </p:nvSpPr>
+            <p:spPr>
+              <a:xfrm flipH="1" rot="10800000">
+                <a:off x="4150" y="4410551"/>
+                <a:ext cx="2460867" cy="562751"/>
+              </a:xfrm>
+              <a:custGeom>
+                <a:avLst/>
+                <a:gdLst/>
+                <a:ahLst/>
+                <a:cxnLst>
+                  <a:cxn ang="0">
+                    <a:pos x="wd2" y="hd2"/>
+                  </a:cxn>
+                  <a:cxn ang="5400000">
+                    <a:pos x="wd2" y="hd2"/>
+                  </a:cxn>
+                  <a:cxn ang="10800000">
+                    <a:pos x="wd2" y="hd2"/>
+                  </a:cxn>
+                  <a:cxn ang="16200000">
+                    <a:pos x="wd2" y="hd2"/>
+                  </a:cxn>
+                </a:cxnLst>
+                <a:rect l="0" t="0" r="r" b="b"/>
+                <a:pathLst>
+                  <a:path w="21600" h="21600" fill="norm" stroke="1" extrusionOk="0">
+                    <a:moveTo>
+                      <a:pt x="0" y="0"/>
+                    </a:moveTo>
+                    <a:lnTo>
+                      <a:pt x="0" y="21600"/>
+                    </a:lnTo>
+                    <a:lnTo>
+                      <a:pt x="21600" y="21600"/>
+                    </a:lnTo>
+                    <a:close/>
+                  </a:path>
+                </a:pathLst>
+              </a:custGeom>
+              <a:solidFill>
+                <a:srgbClr val="000000"/>
+              </a:solidFill>
+              <a:ln w="38100" cap="flat">
+                <a:solidFill>
+                  <a:srgbClr val="000000"/>
+                </a:solidFill>
+                <a:prstDash val="solid"/>
+                <a:miter lim="400000"/>
+              </a:ln>
+              <a:effectLst/>
+            </p:spPr>
+            <p:txBody>
+              <a:bodyPr wrap="square" lIns="75774" tIns="75774" rIns="75774" bIns="75774" numCol="1" anchor="ctr">
+                <a:noAutofit/>
+              </a:bodyPr>
+              <a:lstStyle/>
+              <a:p>
+                <a:pPr>
+                  <a:defRPr b="0" sz="11600">
+                    <a:latin typeface="+mn-lt"/>
+                    <a:ea typeface="+mn-ea"/>
+                    <a:cs typeface="+mn-cs"/>
+                    <a:sym typeface="Helvetica Neue Medium"/>
+                  </a:defRPr>
+                </a:pPr>
+              </a:p>
+            </p:txBody>
+          </p:sp>
+          <p:sp>
+            <p:nvSpPr>
+              <p:cNvPr id="200" name="Line"/>
+              <p:cNvSpPr/>
+              <p:nvPr/>
+            </p:nvSpPr>
+            <p:spPr>
+              <a:xfrm flipH="1">
+                <a:off x="3781075" y="9082"/>
+                <a:ext cx="2476997" cy="2476998"/>
+              </a:xfrm>
+              <a:prstGeom prst="line">
+                <a:avLst/>
+              </a:prstGeom>
+              <a:noFill/>
+              <a:ln w="38100" cap="flat">
+                <a:solidFill>
+                  <a:srgbClr val="000000"/>
+                </a:solidFill>
+                <a:prstDash val="solid"/>
+                <a:miter lim="400000"/>
+              </a:ln>
+              <a:effectLst/>
+            </p:spPr>
+            <p:txBody>
+              <a:bodyPr wrap="square" lIns="75774" tIns="75774" rIns="75774" bIns="75774" numCol="1" anchor="ctr">
+                <a:noAutofit/>
+              </a:bodyPr>
+              <a:lstStyle/>
+              <a:p>
+                <a:pPr>
+                  <a:defRPr b="0" sz="11600">
+                    <a:latin typeface="+mn-lt"/>
+                    <a:ea typeface="+mn-ea"/>
+                    <a:cs typeface="+mn-cs"/>
+                    <a:sym typeface="Helvetica Neue Medium"/>
+                  </a:defRPr>
+                </a:pPr>
+              </a:p>
+            </p:txBody>
+          </p:sp>
+        </p:grpSp>
+        <p:sp>
+          <p:nvSpPr>
+            <p:cNvPr id="202" name="Rectangle"/>
+            <p:cNvSpPr/>
+            <p:nvPr/>
+          </p:nvSpPr>
+          <p:spPr>
+            <a:xfrm>
+              <a:off x="3717449" y="0"/>
+              <a:ext cx="34676858" cy="7735773"/>
+            </a:xfrm>
+            <a:prstGeom prst="rect">
+              <a:avLst/>
+            </a:prstGeom>
+            <a:solidFill>
+              <a:srgbClr val="424242"/>
+            </a:solidFill>
+            <a:ln w="101600" cap="flat">
+              <a:solidFill>
+                <a:srgbClr val="000000"/>
+              </a:solidFill>
+              <a:prstDash val="solid"/>
+              <a:miter lim="400000"/>
+            </a:ln>
+            <a:effectLst/>
+          </p:spPr>
+          <p:txBody>
+            <a:bodyPr wrap="square" lIns="75774" tIns="75774" rIns="75774" bIns="75774" numCol="1" anchor="ctr">
+              <a:noAutofit/>
+            </a:bodyPr>
+            <a:lstStyle/>
+            <a:p>
+              <a:pPr>
+                <a:defRPr b="0" sz="11600">
+                  <a:latin typeface="+mn-lt"/>
+                  <a:ea typeface="+mn-ea"/>
+                  <a:cs typeface="+mn-cs"/>
+                  <a:sym typeface="Helvetica Neue Medium"/>
+                </a:defRPr>
+              </a:pPr>
+            </a:p>
+          </p:txBody>
+        </p:sp>
+      </p:grpSp>
       <p:sp>
         <p:nvSpPr>
-          <p:cNvPr id="205" name="Affiliation logo here"/>
+          <p:cNvPr id="204" name="The TL;DR you want people to remember (or title if it’s not super long)"/>
           <p:cNvSpPr txBox="1"/>
           <p:nvPr/>
         </p:nvSpPr>
         <p:spPr>
           <a:xfrm>
-            <a:off x="28005732" y="5924991"/>
-            <a:ext cx="4668657" cy="1854573"/>
+            <a:off x="5255236" y="2118321"/>
+            <a:ext cx="33512705" cy="7059953"/>
           </a:xfrm>
           <a:prstGeom prst="rect">
             <a:avLst/>
@@ -8741,12 +8635,66 @@
           </a:extLst>
         </p:spPr>
         <p:txBody>
-          <a:bodyPr lIns="66302" tIns="66302" rIns="66302" bIns="66302" anchor="ctr">
+          <a:bodyPr lIns="75774" tIns="75774" rIns="75774" bIns="75774" anchor="ctr">
+            <a:spAutoFit/>
+          </a:bodyPr>
+          <a:lstStyle/>
+          <a:p>
+            <a:pPr>
+              <a:defRPr sz="16000">
+                <a:latin typeface="Rockwell"/>
+                <a:ea typeface="Rockwell"/>
+                <a:cs typeface="Rockwell"/>
+                <a:sym typeface="Rockwell"/>
+              </a:defRPr>
+            </a:pPr>
+            <a:r>
+              <a:t>The </a:t>
+            </a:r>
+            <a:r>
+              <a:rPr>
+                <a:solidFill>
+                  <a:srgbClr val="FFAB93"/>
+                </a:solidFill>
+              </a:rPr>
+              <a:t>TL;DR</a:t>
+            </a:r>
+            <a:r>
+              <a:t> you want people to remember (or title if it’s not super long)</a:t>
+            </a:r>
+          </a:p>
+        </p:txBody>
+      </p:sp>
+      <p:sp>
+        <p:nvSpPr>
+          <p:cNvPr id="205" name="Affiliation logo here"/>
+          <p:cNvSpPr txBox="1"/>
+          <p:nvPr/>
+        </p:nvSpPr>
+        <p:spPr>
+          <a:xfrm>
+            <a:off x="4093745" y="11602785"/>
+            <a:ext cx="6372961" cy="2665928"/>
+          </a:xfrm>
+          <a:prstGeom prst="rect">
+            <a:avLst/>
+          </a:prstGeom>
+          <a:ln w="3175">
+            <a:miter lim="400000"/>
+          </a:ln>
+          <a:extLst>
+            <a:ext uri="{C572A759-6A51-4108-AA02-DFA0A04FC94B}">
+              <ma14:wrappingTextBoxFlag xmlns:ma14="http://schemas.microsoft.com/office/mac/drawingml/2011/main" val="1"/>
+            </a:ext>
+          </a:extLst>
+        </p:spPr>
+        <p:txBody>
+          <a:bodyPr lIns="75774" tIns="75774" rIns="75774" bIns="75774" anchor="ctr">
             <a:spAutoFit/>
           </a:bodyPr>
           <a:lstStyle>
             <a:lvl1pPr>
-              <a:defRPr b="0" sz="6200">
+              <a:defRPr b="0" sz="9000">
                 <a:solidFill>
                   <a:srgbClr val="000000"/>
                 </a:solidFill>
@@ -8976,11 +8924,11 @@
         <a:effectLst/>
         <a:sp3d/>
       </a:spPr>
-      <a:bodyPr rot="0" spcFirstLastPara="1" vertOverflow="overflow" horzOverflow="overflow" vert="horz" wrap="square" lIns="66302" tIns="66302" rIns="66302" bIns="66302" numCol="1" spcCol="38100" rtlCol="0" anchor="ctr" upright="0">
+      <a:bodyPr rot="0" spcFirstLastPara="1" vertOverflow="overflow" horzOverflow="overflow" vert="horz" wrap="square" lIns="75774" tIns="75774" rIns="75774" bIns="75774" numCol="1" spcCol="38100" rtlCol="0" anchor="ctr" upright="0">
         <a:spAutoFit/>
       </a:bodyPr>
       <a:lstStyle>
-        <a:defPPr marL="0" marR="0" indent="0" algn="ctr" defTabSz="2409825" rtl="0" fontAlgn="auto" latinLnBrk="0" hangingPunct="0">
+        <a:defPPr marL="0" marR="0" indent="0" algn="ctr" defTabSz="3505200" rtl="0" fontAlgn="auto" latinLnBrk="0" hangingPunct="0">
           <a:lnSpc>
             <a:spcPct val="100000"/>
           </a:lnSpc>
@@ -8995,7 +8943,7 @@
           <a:buFontTx/>
           <a:buNone/>
           <a:tabLst/>
-          <a:defRPr b="0" baseline="0" cap="none" i="0" spc="0" strike="noStrike" sz="8000" u="none" kumimoji="0" normalizeH="0">
+          <a:defRPr b="0" baseline="0" cap="none" i="0" spc="0" strike="noStrike" sz="11600" u="none" kumimoji="0" normalizeH="0">
             <a:ln>
               <a:noFill/>
             </a:ln>
@@ -9547,11 +9495,11 @@
         <a:effectLst/>
         <a:sp3d/>
       </a:spPr>
-      <a:bodyPr rot="0" spcFirstLastPara="1" vertOverflow="overflow" horzOverflow="overflow" vert="horz" wrap="square" lIns="66302" tIns="66302" rIns="66302" bIns="66302" numCol="1" spcCol="38100" rtlCol="0" anchor="ctr" upright="0">
+      <a:bodyPr rot="0" spcFirstLastPara="1" vertOverflow="overflow" horzOverflow="overflow" vert="horz" wrap="square" lIns="75774" tIns="75774" rIns="75774" bIns="75774" numCol="1" spcCol="38100" rtlCol="0" anchor="ctr" upright="0">
         <a:spAutoFit/>
       </a:bodyPr>
       <a:lstStyle>
-        <a:defPPr marL="0" marR="0" indent="0" algn="ctr" defTabSz="2409825" rtl="0" fontAlgn="auto" latinLnBrk="0" hangingPunct="0">
+        <a:defPPr marL="0" marR="0" indent="0" algn="ctr" defTabSz="3505200" rtl="0" fontAlgn="auto" latinLnBrk="0" hangingPunct="0">
           <a:lnSpc>
             <a:spcPct val="100000"/>
           </a:lnSpc>
@@ -9566,7 +9514,7 @@
           <a:buFontTx/>
           <a:buNone/>
           <a:tabLst/>
-          <a:defRPr b="1" baseline="0" cap="none" i="0" spc="0" strike="noStrike" sz="8600" u="none" kumimoji="0" normalizeH="0">
+          <a:defRPr b="1" baseline="0" cap="none" i="0" spc="0" strike="noStrike" sz="12400" u="none" kumimoji="0" normalizeH="0">
             <a:ln>
               <a:noFill/>
             </a:ln>
@@ -10029,11 +9977,11 @@
         <a:effectLst/>
         <a:sp3d/>
       </a:spPr>
-      <a:bodyPr rot="0" spcFirstLastPara="1" vertOverflow="overflow" horzOverflow="overflow" vert="horz" wrap="square" lIns="66302" tIns="66302" rIns="66302" bIns="66302" numCol="1" spcCol="38100" rtlCol="0" anchor="ctr" upright="0">
+      <a:bodyPr rot="0" spcFirstLastPara="1" vertOverflow="overflow" horzOverflow="overflow" vert="horz" wrap="square" lIns="75774" tIns="75774" rIns="75774" bIns="75774" numCol="1" spcCol="38100" rtlCol="0" anchor="ctr" upright="0">
         <a:spAutoFit/>
       </a:bodyPr>
       <a:lstStyle>
-        <a:defPPr marL="0" marR="0" indent="0" algn="ctr" defTabSz="2409825" rtl="0" fontAlgn="auto" latinLnBrk="0" hangingPunct="0">
+        <a:defPPr marL="0" marR="0" indent="0" algn="ctr" defTabSz="3505200" rtl="0" fontAlgn="auto" latinLnBrk="0" hangingPunct="0">
           <a:lnSpc>
             <a:spcPct val="100000"/>
           </a:lnSpc>
@@ -10048,7 +9996,7 @@
           <a:buFontTx/>
           <a:buNone/>
           <a:tabLst/>
-          <a:defRPr b="0" baseline="0" cap="none" i="0" spc="0" strike="noStrike" sz="8000" u="none" kumimoji="0" normalizeH="0">
+          <a:defRPr b="0" baseline="0" cap="none" i="0" spc="0" strike="noStrike" sz="11600" u="none" kumimoji="0" normalizeH="0">
             <a:ln>
               <a:noFill/>
             </a:ln>
@@ -10600,11 +10548,11 @@
         <a:effectLst/>
         <a:sp3d/>
       </a:spPr>
-      <a:bodyPr rot="0" spcFirstLastPara="1" vertOverflow="overflow" horzOverflow="overflow" vert="horz" wrap="square" lIns="66302" tIns="66302" rIns="66302" bIns="66302" numCol="1" spcCol="38100" rtlCol="0" anchor="ctr" upright="0">
+      <a:bodyPr rot="0" spcFirstLastPara="1" vertOverflow="overflow" horzOverflow="overflow" vert="horz" wrap="square" lIns="75774" tIns="75774" rIns="75774" bIns="75774" numCol="1" spcCol="38100" rtlCol="0" anchor="ctr" upright="0">
         <a:spAutoFit/>
       </a:bodyPr>
       <a:lstStyle>
-        <a:defPPr marL="0" marR="0" indent="0" algn="ctr" defTabSz="2409825" rtl="0" fontAlgn="auto" latinLnBrk="0" hangingPunct="0">
+        <a:defPPr marL="0" marR="0" indent="0" algn="ctr" defTabSz="3505200" rtl="0" fontAlgn="auto" latinLnBrk="0" hangingPunct="0">
           <a:lnSpc>
             <a:spcPct val="100000"/>
           </a:lnSpc>
@@ -10619,7 +10567,7 @@
           <a:buFontTx/>
           <a:buNone/>
           <a:tabLst/>
-          <a:defRPr b="1" baseline="0" cap="none" i="0" spc="0" strike="noStrike" sz="8600" u="none" kumimoji="0" normalizeH="0">
+          <a:defRPr b="1" baseline="0" cap="none" i="0" spc="0" strike="noStrike" sz="12400" u="none" kumimoji="0" normalizeH="0">
             <a:ln>
               <a:noFill/>
             </a:ln>
